--- a/FE_Lesson/Lesson-1.pptx
+++ b/FE_Lesson/Lesson-1.pptx
@@ -8,6 +8,18 @@
     <p:sldId id="256" r:id="rId2"/>
     <p:sldId id="257" r:id="rId3"/>
     <p:sldId id="258" r:id="rId4"/>
+    <p:sldId id="259" r:id="rId5"/>
+    <p:sldId id="260" r:id="rId6"/>
+    <p:sldId id="261" r:id="rId7"/>
+    <p:sldId id="262" r:id="rId8"/>
+    <p:sldId id="263" r:id="rId9"/>
+    <p:sldId id="264" r:id="rId10"/>
+    <p:sldId id="265" r:id="rId11"/>
+    <p:sldId id="266" r:id="rId12"/>
+    <p:sldId id="267" r:id="rId13"/>
+    <p:sldId id="268" r:id="rId14"/>
+    <p:sldId id="269" r:id="rId15"/>
+    <p:sldId id="270" r:id="rId16"/>
   </p:sldIdLst>
   <p:sldSz cx="12192000" cy="6858000"/>
   <p:notesSz cx="6858000" cy="9144000"/>
@@ -779,7 +791,7 @@
           <a:lstStyle/>
           <a:p>
             <a:r>
-              <a:rPr lang="en-US"/>
+              <a:rPr lang="en-US" dirty="0"/>
               <a:t>Click to edit Master title style</a:t>
             </a:r>
           </a:p>
@@ -808,35 +820,35 @@
           <a:p>
             <a:pPr lvl="0"/>
             <a:r>
-              <a:rPr lang="en-US"/>
+              <a:rPr lang="en-US" dirty="0"/>
               <a:t>Click to edit Master text styles</a:t>
             </a:r>
           </a:p>
           <a:p>
             <a:pPr lvl="1"/>
             <a:r>
-              <a:rPr lang="en-US"/>
+              <a:rPr lang="en-US" dirty="0"/>
               <a:t>Second level</a:t>
             </a:r>
           </a:p>
           <a:p>
             <a:pPr lvl="2"/>
             <a:r>
-              <a:rPr lang="en-US"/>
+              <a:rPr lang="en-US" dirty="0"/>
               <a:t>Third level</a:t>
             </a:r>
           </a:p>
           <a:p>
             <a:pPr lvl="3"/>
             <a:r>
-              <a:rPr lang="en-US"/>
+              <a:rPr lang="en-US" dirty="0"/>
               <a:t>Fourth level</a:t>
             </a:r>
           </a:p>
           <a:p>
             <a:pPr lvl="4"/>
             <a:r>
-              <a:rPr lang="en-US"/>
+              <a:rPr lang="en-US" dirty="0"/>
               <a:t>Fifth level</a:t>
             </a:r>
           </a:p>
@@ -3377,7 +3389,7 @@
 </p:sld>
 </file>
 
-<file path=ppt/slides/slide2.xml><?xml version="1.0" encoding="utf-8"?>
+<file path=ppt/slides/slide10.xml><?xml version="1.0" encoding="utf-8"?>
 <p:sld xmlns:a="http://schemas.openxmlformats.org/drawingml/2006/main" xmlns:r="http://schemas.openxmlformats.org/officeDocument/2006/relationships" xmlns:p="http://schemas.openxmlformats.org/presentationml/2006/main">
   <p:cSld>
     <p:spTree>
@@ -3396,10 +3408,10 @@
       </p:grpSpPr>
       <p:sp>
         <p:nvSpPr>
-          <p:cNvPr id="11" name="Flowchart: Process 10">
-            <a:extLst>
-              <a:ext uri="{FF2B5EF4-FFF2-40B4-BE49-F238E27FC236}">
-                <a16:creationId xmlns:a16="http://schemas.microsoft.com/office/drawing/2014/main" id="{F5F586FB-CA77-E429-2784-FB7D5B550086}"/>
+          <p:cNvPr id="4" name="Rectangle 3">
+            <a:extLst>
+              <a:ext uri="{FF2B5EF4-FFF2-40B4-BE49-F238E27FC236}">
+                <a16:creationId xmlns:a16="http://schemas.microsoft.com/office/drawing/2014/main" id="{1172D0F4-1042-6ABA-F2C4-0B1D072A422D}"/>
               </a:ext>
             </a:extLst>
           </p:cNvPr>
@@ -3408,8 +3420,1657 @@
         </p:nvSpPr>
         <p:spPr>
           <a:xfrm>
-            <a:off x="0" y="0"/>
-            <a:ext cx="5984115" cy="6858000"/>
+            <a:off x="0" y="-26670"/>
+            <a:ext cx="12192000" cy="1108710"/>
+          </a:xfrm>
+          <a:custGeom>
+            <a:avLst/>
+            <a:gdLst>
+              <a:gd name="connsiteX0" fmla="*/ 0 w 12192000"/>
+              <a:gd name="connsiteY0" fmla="*/ 0 h 1043940"/>
+              <a:gd name="connsiteX1" fmla="*/ 12192000 w 12192000"/>
+              <a:gd name="connsiteY1" fmla="*/ 0 h 1043940"/>
+              <a:gd name="connsiteX2" fmla="*/ 12192000 w 12192000"/>
+              <a:gd name="connsiteY2" fmla="*/ 1043940 h 1043940"/>
+              <a:gd name="connsiteX3" fmla="*/ 0 w 12192000"/>
+              <a:gd name="connsiteY3" fmla="*/ 1043940 h 1043940"/>
+              <a:gd name="connsiteX4" fmla="*/ 0 w 12192000"/>
+              <a:gd name="connsiteY4" fmla="*/ 0 h 1043940"/>
+              <a:gd name="connsiteX0" fmla="*/ 0 w 12192000"/>
+              <a:gd name="connsiteY0" fmla="*/ 0 h 1043940"/>
+              <a:gd name="connsiteX1" fmla="*/ 12192000 w 12192000"/>
+              <a:gd name="connsiteY1" fmla="*/ 0 h 1043940"/>
+              <a:gd name="connsiteX2" fmla="*/ 12192000 w 12192000"/>
+              <a:gd name="connsiteY2" fmla="*/ 952500 h 1043940"/>
+              <a:gd name="connsiteX3" fmla="*/ 0 w 12192000"/>
+              <a:gd name="connsiteY3" fmla="*/ 1043940 h 1043940"/>
+              <a:gd name="connsiteX4" fmla="*/ 0 w 12192000"/>
+              <a:gd name="connsiteY4" fmla="*/ 0 h 1043940"/>
+              <a:gd name="connsiteX0" fmla="*/ 0 w 12192000"/>
+              <a:gd name="connsiteY0" fmla="*/ 0 h 1108710"/>
+              <a:gd name="connsiteX1" fmla="*/ 12192000 w 12192000"/>
+              <a:gd name="connsiteY1" fmla="*/ 0 h 1108710"/>
+              <a:gd name="connsiteX2" fmla="*/ 12192000 w 12192000"/>
+              <a:gd name="connsiteY2" fmla="*/ 952500 h 1108710"/>
+              <a:gd name="connsiteX3" fmla="*/ 3810 w 12192000"/>
+              <a:gd name="connsiteY3" fmla="*/ 1108710 h 1108710"/>
+              <a:gd name="connsiteX4" fmla="*/ 0 w 12192000"/>
+              <a:gd name="connsiteY4" fmla="*/ 0 h 1108710"/>
+              <a:gd name="connsiteX0" fmla="*/ 0 w 12192000"/>
+              <a:gd name="connsiteY0" fmla="*/ 0 h 1108710"/>
+              <a:gd name="connsiteX1" fmla="*/ 12192000 w 12192000"/>
+              <a:gd name="connsiteY1" fmla="*/ 0 h 1108710"/>
+              <a:gd name="connsiteX2" fmla="*/ 12192000 w 12192000"/>
+              <a:gd name="connsiteY2" fmla="*/ 952500 h 1108710"/>
+              <a:gd name="connsiteX3" fmla="*/ 3810 w 12192000"/>
+              <a:gd name="connsiteY3" fmla="*/ 1108710 h 1108710"/>
+              <a:gd name="connsiteX4" fmla="*/ 0 w 12192000"/>
+              <a:gd name="connsiteY4" fmla="*/ 0 h 1108710"/>
+            </a:gdLst>
+            <a:ahLst/>
+            <a:cxnLst>
+              <a:cxn ang="0">
+                <a:pos x="connsiteX0" y="connsiteY0"/>
+              </a:cxn>
+              <a:cxn ang="0">
+                <a:pos x="connsiteX1" y="connsiteY1"/>
+              </a:cxn>
+              <a:cxn ang="0">
+                <a:pos x="connsiteX2" y="connsiteY2"/>
+              </a:cxn>
+              <a:cxn ang="0">
+                <a:pos x="connsiteX3" y="connsiteY3"/>
+              </a:cxn>
+              <a:cxn ang="0">
+                <a:pos x="connsiteX4" y="connsiteY4"/>
+              </a:cxn>
+            </a:cxnLst>
+            <a:rect l="l" t="t" r="r" b="b"/>
+            <a:pathLst>
+              <a:path w="12192000" h="1108710">
+                <a:moveTo>
+                  <a:pt x="0" y="0"/>
+                </a:moveTo>
+                <a:lnTo>
+                  <a:pt x="12192000" y="0"/>
+                </a:lnTo>
+                <a:lnTo>
+                  <a:pt x="12192000" y="952500"/>
+                </a:lnTo>
+                <a:cubicBezTo>
+                  <a:pt x="8129270" y="1004570"/>
+                  <a:pt x="4138930" y="523240"/>
+                  <a:pt x="3810" y="1108710"/>
+                </a:cubicBezTo>
+                <a:lnTo>
+                  <a:pt x="0" y="0"/>
+                </a:lnTo>
+                <a:close/>
+              </a:path>
+            </a:pathLst>
+          </a:custGeom>
+          <a:solidFill>
+            <a:srgbClr val="0C3255"/>
+          </a:solidFill>
+          <a:ln>
+            <a:noFill/>
+          </a:ln>
+        </p:spPr>
+        <p:style>
+          <a:lnRef idx="2">
+            <a:schemeClr val="accent1">
+              <a:shade val="50000"/>
+            </a:schemeClr>
+          </a:lnRef>
+          <a:fillRef idx="1">
+            <a:schemeClr val="accent1"/>
+          </a:fillRef>
+          <a:effectRef idx="0">
+            <a:schemeClr val="accent1"/>
+          </a:effectRef>
+          <a:fontRef idx="minor">
+            <a:schemeClr val="lt1"/>
+          </a:fontRef>
+        </p:style>
+        <p:txBody>
+          <a:bodyPr rtlCol="0" anchor="ctr"/>
+          <a:lstStyle/>
+          <a:p>
+            <a:pPr algn="ctr"/>
+            <a:endParaRPr lang="en-US" dirty="0"/>
+          </a:p>
+        </p:txBody>
+      </p:sp>
+      <p:pic>
+        <p:nvPicPr>
+          <p:cNvPr id="5" name="Picture 4">
+            <a:extLst>
+              <a:ext uri="{FF2B5EF4-FFF2-40B4-BE49-F238E27FC236}">
+                <a16:creationId xmlns:a16="http://schemas.microsoft.com/office/drawing/2014/main" id="{5741C49F-3757-49B0-A057-BFAC9E208366}"/>
+              </a:ext>
+            </a:extLst>
+          </p:cNvPr>
+          <p:cNvPicPr>
+            <a:picLocks noChangeAspect="1"/>
+          </p:cNvPicPr>
+          <p:nvPr/>
+        </p:nvPicPr>
+        <p:blipFill>
+          <a:blip r:embed="rId2">
+            <a:extLst>
+              <a:ext uri="{28A0092B-C50C-407E-A947-70E740481C1C}">
+                <a14:useLocalDpi xmlns:a14="http://schemas.microsoft.com/office/drawing/2010/main" val="0"/>
+              </a:ext>
+            </a:extLst>
+          </a:blip>
+          <a:stretch>
+            <a:fillRect/>
+          </a:stretch>
+        </p:blipFill>
+        <p:spPr>
+          <a:xfrm>
+            <a:off x="11198949" y="6440202"/>
+            <a:ext cx="871131" cy="311118"/>
+          </a:xfrm>
+          <a:prstGeom prst="rect">
+            <a:avLst/>
+          </a:prstGeom>
+        </p:spPr>
+      </p:pic>
+      <p:sp>
+        <p:nvSpPr>
+          <p:cNvPr id="7" name="TextBox 6">
+            <a:extLst>
+              <a:ext uri="{FF2B5EF4-FFF2-40B4-BE49-F238E27FC236}">
+                <a16:creationId xmlns:a16="http://schemas.microsoft.com/office/drawing/2014/main" id="{89EC5970-4A94-C0F5-A2B4-C3DA652935F5}"/>
+              </a:ext>
+            </a:extLst>
+          </p:cNvPr>
+          <p:cNvSpPr txBox="1"/>
+          <p:nvPr/>
+        </p:nvSpPr>
+        <p:spPr>
+          <a:xfrm>
+            <a:off x="182880" y="296852"/>
+            <a:ext cx="3322320" cy="461665"/>
+          </a:xfrm>
+          <a:prstGeom prst="rect">
+            <a:avLst/>
+          </a:prstGeom>
+          <a:noFill/>
+        </p:spPr>
+        <p:txBody>
+          <a:bodyPr wrap="square" rtlCol="0">
+            <a:spAutoFit/>
+          </a:bodyPr>
+          <a:lstStyle/>
+          <a:p>
+            <a:r>
+              <a:rPr lang="en-GB" sz="2400" dirty="0">
+                <a:solidFill>
+                  <a:schemeClr val="bg1"/>
+                </a:solidFill>
+                <a:latin typeface="Berlin Sans FB Demi" panose="020E0802020502020306" pitchFamily="34" charset="0"/>
+              </a:rPr>
+              <a:t>CSS pseudo-elements</a:t>
+            </a:r>
+            <a:endParaRPr lang="en-US" sz="2400" dirty="0">
+              <a:solidFill>
+                <a:schemeClr val="bg1"/>
+              </a:solidFill>
+              <a:latin typeface="Berlin Sans FB Demi" panose="020E0802020502020306" pitchFamily="34" charset="0"/>
+            </a:endParaRPr>
+          </a:p>
+        </p:txBody>
+      </p:sp>
+      <p:pic>
+        <p:nvPicPr>
+          <p:cNvPr id="1026" name="Picture 2" descr="Difference between HTML and CSS">
+            <a:extLst>
+              <a:ext uri="{FF2B5EF4-FFF2-40B4-BE49-F238E27FC236}">
+                <a16:creationId xmlns:a16="http://schemas.microsoft.com/office/drawing/2014/main" id="{4595703F-9A05-97D4-7884-8D355272587C}"/>
+              </a:ext>
+            </a:extLst>
+          </p:cNvPr>
+          <p:cNvPicPr>
+            <a:picLocks noChangeAspect="1" noChangeArrowheads="1"/>
+          </p:cNvPicPr>
+          <p:nvPr/>
+        </p:nvPicPr>
+        <p:blipFill>
+          <a:blip r:embed="rId3">
+            <a:extLst>
+              <a:ext uri="{28A0092B-C50C-407E-A947-70E740481C1C}">
+                <a14:useLocalDpi xmlns:a14="http://schemas.microsoft.com/office/drawing/2010/main" val="0"/>
+              </a:ext>
+            </a:extLst>
+          </a:blip>
+          <a:srcRect/>
+          <a:stretch>
+            <a:fillRect/>
+          </a:stretch>
+        </p:blipFill>
+        <p:spPr bwMode="auto">
+          <a:xfrm>
+            <a:off x="6577342" y="2058406"/>
+            <a:ext cx="5241278" cy="2741188"/>
+          </a:xfrm>
+          <a:prstGeom prst="rect">
+            <a:avLst/>
+          </a:prstGeom>
+          <a:noFill/>
+          <a:extLst>
+            <a:ext uri="{909E8E84-426E-40DD-AFC4-6F175D3DCCD1}">
+              <a14:hiddenFill xmlns:a14="http://schemas.microsoft.com/office/drawing/2010/main">
+                <a:solidFill>
+                  <a:srgbClr val="FFFFFF"/>
+                </a:solidFill>
+              </a14:hiddenFill>
+            </a:ext>
+          </a:extLst>
+        </p:spPr>
+      </p:pic>
+      <p:sp>
+        <p:nvSpPr>
+          <p:cNvPr id="3" name="TextBox 2">
+            <a:extLst>
+              <a:ext uri="{FF2B5EF4-FFF2-40B4-BE49-F238E27FC236}">
+                <a16:creationId xmlns:a16="http://schemas.microsoft.com/office/drawing/2014/main" id="{C83EF85B-DEC6-BDAE-1056-BE77B523BF5A}"/>
+              </a:ext>
+            </a:extLst>
+          </p:cNvPr>
+          <p:cNvSpPr txBox="1"/>
+          <p:nvPr/>
+        </p:nvSpPr>
+        <p:spPr>
+          <a:xfrm>
+            <a:off x="373380" y="2579370"/>
+            <a:ext cx="5562600" cy="1200329"/>
+          </a:xfrm>
+          <a:prstGeom prst="rect">
+            <a:avLst/>
+          </a:prstGeom>
+          <a:noFill/>
+        </p:spPr>
+        <p:txBody>
+          <a:bodyPr wrap="square" rtlCol="0">
+            <a:spAutoFit/>
+          </a:bodyPr>
+          <a:lstStyle/>
+          <a:p>
+            <a:pPr marL="285750" indent="-285750">
+              <a:buFont typeface="Arial" panose="020B0604020202020204" pitchFamily="34" charset="0"/>
+              <a:buChar char="•"/>
+            </a:pPr>
+            <a:r>
+              <a:rPr lang="en-GB" dirty="0">
+                <a:solidFill>
+                  <a:srgbClr val="000000"/>
+                </a:solidFill>
+                <a:latin typeface="Berlin Sans FB" panose="020E0602020502020306" pitchFamily="34" charset="0"/>
+              </a:rPr>
+              <a:t>::before</a:t>
+            </a:r>
+          </a:p>
+          <a:p>
+            <a:pPr marL="285750" indent="-285750">
+              <a:buFont typeface="Arial" panose="020B0604020202020204" pitchFamily="34" charset="0"/>
+              <a:buChar char="•"/>
+            </a:pPr>
+            <a:r>
+              <a:rPr lang="en-GB" b="0" i="0" dirty="0">
+                <a:solidFill>
+                  <a:srgbClr val="000000"/>
+                </a:solidFill>
+                <a:effectLst/>
+                <a:latin typeface="Berlin Sans FB" panose="020E0602020502020306" pitchFamily="34" charset="0"/>
+              </a:rPr>
+              <a:t>::after</a:t>
+            </a:r>
+          </a:p>
+          <a:p>
+            <a:pPr marL="285750" indent="-285750">
+              <a:buFont typeface="Arial" panose="020B0604020202020204" pitchFamily="34" charset="0"/>
+              <a:buChar char="•"/>
+            </a:pPr>
+            <a:r>
+              <a:rPr lang="en-GB" dirty="0">
+                <a:solidFill>
+                  <a:srgbClr val="000000"/>
+                </a:solidFill>
+                <a:latin typeface="Berlin Sans FB" panose="020E0602020502020306" pitchFamily="34" charset="0"/>
+              </a:rPr>
+              <a:t>::first-letter</a:t>
+            </a:r>
+          </a:p>
+          <a:p>
+            <a:pPr marL="285750" indent="-285750">
+              <a:buFont typeface="Arial" panose="020B0604020202020204" pitchFamily="34" charset="0"/>
+              <a:buChar char="•"/>
+            </a:pPr>
+            <a:r>
+              <a:rPr lang="en-GB" dirty="0">
+                <a:solidFill>
+                  <a:srgbClr val="000000"/>
+                </a:solidFill>
+                <a:latin typeface="Berlin Sans FB" panose="020E0602020502020306" pitchFamily="34" charset="0"/>
+              </a:rPr>
+              <a:t>::first-line</a:t>
+            </a:r>
+          </a:p>
+        </p:txBody>
+      </p:sp>
+    </p:spTree>
+    <p:extLst>
+      <p:ext uri="{BB962C8B-B14F-4D97-AF65-F5344CB8AC3E}">
+        <p14:creationId xmlns:p14="http://schemas.microsoft.com/office/powerpoint/2010/main" val="3964556751"/>
+      </p:ext>
+    </p:extLst>
+  </p:cSld>
+  <p:clrMapOvr>
+    <a:masterClrMapping/>
+  </p:clrMapOvr>
+</p:sld>
+</file>
+
+<file path=ppt/slides/slide11.xml><?xml version="1.0" encoding="utf-8"?>
+<p:sld xmlns:a="http://schemas.openxmlformats.org/drawingml/2006/main" xmlns:r="http://schemas.openxmlformats.org/officeDocument/2006/relationships" xmlns:p="http://schemas.openxmlformats.org/presentationml/2006/main">
+  <p:cSld>
+    <p:spTree>
+      <p:nvGrpSpPr>
+        <p:cNvPr id="1" name=""/>
+        <p:cNvGrpSpPr/>
+        <p:nvPr/>
+      </p:nvGrpSpPr>
+      <p:grpSpPr>
+        <a:xfrm>
+          <a:off x="0" y="0"/>
+          <a:ext cx="0" cy="0"/>
+          <a:chOff x="0" y="0"/>
+          <a:chExt cx="0" cy="0"/>
+        </a:xfrm>
+      </p:grpSpPr>
+      <p:sp>
+        <p:nvSpPr>
+          <p:cNvPr id="4" name="Rectangle 3">
+            <a:extLst>
+              <a:ext uri="{FF2B5EF4-FFF2-40B4-BE49-F238E27FC236}">
+                <a16:creationId xmlns:a16="http://schemas.microsoft.com/office/drawing/2014/main" id="{1172D0F4-1042-6ABA-F2C4-0B1D072A422D}"/>
+              </a:ext>
+            </a:extLst>
+          </p:cNvPr>
+          <p:cNvSpPr/>
+          <p:nvPr/>
+        </p:nvSpPr>
+        <p:spPr>
+          <a:xfrm>
+            <a:off x="0" y="-26670"/>
+            <a:ext cx="12192000" cy="1108710"/>
+          </a:xfrm>
+          <a:custGeom>
+            <a:avLst/>
+            <a:gdLst>
+              <a:gd name="connsiteX0" fmla="*/ 0 w 12192000"/>
+              <a:gd name="connsiteY0" fmla="*/ 0 h 1043940"/>
+              <a:gd name="connsiteX1" fmla="*/ 12192000 w 12192000"/>
+              <a:gd name="connsiteY1" fmla="*/ 0 h 1043940"/>
+              <a:gd name="connsiteX2" fmla="*/ 12192000 w 12192000"/>
+              <a:gd name="connsiteY2" fmla="*/ 1043940 h 1043940"/>
+              <a:gd name="connsiteX3" fmla="*/ 0 w 12192000"/>
+              <a:gd name="connsiteY3" fmla="*/ 1043940 h 1043940"/>
+              <a:gd name="connsiteX4" fmla="*/ 0 w 12192000"/>
+              <a:gd name="connsiteY4" fmla="*/ 0 h 1043940"/>
+              <a:gd name="connsiteX0" fmla="*/ 0 w 12192000"/>
+              <a:gd name="connsiteY0" fmla="*/ 0 h 1043940"/>
+              <a:gd name="connsiteX1" fmla="*/ 12192000 w 12192000"/>
+              <a:gd name="connsiteY1" fmla="*/ 0 h 1043940"/>
+              <a:gd name="connsiteX2" fmla="*/ 12192000 w 12192000"/>
+              <a:gd name="connsiteY2" fmla="*/ 952500 h 1043940"/>
+              <a:gd name="connsiteX3" fmla="*/ 0 w 12192000"/>
+              <a:gd name="connsiteY3" fmla="*/ 1043940 h 1043940"/>
+              <a:gd name="connsiteX4" fmla="*/ 0 w 12192000"/>
+              <a:gd name="connsiteY4" fmla="*/ 0 h 1043940"/>
+              <a:gd name="connsiteX0" fmla="*/ 0 w 12192000"/>
+              <a:gd name="connsiteY0" fmla="*/ 0 h 1108710"/>
+              <a:gd name="connsiteX1" fmla="*/ 12192000 w 12192000"/>
+              <a:gd name="connsiteY1" fmla="*/ 0 h 1108710"/>
+              <a:gd name="connsiteX2" fmla="*/ 12192000 w 12192000"/>
+              <a:gd name="connsiteY2" fmla="*/ 952500 h 1108710"/>
+              <a:gd name="connsiteX3" fmla="*/ 3810 w 12192000"/>
+              <a:gd name="connsiteY3" fmla="*/ 1108710 h 1108710"/>
+              <a:gd name="connsiteX4" fmla="*/ 0 w 12192000"/>
+              <a:gd name="connsiteY4" fmla="*/ 0 h 1108710"/>
+              <a:gd name="connsiteX0" fmla="*/ 0 w 12192000"/>
+              <a:gd name="connsiteY0" fmla="*/ 0 h 1108710"/>
+              <a:gd name="connsiteX1" fmla="*/ 12192000 w 12192000"/>
+              <a:gd name="connsiteY1" fmla="*/ 0 h 1108710"/>
+              <a:gd name="connsiteX2" fmla="*/ 12192000 w 12192000"/>
+              <a:gd name="connsiteY2" fmla="*/ 952500 h 1108710"/>
+              <a:gd name="connsiteX3" fmla="*/ 3810 w 12192000"/>
+              <a:gd name="connsiteY3" fmla="*/ 1108710 h 1108710"/>
+              <a:gd name="connsiteX4" fmla="*/ 0 w 12192000"/>
+              <a:gd name="connsiteY4" fmla="*/ 0 h 1108710"/>
+            </a:gdLst>
+            <a:ahLst/>
+            <a:cxnLst>
+              <a:cxn ang="0">
+                <a:pos x="connsiteX0" y="connsiteY0"/>
+              </a:cxn>
+              <a:cxn ang="0">
+                <a:pos x="connsiteX1" y="connsiteY1"/>
+              </a:cxn>
+              <a:cxn ang="0">
+                <a:pos x="connsiteX2" y="connsiteY2"/>
+              </a:cxn>
+              <a:cxn ang="0">
+                <a:pos x="connsiteX3" y="connsiteY3"/>
+              </a:cxn>
+              <a:cxn ang="0">
+                <a:pos x="connsiteX4" y="connsiteY4"/>
+              </a:cxn>
+            </a:cxnLst>
+            <a:rect l="l" t="t" r="r" b="b"/>
+            <a:pathLst>
+              <a:path w="12192000" h="1108710">
+                <a:moveTo>
+                  <a:pt x="0" y="0"/>
+                </a:moveTo>
+                <a:lnTo>
+                  <a:pt x="12192000" y="0"/>
+                </a:lnTo>
+                <a:lnTo>
+                  <a:pt x="12192000" y="952500"/>
+                </a:lnTo>
+                <a:cubicBezTo>
+                  <a:pt x="8129270" y="1004570"/>
+                  <a:pt x="4138930" y="523240"/>
+                  <a:pt x="3810" y="1108710"/>
+                </a:cubicBezTo>
+                <a:lnTo>
+                  <a:pt x="0" y="0"/>
+                </a:lnTo>
+                <a:close/>
+              </a:path>
+            </a:pathLst>
+          </a:custGeom>
+          <a:solidFill>
+            <a:srgbClr val="0C3255"/>
+          </a:solidFill>
+          <a:ln>
+            <a:noFill/>
+          </a:ln>
+        </p:spPr>
+        <p:style>
+          <a:lnRef idx="2">
+            <a:schemeClr val="accent1">
+              <a:shade val="50000"/>
+            </a:schemeClr>
+          </a:lnRef>
+          <a:fillRef idx="1">
+            <a:schemeClr val="accent1"/>
+          </a:fillRef>
+          <a:effectRef idx="0">
+            <a:schemeClr val="accent1"/>
+          </a:effectRef>
+          <a:fontRef idx="minor">
+            <a:schemeClr val="lt1"/>
+          </a:fontRef>
+        </p:style>
+        <p:txBody>
+          <a:bodyPr rtlCol="0" anchor="ctr"/>
+          <a:lstStyle/>
+          <a:p>
+            <a:pPr algn="ctr"/>
+            <a:endParaRPr lang="en-US" dirty="0"/>
+          </a:p>
+        </p:txBody>
+      </p:sp>
+      <p:pic>
+        <p:nvPicPr>
+          <p:cNvPr id="5" name="Picture 4">
+            <a:extLst>
+              <a:ext uri="{FF2B5EF4-FFF2-40B4-BE49-F238E27FC236}">
+                <a16:creationId xmlns:a16="http://schemas.microsoft.com/office/drawing/2014/main" id="{5741C49F-3757-49B0-A057-BFAC9E208366}"/>
+              </a:ext>
+            </a:extLst>
+          </p:cNvPr>
+          <p:cNvPicPr>
+            <a:picLocks noChangeAspect="1"/>
+          </p:cNvPicPr>
+          <p:nvPr/>
+        </p:nvPicPr>
+        <p:blipFill>
+          <a:blip r:embed="rId2">
+            <a:extLst>
+              <a:ext uri="{28A0092B-C50C-407E-A947-70E740481C1C}">
+                <a14:useLocalDpi xmlns:a14="http://schemas.microsoft.com/office/drawing/2010/main" val="0"/>
+              </a:ext>
+            </a:extLst>
+          </a:blip>
+          <a:stretch>
+            <a:fillRect/>
+          </a:stretch>
+        </p:blipFill>
+        <p:spPr>
+          <a:xfrm>
+            <a:off x="11198949" y="6440202"/>
+            <a:ext cx="871131" cy="311118"/>
+          </a:xfrm>
+          <a:prstGeom prst="rect">
+            <a:avLst/>
+          </a:prstGeom>
+        </p:spPr>
+      </p:pic>
+      <p:sp>
+        <p:nvSpPr>
+          <p:cNvPr id="7" name="TextBox 6">
+            <a:extLst>
+              <a:ext uri="{FF2B5EF4-FFF2-40B4-BE49-F238E27FC236}">
+                <a16:creationId xmlns:a16="http://schemas.microsoft.com/office/drawing/2014/main" id="{89EC5970-4A94-C0F5-A2B4-C3DA652935F5}"/>
+              </a:ext>
+            </a:extLst>
+          </p:cNvPr>
+          <p:cNvSpPr txBox="1"/>
+          <p:nvPr/>
+        </p:nvSpPr>
+        <p:spPr>
+          <a:xfrm>
+            <a:off x="182880" y="296852"/>
+            <a:ext cx="3322320" cy="461665"/>
+          </a:xfrm>
+          <a:prstGeom prst="rect">
+            <a:avLst/>
+          </a:prstGeom>
+          <a:noFill/>
+        </p:spPr>
+        <p:txBody>
+          <a:bodyPr wrap="square" rtlCol="0">
+            <a:spAutoFit/>
+          </a:bodyPr>
+          <a:lstStyle/>
+          <a:p>
+            <a:r>
+              <a:rPr lang="en-GB" sz="2400" dirty="0">
+                <a:solidFill>
+                  <a:schemeClr val="bg1"/>
+                </a:solidFill>
+                <a:latin typeface="Berlin Sans FB Demi" panose="020E0802020502020306" pitchFamily="34" charset="0"/>
+              </a:rPr>
+              <a:t>CSS display</a:t>
+            </a:r>
+            <a:endParaRPr lang="en-US" sz="2400" dirty="0">
+              <a:solidFill>
+                <a:schemeClr val="bg1"/>
+              </a:solidFill>
+              <a:latin typeface="Berlin Sans FB Demi" panose="020E0802020502020306" pitchFamily="34" charset="0"/>
+            </a:endParaRPr>
+          </a:p>
+        </p:txBody>
+      </p:sp>
+      <p:graphicFrame>
+        <p:nvGraphicFramePr>
+          <p:cNvPr id="11" name="Table 11">
+            <a:extLst>
+              <a:ext uri="{FF2B5EF4-FFF2-40B4-BE49-F238E27FC236}">
+                <a16:creationId xmlns:a16="http://schemas.microsoft.com/office/drawing/2014/main" id="{0BE17AE1-0D00-9812-6426-A6361C67203B}"/>
+              </a:ext>
+            </a:extLst>
+          </p:cNvPr>
+          <p:cNvGraphicFramePr>
+            <a:graphicFrameLocks noGrp="1"/>
+          </p:cNvGraphicFramePr>
+          <p:nvPr>
+            <p:extLst>
+              <p:ext uri="{D42A27DB-BD31-4B8C-83A1-F6EECF244321}">
+                <p14:modId xmlns:p14="http://schemas.microsoft.com/office/powerpoint/2010/main" val="367837747"/>
+              </p:ext>
+            </p:extLst>
+          </p:nvPr>
+        </p:nvGraphicFramePr>
+        <p:xfrm>
+          <a:off x="1062990" y="2202180"/>
+          <a:ext cx="10587992" cy="2501545"/>
+        </p:xfrm>
+        <a:graphic>
+          <a:graphicData uri="http://schemas.openxmlformats.org/drawingml/2006/table">
+            <a:tbl>
+              <a:tblPr firstRow="1" bandRow="1">
+                <a:tableStyleId>{5C22544A-7EE6-4342-B048-85BDC9FD1C3A}</a:tableStyleId>
+              </a:tblPr>
+              <a:tblGrid>
+                <a:gridCol w="2646998">
+                  <a:extLst>
+                    <a:ext uri="{9D8B030D-6E8A-4147-A177-3AD203B41FA5}">
+                      <a16:colId xmlns:a16="http://schemas.microsoft.com/office/drawing/2014/main" val="1110221844"/>
+                    </a:ext>
+                  </a:extLst>
+                </a:gridCol>
+                <a:gridCol w="2646998">
+                  <a:extLst>
+                    <a:ext uri="{9D8B030D-6E8A-4147-A177-3AD203B41FA5}">
+                      <a16:colId xmlns:a16="http://schemas.microsoft.com/office/drawing/2014/main" val="2668100508"/>
+                    </a:ext>
+                  </a:extLst>
+                </a:gridCol>
+                <a:gridCol w="2211704">
+                  <a:extLst>
+                    <a:ext uri="{9D8B030D-6E8A-4147-A177-3AD203B41FA5}">
+                      <a16:colId xmlns:a16="http://schemas.microsoft.com/office/drawing/2014/main" val="3283858899"/>
+                    </a:ext>
+                  </a:extLst>
+                </a:gridCol>
+                <a:gridCol w="3082292">
+                  <a:extLst>
+                    <a:ext uri="{9D8B030D-6E8A-4147-A177-3AD203B41FA5}">
+                      <a16:colId xmlns:a16="http://schemas.microsoft.com/office/drawing/2014/main" val="3235618439"/>
+                    </a:ext>
+                  </a:extLst>
+                </a:gridCol>
+              </a:tblGrid>
+              <a:tr h="500309">
+                <a:tc>
+                  <a:txBody>
+                    <a:bodyPr/>
+                    <a:lstStyle/>
+                    <a:p>
+                      <a:endParaRPr lang="en-US" dirty="0"/>
+                    </a:p>
+                  </a:txBody>
+                  <a:tcPr/>
+                </a:tc>
+                <a:tc>
+                  <a:txBody>
+                    <a:bodyPr/>
+                    <a:lstStyle/>
+                    <a:p>
+                      <a:pPr algn="ctr"/>
+                      <a:r>
+                        <a:rPr lang="en-GB" dirty="0">
+                          <a:latin typeface="Berlin Sans FB" panose="020E0602020502020306" pitchFamily="34" charset="0"/>
+                        </a:rPr>
+                        <a:t>Inline</a:t>
+                      </a:r>
+                      <a:endParaRPr lang="en-US" dirty="0">
+                        <a:latin typeface="Berlin Sans FB" panose="020E0602020502020306" pitchFamily="34" charset="0"/>
+                      </a:endParaRPr>
+                    </a:p>
+                  </a:txBody>
+                  <a:tcPr/>
+                </a:tc>
+                <a:tc>
+                  <a:txBody>
+                    <a:bodyPr/>
+                    <a:lstStyle/>
+                    <a:p>
+                      <a:pPr algn="ctr"/>
+                      <a:r>
+                        <a:rPr lang="en-GB" dirty="0">
+                          <a:latin typeface="Berlin Sans FB" panose="020E0602020502020306" pitchFamily="34" charset="0"/>
+                        </a:rPr>
+                        <a:t>Block</a:t>
+                      </a:r>
+                      <a:endParaRPr lang="en-US" dirty="0">
+                        <a:latin typeface="Berlin Sans FB" panose="020E0602020502020306" pitchFamily="34" charset="0"/>
+                      </a:endParaRPr>
+                    </a:p>
+                  </a:txBody>
+                  <a:tcPr/>
+                </a:tc>
+                <a:tc>
+                  <a:txBody>
+                    <a:bodyPr/>
+                    <a:lstStyle/>
+                    <a:p>
+                      <a:pPr algn="ctr"/>
+                      <a:r>
+                        <a:rPr lang="en-GB" dirty="0">
+                          <a:latin typeface="Berlin Sans FB" panose="020E0602020502020306" pitchFamily="34" charset="0"/>
+                        </a:rPr>
+                        <a:t>Inline-block</a:t>
+                      </a:r>
+                      <a:endParaRPr lang="en-US" dirty="0">
+                        <a:latin typeface="Berlin Sans FB" panose="020E0602020502020306" pitchFamily="34" charset="0"/>
+                      </a:endParaRPr>
+                    </a:p>
+                  </a:txBody>
+                  <a:tcPr/>
+                </a:tc>
+                <a:extLst>
+                  <a:ext uri="{0D108BD9-81ED-4DB2-BD59-A6C34878D82A}">
+                    <a16:rowId xmlns:a16="http://schemas.microsoft.com/office/drawing/2014/main" val="571067605"/>
+                  </a:ext>
+                </a:extLst>
+              </a:tr>
+              <a:tr h="500309">
+                <a:tc>
+                  <a:txBody>
+                    <a:bodyPr/>
+                    <a:lstStyle/>
+                    <a:p>
+                      <a:r>
+                        <a:rPr lang="en-GB" dirty="0">
+                          <a:latin typeface="Berlin Sans FB" panose="020E0602020502020306" pitchFamily="34" charset="0"/>
+                        </a:rPr>
+                        <a:t>Display</a:t>
+                      </a:r>
+                      <a:endParaRPr lang="en-US" dirty="0">
+                        <a:latin typeface="Berlin Sans FB" panose="020E0602020502020306" pitchFamily="34" charset="0"/>
+                      </a:endParaRPr>
+                    </a:p>
+                  </a:txBody>
+                  <a:tcPr/>
+                </a:tc>
+                <a:tc>
+                  <a:txBody>
+                    <a:bodyPr/>
+                    <a:lstStyle/>
+                    <a:p>
+                      <a:r>
+                        <a:rPr lang="en-GB" dirty="0">
+                          <a:latin typeface="Berlin Sans FB" panose="020E0602020502020306" pitchFamily="34" charset="0"/>
+                        </a:rPr>
+                        <a:t>As an inline element</a:t>
+                      </a:r>
+                      <a:endParaRPr lang="en-US" dirty="0">
+                        <a:latin typeface="Berlin Sans FB" panose="020E0602020502020306" pitchFamily="34" charset="0"/>
+                      </a:endParaRPr>
+                    </a:p>
+                  </a:txBody>
+                  <a:tcPr/>
+                </a:tc>
+                <a:tc>
+                  <a:txBody>
+                    <a:bodyPr/>
+                    <a:lstStyle/>
+                    <a:p>
+                      <a:r>
+                        <a:rPr lang="en-GB" dirty="0"/>
+                        <a:t>As a block element</a:t>
+                      </a:r>
+                      <a:endParaRPr lang="en-US" dirty="0"/>
+                    </a:p>
+                  </a:txBody>
+                  <a:tcPr/>
+                </a:tc>
+                <a:tc>
+                  <a:txBody>
+                    <a:bodyPr/>
+                    <a:lstStyle/>
+                    <a:p>
+                      <a:r>
+                        <a:rPr lang="en-GB" dirty="0"/>
+                        <a:t>As an inline-block container</a:t>
+                      </a:r>
+                      <a:endParaRPr lang="en-US" dirty="0"/>
+                    </a:p>
+                  </a:txBody>
+                  <a:tcPr/>
+                </a:tc>
+                <a:extLst>
+                  <a:ext uri="{0D108BD9-81ED-4DB2-BD59-A6C34878D82A}">
+                    <a16:rowId xmlns:a16="http://schemas.microsoft.com/office/drawing/2014/main" val="450226979"/>
+                  </a:ext>
+                </a:extLst>
+              </a:tr>
+              <a:tr h="500309">
+                <a:tc>
+                  <a:txBody>
+                    <a:bodyPr/>
+                    <a:lstStyle/>
+                    <a:p>
+                      <a:r>
+                        <a:rPr lang="en-GB" dirty="0"/>
+                        <a:t>Width, height</a:t>
+                      </a:r>
+                      <a:endParaRPr lang="en-US" dirty="0"/>
+                    </a:p>
+                  </a:txBody>
+                  <a:tcPr/>
+                </a:tc>
+                <a:tc>
+                  <a:txBody>
+                    <a:bodyPr/>
+                    <a:lstStyle/>
+                    <a:p>
+                      <a:endParaRPr lang="en-US" dirty="0"/>
+                    </a:p>
+                  </a:txBody>
+                  <a:tcPr/>
+                </a:tc>
+                <a:tc>
+                  <a:txBody>
+                    <a:bodyPr/>
+                    <a:lstStyle/>
+                    <a:p>
+                      <a:endParaRPr lang="en-US" dirty="0"/>
+                    </a:p>
+                  </a:txBody>
+                  <a:tcPr/>
+                </a:tc>
+                <a:tc>
+                  <a:txBody>
+                    <a:bodyPr/>
+                    <a:lstStyle/>
+                    <a:p>
+                      <a:endParaRPr lang="en-US" dirty="0"/>
+                    </a:p>
+                  </a:txBody>
+                  <a:tcPr/>
+                </a:tc>
+                <a:extLst>
+                  <a:ext uri="{0D108BD9-81ED-4DB2-BD59-A6C34878D82A}">
+                    <a16:rowId xmlns:a16="http://schemas.microsoft.com/office/drawing/2014/main" val="3635840319"/>
+                  </a:ext>
+                </a:extLst>
+              </a:tr>
+              <a:tr h="500309">
+                <a:tc>
+                  <a:txBody>
+                    <a:bodyPr/>
+                    <a:lstStyle/>
+                    <a:p>
+                      <a:r>
+                        <a:rPr lang="en-GB" dirty="0"/>
+                        <a:t>Margin</a:t>
+                      </a:r>
+                      <a:endParaRPr lang="en-US" dirty="0"/>
+                    </a:p>
+                  </a:txBody>
+                  <a:tcPr/>
+                </a:tc>
+                <a:tc>
+                  <a:txBody>
+                    <a:bodyPr/>
+                    <a:lstStyle/>
+                    <a:p>
+                      <a:pPr algn="ctr"/>
+                      <a:r>
+                        <a:rPr lang="en-GB" dirty="0"/>
+                        <a:t>Left and right</a:t>
+                      </a:r>
+                      <a:endParaRPr lang="en-US" dirty="0"/>
+                    </a:p>
+                  </a:txBody>
+                  <a:tcPr/>
+                </a:tc>
+                <a:tc>
+                  <a:txBody>
+                    <a:bodyPr/>
+                    <a:lstStyle/>
+                    <a:p>
+                      <a:endParaRPr lang="en-US" dirty="0"/>
+                    </a:p>
+                  </a:txBody>
+                  <a:tcPr/>
+                </a:tc>
+                <a:tc>
+                  <a:txBody>
+                    <a:bodyPr/>
+                    <a:lstStyle/>
+                    <a:p>
+                      <a:endParaRPr lang="en-US" dirty="0"/>
+                    </a:p>
+                  </a:txBody>
+                  <a:tcPr/>
+                </a:tc>
+                <a:extLst>
+                  <a:ext uri="{0D108BD9-81ED-4DB2-BD59-A6C34878D82A}">
+                    <a16:rowId xmlns:a16="http://schemas.microsoft.com/office/drawing/2014/main" val="135915696"/>
+                  </a:ext>
+                </a:extLst>
+              </a:tr>
+              <a:tr h="500309">
+                <a:tc>
+                  <a:txBody>
+                    <a:bodyPr/>
+                    <a:lstStyle/>
+                    <a:p>
+                      <a:r>
+                        <a:rPr lang="en-GB" dirty="0"/>
+                        <a:t>Padding</a:t>
+                      </a:r>
+                      <a:endParaRPr lang="en-US" dirty="0"/>
+                    </a:p>
+                  </a:txBody>
+                  <a:tcPr/>
+                </a:tc>
+                <a:tc>
+                  <a:txBody>
+                    <a:bodyPr/>
+                    <a:lstStyle/>
+                    <a:p>
+                      <a:pPr algn="ctr"/>
+                      <a:r>
+                        <a:rPr lang="en-GB" dirty="0"/>
+                        <a:t>Left and right</a:t>
+                      </a:r>
+                      <a:endParaRPr lang="en-US" dirty="0"/>
+                    </a:p>
+                  </a:txBody>
+                  <a:tcPr/>
+                </a:tc>
+                <a:tc>
+                  <a:txBody>
+                    <a:bodyPr/>
+                    <a:lstStyle/>
+                    <a:p>
+                      <a:endParaRPr lang="en-US" dirty="0"/>
+                    </a:p>
+                  </a:txBody>
+                  <a:tcPr/>
+                </a:tc>
+                <a:tc>
+                  <a:txBody>
+                    <a:bodyPr/>
+                    <a:lstStyle/>
+                    <a:p>
+                      <a:endParaRPr lang="en-US" dirty="0"/>
+                    </a:p>
+                  </a:txBody>
+                  <a:tcPr/>
+                </a:tc>
+                <a:extLst>
+                  <a:ext uri="{0D108BD9-81ED-4DB2-BD59-A6C34878D82A}">
+                    <a16:rowId xmlns:a16="http://schemas.microsoft.com/office/drawing/2014/main" val="2795461728"/>
+                  </a:ext>
+                </a:extLst>
+              </a:tr>
+            </a:tbl>
+          </a:graphicData>
+        </a:graphic>
+      </p:graphicFrame>
+      <p:pic>
+        <p:nvPicPr>
+          <p:cNvPr id="13" name="Picture 12">
+            <a:extLst>
+              <a:ext uri="{FF2B5EF4-FFF2-40B4-BE49-F238E27FC236}">
+                <a16:creationId xmlns:a16="http://schemas.microsoft.com/office/drawing/2014/main" id="{F4F8E7CB-5098-EDE4-C7C2-060A024CF592}"/>
+              </a:ext>
+            </a:extLst>
+          </p:cNvPr>
+          <p:cNvPicPr>
+            <a:picLocks noChangeAspect="1"/>
+          </p:cNvPicPr>
+          <p:nvPr/>
+        </p:nvPicPr>
+        <p:blipFill>
+          <a:blip r:embed="rId3">
+            <a:extLst>
+              <a:ext uri="{28A0092B-C50C-407E-A947-70E740481C1C}">
+                <a14:useLocalDpi xmlns:a14="http://schemas.microsoft.com/office/drawing/2010/main" val="0"/>
+              </a:ext>
+            </a:extLst>
+          </a:blip>
+          <a:stretch>
+            <a:fillRect/>
+          </a:stretch>
+        </p:blipFill>
+        <p:spPr>
+          <a:xfrm flipH="1">
+            <a:off x="4924458" y="3264235"/>
+            <a:ext cx="331257" cy="331257"/>
+          </a:xfrm>
+          <a:prstGeom prst="rect">
+            <a:avLst/>
+          </a:prstGeom>
+        </p:spPr>
+      </p:pic>
+      <p:pic>
+        <p:nvPicPr>
+          <p:cNvPr id="15" name="Picture 14">
+            <a:extLst>
+              <a:ext uri="{FF2B5EF4-FFF2-40B4-BE49-F238E27FC236}">
+                <a16:creationId xmlns:a16="http://schemas.microsoft.com/office/drawing/2014/main" id="{C0312B2B-A4DC-F39F-3C14-4C00D07BE527}"/>
+              </a:ext>
+            </a:extLst>
+          </p:cNvPr>
+          <p:cNvPicPr>
+            <a:picLocks noChangeAspect="1"/>
+          </p:cNvPicPr>
+          <p:nvPr/>
+        </p:nvPicPr>
+        <p:blipFill>
+          <a:blip r:embed="rId4">
+            <a:extLst>
+              <a:ext uri="{28A0092B-C50C-407E-A947-70E740481C1C}">
+                <a14:useLocalDpi xmlns:a14="http://schemas.microsoft.com/office/drawing/2010/main" val="0"/>
+              </a:ext>
+            </a:extLst>
+          </a:blip>
+          <a:stretch>
+            <a:fillRect/>
+          </a:stretch>
+        </p:blipFill>
+        <p:spPr>
+          <a:xfrm>
+            <a:off x="7297217" y="3263371"/>
+            <a:ext cx="331258" cy="331258"/>
+          </a:xfrm>
+          <a:prstGeom prst="rect">
+            <a:avLst/>
+          </a:prstGeom>
+        </p:spPr>
+      </p:pic>
+      <p:pic>
+        <p:nvPicPr>
+          <p:cNvPr id="16" name="Picture 15">
+            <a:extLst>
+              <a:ext uri="{FF2B5EF4-FFF2-40B4-BE49-F238E27FC236}">
+                <a16:creationId xmlns:a16="http://schemas.microsoft.com/office/drawing/2014/main" id="{4BDA15FD-D9F8-86ED-1EF3-C7FE6BEE7168}"/>
+              </a:ext>
+            </a:extLst>
+          </p:cNvPr>
+          <p:cNvPicPr>
+            <a:picLocks noChangeAspect="1"/>
+          </p:cNvPicPr>
+          <p:nvPr/>
+        </p:nvPicPr>
+        <p:blipFill>
+          <a:blip r:embed="rId4">
+            <a:extLst>
+              <a:ext uri="{28A0092B-C50C-407E-A947-70E740481C1C}">
+                <a14:useLocalDpi xmlns:a14="http://schemas.microsoft.com/office/drawing/2010/main" val="0"/>
+              </a:ext>
+            </a:extLst>
+          </a:blip>
+          <a:stretch>
+            <a:fillRect/>
+          </a:stretch>
+        </p:blipFill>
+        <p:spPr>
+          <a:xfrm>
+            <a:off x="10025177" y="3263371"/>
+            <a:ext cx="331258" cy="331258"/>
+          </a:xfrm>
+          <a:prstGeom prst="rect">
+            <a:avLst/>
+          </a:prstGeom>
+        </p:spPr>
+      </p:pic>
+      <p:pic>
+        <p:nvPicPr>
+          <p:cNvPr id="18" name="Picture 17">
+            <a:extLst>
+              <a:ext uri="{FF2B5EF4-FFF2-40B4-BE49-F238E27FC236}">
+                <a16:creationId xmlns:a16="http://schemas.microsoft.com/office/drawing/2014/main" id="{B965DC5D-2715-ABC5-43E2-B33A5DBD091C}"/>
+              </a:ext>
+            </a:extLst>
+          </p:cNvPr>
+          <p:cNvPicPr>
+            <a:picLocks noChangeAspect="1"/>
+          </p:cNvPicPr>
+          <p:nvPr/>
+        </p:nvPicPr>
+        <p:blipFill>
+          <a:blip r:embed="rId4">
+            <a:extLst>
+              <a:ext uri="{28A0092B-C50C-407E-A947-70E740481C1C}">
+                <a14:useLocalDpi xmlns:a14="http://schemas.microsoft.com/office/drawing/2010/main" val="0"/>
+              </a:ext>
+            </a:extLst>
+          </a:blip>
+          <a:stretch>
+            <a:fillRect/>
+          </a:stretch>
+        </p:blipFill>
+        <p:spPr>
+          <a:xfrm>
+            <a:off x="7297217" y="3796771"/>
+            <a:ext cx="331258" cy="331258"/>
+          </a:xfrm>
+          <a:prstGeom prst="rect">
+            <a:avLst/>
+          </a:prstGeom>
+        </p:spPr>
+      </p:pic>
+      <p:pic>
+        <p:nvPicPr>
+          <p:cNvPr id="19" name="Picture 18">
+            <a:extLst>
+              <a:ext uri="{FF2B5EF4-FFF2-40B4-BE49-F238E27FC236}">
+                <a16:creationId xmlns:a16="http://schemas.microsoft.com/office/drawing/2014/main" id="{0959DA0A-0939-B3E8-E86D-F51C3A9ED7D4}"/>
+              </a:ext>
+            </a:extLst>
+          </p:cNvPr>
+          <p:cNvPicPr>
+            <a:picLocks noChangeAspect="1"/>
+          </p:cNvPicPr>
+          <p:nvPr/>
+        </p:nvPicPr>
+        <p:blipFill>
+          <a:blip r:embed="rId4">
+            <a:extLst>
+              <a:ext uri="{28A0092B-C50C-407E-A947-70E740481C1C}">
+                <a14:useLocalDpi xmlns:a14="http://schemas.microsoft.com/office/drawing/2010/main" val="0"/>
+              </a:ext>
+            </a:extLst>
+          </a:blip>
+          <a:stretch>
+            <a:fillRect/>
+          </a:stretch>
+        </p:blipFill>
+        <p:spPr>
+          <a:xfrm>
+            <a:off x="10025177" y="3796771"/>
+            <a:ext cx="331258" cy="331258"/>
+          </a:xfrm>
+          <a:prstGeom prst="rect">
+            <a:avLst/>
+          </a:prstGeom>
+        </p:spPr>
+      </p:pic>
+      <p:pic>
+        <p:nvPicPr>
+          <p:cNvPr id="20" name="Picture 19">
+            <a:extLst>
+              <a:ext uri="{FF2B5EF4-FFF2-40B4-BE49-F238E27FC236}">
+                <a16:creationId xmlns:a16="http://schemas.microsoft.com/office/drawing/2014/main" id="{3088B1BE-C6D6-4B56-E181-1B71D6F8B6F4}"/>
+              </a:ext>
+            </a:extLst>
+          </p:cNvPr>
+          <p:cNvPicPr>
+            <a:picLocks noChangeAspect="1"/>
+          </p:cNvPicPr>
+          <p:nvPr/>
+        </p:nvPicPr>
+        <p:blipFill>
+          <a:blip r:embed="rId4">
+            <a:extLst>
+              <a:ext uri="{28A0092B-C50C-407E-A947-70E740481C1C}">
+                <a14:useLocalDpi xmlns:a14="http://schemas.microsoft.com/office/drawing/2010/main" val="0"/>
+              </a:ext>
+            </a:extLst>
+          </a:blip>
+          <a:stretch>
+            <a:fillRect/>
+          </a:stretch>
+        </p:blipFill>
+        <p:spPr>
+          <a:xfrm>
+            <a:off x="7297217" y="4280641"/>
+            <a:ext cx="331258" cy="331258"/>
+          </a:xfrm>
+          <a:prstGeom prst="rect">
+            <a:avLst/>
+          </a:prstGeom>
+        </p:spPr>
+      </p:pic>
+      <p:pic>
+        <p:nvPicPr>
+          <p:cNvPr id="21" name="Picture 20">
+            <a:extLst>
+              <a:ext uri="{FF2B5EF4-FFF2-40B4-BE49-F238E27FC236}">
+                <a16:creationId xmlns:a16="http://schemas.microsoft.com/office/drawing/2014/main" id="{854CEF9A-4F7C-A72C-92F0-E24DD46A70EC}"/>
+              </a:ext>
+            </a:extLst>
+          </p:cNvPr>
+          <p:cNvPicPr>
+            <a:picLocks noChangeAspect="1"/>
+          </p:cNvPicPr>
+          <p:nvPr/>
+        </p:nvPicPr>
+        <p:blipFill>
+          <a:blip r:embed="rId4">
+            <a:extLst>
+              <a:ext uri="{28A0092B-C50C-407E-A947-70E740481C1C}">
+                <a14:useLocalDpi xmlns:a14="http://schemas.microsoft.com/office/drawing/2010/main" val="0"/>
+              </a:ext>
+            </a:extLst>
+          </a:blip>
+          <a:stretch>
+            <a:fillRect/>
+          </a:stretch>
+        </p:blipFill>
+        <p:spPr>
+          <a:xfrm>
+            <a:off x="10025177" y="4280641"/>
+            <a:ext cx="331258" cy="331258"/>
+          </a:xfrm>
+          <a:prstGeom prst="rect">
+            <a:avLst/>
+          </a:prstGeom>
+        </p:spPr>
+      </p:pic>
+    </p:spTree>
+    <p:extLst>
+      <p:ext uri="{BB962C8B-B14F-4D97-AF65-F5344CB8AC3E}">
+        <p14:creationId xmlns:p14="http://schemas.microsoft.com/office/powerpoint/2010/main" val="903790592"/>
+      </p:ext>
+    </p:extLst>
+  </p:cSld>
+  <p:clrMapOvr>
+    <a:masterClrMapping/>
+  </p:clrMapOvr>
+</p:sld>
+</file>
+
+<file path=ppt/slides/slide12.xml><?xml version="1.0" encoding="utf-8"?>
+<p:sld xmlns:a="http://schemas.openxmlformats.org/drawingml/2006/main" xmlns:r="http://schemas.openxmlformats.org/officeDocument/2006/relationships" xmlns:p="http://schemas.openxmlformats.org/presentationml/2006/main">
+  <p:cSld>
+    <p:spTree>
+      <p:nvGrpSpPr>
+        <p:cNvPr id="1" name=""/>
+        <p:cNvGrpSpPr/>
+        <p:nvPr/>
+      </p:nvGrpSpPr>
+      <p:grpSpPr>
+        <a:xfrm>
+          <a:off x="0" y="0"/>
+          <a:ext cx="0" cy="0"/>
+          <a:chOff x="0" y="0"/>
+          <a:chExt cx="0" cy="0"/>
+        </a:xfrm>
+      </p:grpSpPr>
+      <p:sp>
+        <p:nvSpPr>
+          <p:cNvPr id="4" name="Rectangle 3">
+            <a:extLst>
+              <a:ext uri="{FF2B5EF4-FFF2-40B4-BE49-F238E27FC236}">
+                <a16:creationId xmlns:a16="http://schemas.microsoft.com/office/drawing/2014/main" id="{1172D0F4-1042-6ABA-F2C4-0B1D072A422D}"/>
+              </a:ext>
+            </a:extLst>
+          </p:cNvPr>
+          <p:cNvSpPr/>
+          <p:nvPr/>
+        </p:nvSpPr>
+        <p:spPr>
+          <a:xfrm>
+            <a:off x="0" y="-26670"/>
+            <a:ext cx="12192000" cy="1108710"/>
+          </a:xfrm>
+          <a:custGeom>
+            <a:avLst/>
+            <a:gdLst>
+              <a:gd name="connsiteX0" fmla="*/ 0 w 12192000"/>
+              <a:gd name="connsiteY0" fmla="*/ 0 h 1043940"/>
+              <a:gd name="connsiteX1" fmla="*/ 12192000 w 12192000"/>
+              <a:gd name="connsiteY1" fmla="*/ 0 h 1043940"/>
+              <a:gd name="connsiteX2" fmla="*/ 12192000 w 12192000"/>
+              <a:gd name="connsiteY2" fmla="*/ 1043940 h 1043940"/>
+              <a:gd name="connsiteX3" fmla="*/ 0 w 12192000"/>
+              <a:gd name="connsiteY3" fmla="*/ 1043940 h 1043940"/>
+              <a:gd name="connsiteX4" fmla="*/ 0 w 12192000"/>
+              <a:gd name="connsiteY4" fmla="*/ 0 h 1043940"/>
+              <a:gd name="connsiteX0" fmla="*/ 0 w 12192000"/>
+              <a:gd name="connsiteY0" fmla="*/ 0 h 1043940"/>
+              <a:gd name="connsiteX1" fmla="*/ 12192000 w 12192000"/>
+              <a:gd name="connsiteY1" fmla="*/ 0 h 1043940"/>
+              <a:gd name="connsiteX2" fmla="*/ 12192000 w 12192000"/>
+              <a:gd name="connsiteY2" fmla="*/ 952500 h 1043940"/>
+              <a:gd name="connsiteX3" fmla="*/ 0 w 12192000"/>
+              <a:gd name="connsiteY3" fmla="*/ 1043940 h 1043940"/>
+              <a:gd name="connsiteX4" fmla="*/ 0 w 12192000"/>
+              <a:gd name="connsiteY4" fmla="*/ 0 h 1043940"/>
+              <a:gd name="connsiteX0" fmla="*/ 0 w 12192000"/>
+              <a:gd name="connsiteY0" fmla="*/ 0 h 1108710"/>
+              <a:gd name="connsiteX1" fmla="*/ 12192000 w 12192000"/>
+              <a:gd name="connsiteY1" fmla="*/ 0 h 1108710"/>
+              <a:gd name="connsiteX2" fmla="*/ 12192000 w 12192000"/>
+              <a:gd name="connsiteY2" fmla="*/ 952500 h 1108710"/>
+              <a:gd name="connsiteX3" fmla="*/ 3810 w 12192000"/>
+              <a:gd name="connsiteY3" fmla="*/ 1108710 h 1108710"/>
+              <a:gd name="connsiteX4" fmla="*/ 0 w 12192000"/>
+              <a:gd name="connsiteY4" fmla="*/ 0 h 1108710"/>
+              <a:gd name="connsiteX0" fmla="*/ 0 w 12192000"/>
+              <a:gd name="connsiteY0" fmla="*/ 0 h 1108710"/>
+              <a:gd name="connsiteX1" fmla="*/ 12192000 w 12192000"/>
+              <a:gd name="connsiteY1" fmla="*/ 0 h 1108710"/>
+              <a:gd name="connsiteX2" fmla="*/ 12192000 w 12192000"/>
+              <a:gd name="connsiteY2" fmla="*/ 952500 h 1108710"/>
+              <a:gd name="connsiteX3" fmla="*/ 3810 w 12192000"/>
+              <a:gd name="connsiteY3" fmla="*/ 1108710 h 1108710"/>
+              <a:gd name="connsiteX4" fmla="*/ 0 w 12192000"/>
+              <a:gd name="connsiteY4" fmla="*/ 0 h 1108710"/>
+            </a:gdLst>
+            <a:ahLst/>
+            <a:cxnLst>
+              <a:cxn ang="0">
+                <a:pos x="connsiteX0" y="connsiteY0"/>
+              </a:cxn>
+              <a:cxn ang="0">
+                <a:pos x="connsiteX1" y="connsiteY1"/>
+              </a:cxn>
+              <a:cxn ang="0">
+                <a:pos x="connsiteX2" y="connsiteY2"/>
+              </a:cxn>
+              <a:cxn ang="0">
+                <a:pos x="connsiteX3" y="connsiteY3"/>
+              </a:cxn>
+              <a:cxn ang="0">
+                <a:pos x="connsiteX4" y="connsiteY4"/>
+              </a:cxn>
+            </a:cxnLst>
+            <a:rect l="l" t="t" r="r" b="b"/>
+            <a:pathLst>
+              <a:path w="12192000" h="1108710">
+                <a:moveTo>
+                  <a:pt x="0" y="0"/>
+                </a:moveTo>
+                <a:lnTo>
+                  <a:pt x="12192000" y="0"/>
+                </a:lnTo>
+                <a:lnTo>
+                  <a:pt x="12192000" y="952500"/>
+                </a:lnTo>
+                <a:cubicBezTo>
+                  <a:pt x="8129270" y="1004570"/>
+                  <a:pt x="4138930" y="523240"/>
+                  <a:pt x="3810" y="1108710"/>
+                </a:cubicBezTo>
+                <a:lnTo>
+                  <a:pt x="0" y="0"/>
+                </a:lnTo>
+                <a:close/>
+              </a:path>
+            </a:pathLst>
+          </a:custGeom>
+          <a:solidFill>
+            <a:srgbClr val="0C3255"/>
+          </a:solidFill>
+          <a:ln>
+            <a:noFill/>
+          </a:ln>
+        </p:spPr>
+        <p:style>
+          <a:lnRef idx="2">
+            <a:schemeClr val="accent1">
+              <a:shade val="50000"/>
+            </a:schemeClr>
+          </a:lnRef>
+          <a:fillRef idx="1">
+            <a:schemeClr val="accent1"/>
+          </a:fillRef>
+          <a:effectRef idx="0">
+            <a:schemeClr val="accent1"/>
+          </a:effectRef>
+          <a:fontRef idx="minor">
+            <a:schemeClr val="lt1"/>
+          </a:fontRef>
+        </p:style>
+        <p:txBody>
+          <a:bodyPr rtlCol="0" anchor="ctr"/>
+          <a:lstStyle/>
+          <a:p>
+            <a:pPr algn="ctr"/>
+            <a:endParaRPr lang="en-US" dirty="0"/>
+          </a:p>
+        </p:txBody>
+      </p:sp>
+      <p:pic>
+        <p:nvPicPr>
+          <p:cNvPr id="5" name="Picture 4">
+            <a:extLst>
+              <a:ext uri="{FF2B5EF4-FFF2-40B4-BE49-F238E27FC236}">
+                <a16:creationId xmlns:a16="http://schemas.microsoft.com/office/drawing/2014/main" id="{5741C49F-3757-49B0-A057-BFAC9E208366}"/>
+              </a:ext>
+            </a:extLst>
+          </p:cNvPr>
+          <p:cNvPicPr>
+            <a:picLocks noChangeAspect="1"/>
+          </p:cNvPicPr>
+          <p:nvPr/>
+        </p:nvPicPr>
+        <p:blipFill>
+          <a:blip r:embed="rId2">
+            <a:extLst>
+              <a:ext uri="{28A0092B-C50C-407E-A947-70E740481C1C}">
+                <a14:useLocalDpi xmlns:a14="http://schemas.microsoft.com/office/drawing/2010/main" val="0"/>
+              </a:ext>
+            </a:extLst>
+          </a:blip>
+          <a:stretch>
+            <a:fillRect/>
+          </a:stretch>
+        </p:blipFill>
+        <p:spPr>
+          <a:xfrm>
+            <a:off x="11198949" y="6440202"/>
+            <a:ext cx="871131" cy="311118"/>
+          </a:xfrm>
+          <a:prstGeom prst="rect">
+            <a:avLst/>
+          </a:prstGeom>
+        </p:spPr>
+      </p:pic>
+      <p:sp>
+        <p:nvSpPr>
+          <p:cNvPr id="7" name="TextBox 6">
+            <a:extLst>
+              <a:ext uri="{FF2B5EF4-FFF2-40B4-BE49-F238E27FC236}">
+                <a16:creationId xmlns:a16="http://schemas.microsoft.com/office/drawing/2014/main" id="{89EC5970-4A94-C0F5-A2B4-C3DA652935F5}"/>
+              </a:ext>
+            </a:extLst>
+          </p:cNvPr>
+          <p:cNvSpPr txBox="1"/>
+          <p:nvPr/>
+        </p:nvSpPr>
+        <p:spPr>
+          <a:xfrm>
+            <a:off x="182880" y="296852"/>
+            <a:ext cx="3322320" cy="461665"/>
+          </a:xfrm>
+          <a:prstGeom prst="rect">
+            <a:avLst/>
+          </a:prstGeom>
+          <a:noFill/>
+        </p:spPr>
+        <p:txBody>
+          <a:bodyPr wrap="square" rtlCol="0">
+            <a:spAutoFit/>
+          </a:bodyPr>
+          <a:lstStyle/>
+          <a:p>
+            <a:r>
+              <a:rPr lang="en-GB" sz="2400" dirty="0">
+                <a:solidFill>
+                  <a:schemeClr val="bg1"/>
+                </a:solidFill>
+                <a:latin typeface="Berlin Sans FB Demi" panose="020E0802020502020306" pitchFamily="34" charset="0"/>
+              </a:rPr>
+              <a:t>CSS layout</a:t>
+            </a:r>
+            <a:endParaRPr lang="en-US" sz="2400" dirty="0">
+              <a:solidFill>
+                <a:schemeClr val="bg1"/>
+              </a:solidFill>
+              <a:latin typeface="Berlin Sans FB Demi" panose="020E0802020502020306" pitchFamily="34" charset="0"/>
+            </a:endParaRPr>
+          </a:p>
+        </p:txBody>
+      </p:sp>
+      <p:sp>
+        <p:nvSpPr>
+          <p:cNvPr id="3" name="AutoShape 4">
+            <a:extLst>
+              <a:ext uri="{FF2B5EF4-FFF2-40B4-BE49-F238E27FC236}">
+                <a16:creationId xmlns:a16="http://schemas.microsoft.com/office/drawing/2014/main" id="{C01997DA-BE39-D138-3B65-339C5BAA31E0}"/>
+              </a:ext>
+            </a:extLst>
+          </p:cNvPr>
+          <p:cNvSpPr>
+            <a:spLocks noChangeAspect="1" noChangeArrowheads="1"/>
+          </p:cNvSpPr>
+          <p:nvPr/>
+        </p:nvSpPr>
+        <p:spPr bwMode="auto">
+          <a:xfrm>
+            <a:off x="5943600" y="3276600"/>
+            <a:ext cx="304800" cy="304800"/>
+          </a:xfrm>
+          <a:prstGeom prst="rect">
+            <a:avLst/>
+          </a:prstGeom>
+          <a:noFill/>
+          <a:extLst>
+            <a:ext uri="{909E8E84-426E-40DD-AFC4-6F175D3DCCD1}">
+              <a14:hiddenFill xmlns:a14="http://schemas.microsoft.com/office/drawing/2010/main">
+                <a:solidFill>
+                  <a:srgbClr val="FFFFFF"/>
+                </a:solidFill>
+              </a14:hiddenFill>
+            </a:ext>
+          </a:extLst>
+        </p:spPr>
+        <p:txBody>
+          <a:bodyPr vert="horz" wrap="square" lIns="91440" tIns="45720" rIns="91440" bIns="45720" numCol="1" anchor="t" anchorCtr="0" compatLnSpc="1">
+            <a:prstTxWarp prst="textNoShape">
+              <a:avLst/>
+            </a:prstTxWarp>
+          </a:bodyPr>
+          <a:lstStyle/>
+          <a:p>
+            <a:endParaRPr lang="en-US"/>
+          </a:p>
+        </p:txBody>
+      </p:sp>
+      <p:pic>
+        <p:nvPicPr>
+          <p:cNvPr id="2054" name="Picture 6">
+            <a:extLst>
+              <a:ext uri="{FF2B5EF4-FFF2-40B4-BE49-F238E27FC236}">
+                <a16:creationId xmlns:a16="http://schemas.microsoft.com/office/drawing/2014/main" id="{CE7CDCA8-F941-DCE4-D25B-5648A0B77551}"/>
+              </a:ext>
+            </a:extLst>
+          </p:cNvPr>
+          <p:cNvPicPr>
+            <a:picLocks noChangeAspect="1" noChangeArrowheads="1"/>
+          </p:cNvPicPr>
+          <p:nvPr/>
+        </p:nvPicPr>
+        <p:blipFill>
+          <a:blip r:embed="rId3">
+            <a:extLst>
+              <a:ext uri="{28A0092B-C50C-407E-A947-70E740481C1C}">
+                <a14:useLocalDpi xmlns:a14="http://schemas.microsoft.com/office/drawing/2010/main" val="0"/>
+              </a:ext>
+            </a:extLst>
+          </a:blip>
+          <a:srcRect/>
+          <a:stretch>
+            <a:fillRect/>
+          </a:stretch>
+        </p:blipFill>
+        <p:spPr bwMode="auto">
+          <a:xfrm>
+            <a:off x="2644141" y="1830668"/>
+            <a:ext cx="6117908" cy="3618585"/>
+          </a:xfrm>
+          <a:prstGeom prst="rect">
+            <a:avLst/>
+          </a:prstGeom>
+          <a:noFill/>
+          <a:extLst>
+            <a:ext uri="{909E8E84-426E-40DD-AFC4-6F175D3DCCD1}">
+              <a14:hiddenFill xmlns:a14="http://schemas.microsoft.com/office/drawing/2010/main">
+                <a:solidFill>
+                  <a:srgbClr val="FFFFFF"/>
+                </a:solidFill>
+              </a14:hiddenFill>
+            </a:ext>
+          </a:extLst>
+        </p:spPr>
+      </p:pic>
+      <p:sp>
+        <p:nvSpPr>
+          <p:cNvPr id="8" name="TextBox 7">
+            <a:extLst>
+              <a:ext uri="{FF2B5EF4-FFF2-40B4-BE49-F238E27FC236}">
+                <a16:creationId xmlns:a16="http://schemas.microsoft.com/office/drawing/2014/main" id="{B3F84B8A-0142-90CA-CD64-470EB81A249E}"/>
+              </a:ext>
+            </a:extLst>
+          </p:cNvPr>
+          <p:cNvSpPr txBox="1"/>
+          <p:nvPr/>
+        </p:nvSpPr>
+        <p:spPr>
+          <a:xfrm>
+            <a:off x="2666049" y="5871329"/>
+            <a:ext cx="6096000" cy="646331"/>
+          </a:xfrm>
+          <a:prstGeom prst="rect">
+            <a:avLst/>
+          </a:prstGeom>
+          <a:noFill/>
+        </p:spPr>
+        <p:txBody>
+          <a:bodyPr wrap="square">
+            <a:spAutoFit/>
+          </a:bodyPr>
+          <a:lstStyle/>
+          <a:p>
+            <a:r>
+              <a:rPr lang="en-US" dirty="0"/>
+              <a:t>Flexbox playground: </a:t>
+            </a:r>
+            <a:r>
+              <a:rPr lang="en-US" dirty="0">
+                <a:hlinkClick r:id="rId4"/>
+              </a:rPr>
+              <a:t>https://codepen.io/enxaneta/full/adLPwv/</a:t>
+            </a:r>
+            <a:endParaRPr lang="en-US" dirty="0"/>
+          </a:p>
+          <a:p>
+            <a:r>
+              <a:rPr lang="en-US" dirty="0"/>
+              <a:t>Grid playground: </a:t>
+            </a:r>
+            <a:r>
+              <a:rPr lang="en-US" dirty="0">
+                <a:hlinkClick r:id="rId5"/>
+              </a:rPr>
+              <a:t>https://www.cssgridplayground.com/</a:t>
+            </a:r>
+            <a:endParaRPr lang="en-US" dirty="0"/>
+          </a:p>
+        </p:txBody>
+      </p:sp>
+    </p:spTree>
+    <p:extLst>
+      <p:ext uri="{BB962C8B-B14F-4D97-AF65-F5344CB8AC3E}">
+        <p14:creationId xmlns:p14="http://schemas.microsoft.com/office/powerpoint/2010/main" val="3006178830"/>
+      </p:ext>
+    </p:extLst>
+  </p:cSld>
+  <p:clrMapOvr>
+    <a:masterClrMapping/>
+  </p:clrMapOvr>
+</p:sld>
+</file>
+
+<file path=ppt/slides/slide13.xml><?xml version="1.0" encoding="utf-8"?>
+<p:sld xmlns:a="http://schemas.openxmlformats.org/drawingml/2006/main" xmlns:r="http://schemas.openxmlformats.org/officeDocument/2006/relationships" xmlns:p="http://schemas.openxmlformats.org/presentationml/2006/main">
+  <p:cSld>
+    <p:spTree>
+      <p:nvGrpSpPr>
+        <p:cNvPr id="1" name=""/>
+        <p:cNvGrpSpPr/>
+        <p:nvPr/>
+      </p:nvGrpSpPr>
+      <p:grpSpPr>
+        <a:xfrm>
+          <a:off x="0" y="0"/>
+          <a:ext cx="0" cy="0"/>
+          <a:chOff x="0" y="0"/>
+          <a:chExt cx="0" cy="0"/>
+        </a:xfrm>
+      </p:grpSpPr>
+      <p:sp>
+        <p:nvSpPr>
+          <p:cNvPr id="11" name="Flowchart: Process 10">
+            <a:extLst>
+              <a:ext uri="{FF2B5EF4-FFF2-40B4-BE49-F238E27FC236}">
+                <a16:creationId xmlns:a16="http://schemas.microsoft.com/office/drawing/2014/main" id="{F5F586FB-CA77-E429-2784-FB7D5B550086}"/>
+              </a:ext>
+            </a:extLst>
+          </p:cNvPr>
+          <p:cNvSpPr/>
+          <p:nvPr/>
+        </p:nvSpPr>
+        <p:spPr>
+          <a:xfrm>
+            <a:off x="1" y="0"/>
+            <a:ext cx="5962650" cy="6899910"/>
           </a:xfrm>
           <a:custGeom>
             <a:avLst/>
@@ -3609,7 +5270,7 @@
               <a:rPr lang="en-GB" sz="4800" dirty="0">
                 <a:latin typeface="Berlin Sans FB Demi" panose="020E0802020502020306" pitchFamily="34" charset="0"/>
               </a:rPr>
-              <a:t>Section 1</a:t>
+              <a:t>UI Basic</a:t>
             </a:r>
             <a:endParaRPr lang="en-US" sz="4800" dirty="0">
               <a:latin typeface="Berlin Sans FB Demi" panose="020E0802020502020306" pitchFamily="34" charset="0"/>
@@ -3668,7 +5329,7 @@
         <p:spPr>
           <a:xfrm>
             <a:off x="6573609" y="2459504"/>
-            <a:ext cx="4514850" cy="1938992"/>
+            <a:ext cx="4514850" cy="2677656"/>
           </a:xfrm>
           <a:prstGeom prst="rect">
             <a:avLst/>
@@ -3689,7 +5350,7 @@
               <a:rPr lang="en-GB" sz="2400" dirty="0">
                 <a:latin typeface="Berlin Sans FB Demi" panose="020E0802020502020306" pitchFamily="34" charset="0"/>
               </a:rPr>
-              <a:t>HTML</a:t>
+              <a:t>F-Pattern Rule</a:t>
             </a:r>
           </a:p>
           <a:p>
@@ -3701,7 +5362,7 @@
               <a:rPr lang="en-GB" sz="2400" dirty="0">
                 <a:latin typeface="Berlin Sans FB Demi" panose="020E0802020502020306" pitchFamily="34" charset="0"/>
               </a:rPr>
-              <a:t>CSS</a:t>
+              <a:t>Focus on large images or prominent elements</a:t>
             </a:r>
           </a:p>
           <a:p>
@@ -3713,7 +5374,7 @@
               <a:rPr lang="en-GB" sz="2400" dirty="0">
                 <a:latin typeface="Berlin Sans FB Demi" panose="020E0802020502020306" pitchFamily="34" charset="0"/>
               </a:rPr>
-              <a:t>UI Basic</a:t>
+              <a:t>Prefer scrolling over navigating</a:t>
             </a:r>
           </a:p>
           <a:p>
@@ -3722,26 +5383,23 @@
               <a:buChar char="Ø"/>
             </a:pPr>
             <a:r>
-              <a:rPr lang="en-GB" sz="2400" dirty="0" err="1">
+              <a:rPr lang="en-GB" sz="2400" dirty="0">
                 <a:latin typeface="Berlin Sans FB Demi" panose="020E0802020502020306" pitchFamily="34" charset="0"/>
               </a:rPr>
-              <a:t>Excersise</a:t>
-            </a:r>
+              <a:t>Ignore banner ads</a:t>
+            </a:r>
+          </a:p>
+          <a:p>
             <a:endParaRPr lang="en-GB" sz="2400" dirty="0">
               <a:latin typeface="Berlin Sans FB Demi" panose="020E0802020502020306" pitchFamily="34" charset="0"/>
             </a:endParaRPr>
           </a:p>
-          <a:p>
-            <a:endParaRPr lang="en-GB" sz="2400" dirty="0">
-              <a:latin typeface="Berlin Sans FB Demi" panose="020E0802020502020306" pitchFamily="34" charset="0"/>
-            </a:endParaRPr>
-          </a:p>
         </p:txBody>
       </p:sp>
     </p:spTree>
     <p:extLst>
       <p:ext uri="{BB962C8B-B14F-4D97-AF65-F5344CB8AC3E}">
-        <p14:creationId xmlns:p14="http://schemas.microsoft.com/office/powerpoint/2010/main" val="726848036"/>
+        <p14:creationId xmlns:p14="http://schemas.microsoft.com/office/powerpoint/2010/main" val="2228047486"/>
       </p:ext>
     </p:extLst>
   </p:cSld>
@@ -3751,7 +5409,7 @@
 </p:sld>
 </file>
 
-<file path=ppt/slides/slide3.xml><?xml version="1.0" encoding="utf-8"?>
+<file path=ppt/slides/slide14.xml><?xml version="1.0" encoding="utf-8"?>
 <p:sld xmlns:a="http://schemas.openxmlformats.org/drawingml/2006/main" xmlns:r="http://schemas.openxmlformats.org/officeDocument/2006/relationships" xmlns:p="http://schemas.openxmlformats.org/presentationml/2006/main">
   <p:cSld>
     <p:spTree>
@@ -3953,6 +5611,1142 @@
         </p:nvSpPr>
         <p:spPr>
           <a:xfrm>
+            <a:off x="182880" y="296852"/>
+            <a:ext cx="3322320" cy="461665"/>
+          </a:xfrm>
+          <a:prstGeom prst="rect">
+            <a:avLst/>
+          </a:prstGeom>
+          <a:noFill/>
+        </p:spPr>
+        <p:txBody>
+          <a:bodyPr wrap="square" rtlCol="0">
+            <a:spAutoFit/>
+          </a:bodyPr>
+          <a:lstStyle/>
+          <a:p>
+            <a:r>
+              <a:rPr lang="en-GB" sz="2400" dirty="0">
+                <a:solidFill>
+                  <a:schemeClr val="bg1"/>
+                </a:solidFill>
+                <a:latin typeface="Berlin Sans FB Demi" panose="020E0802020502020306" pitchFamily="34" charset="0"/>
+              </a:rPr>
+              <a:t>Exercise</a:t>
+            </a:r>
+            <a:endParaRPr lang="en-US" sz="2400" dirty="0">
+              <a:solidFill>
+                <a:schemeClr val="bg1"/>
+              </a:solidFill>
+              <a:latin typeface="Berlin Sans FB Demi" panose="020E0802020502020306" pitchFamily="34" charset="0"/>
+            </a:endParaRPr>
+          </a:p>
+        </p:txBody>
+      </p:sp>
+      <p:sp>
+        <p:nvSpPr>
+          <p:cNvPr id="3" name="AutoShape 4">
+            <a:extLst>
+              <a:ext uri="{FF2B5EF4-FFF2-40B4-BE49-F238E27FC236}">
+                <a16:creationId xmlns:a16="http://schemas.microsoft.com/office/drawing/2014/main" id="{C01997DA-BE39-D138-3B65-339C5BAA31E0}"/>
+              </a:ext>
+            </a:extLst>
+          </p:cNvPr>
+          <p:cNvSpPr>
+            <a:spLocks noChangeAspect="1" noChangeArrowheads="1"/>
+          </p:cNvSpPr>
+          <p:nvPr/>
+        </p:nvSpPr>
+        <p:spPr bwMode="auto">
+          <a:xfrm>
+            <a:off x="5943600" y="3276600"/>
+            <a:ext cx="304800" cy="304800"/>
+          </a:xfrm>
+          <a:prstGeom prst="rect">
+            <a:avLst/>
+          </a:prstGeom>
+          <a:noFill/>
+          <a:extLst>
+            <a:ext uri="{909E8E84-426E-40DD-AFC4-6F175D3DCCD1}">
+              <a14:hiddenFill xmlns:a14="http://schemas.microsoft.com/office/drawing/2010/main">
+                <a:solidFill>
+                  <a:srgbClr val="FFFFFF"/>
+                </a:solidFill>
+              </a14:hiddenFill>
+            </a:ext>
+          </a:extLst>
+        </p:spPr>
+        <p:txBody>
+          <a:bodyPr vert="horz" wrap="square" lIns="91440" tIns="45720" rIns="91440" bIns="45720" numCol="1" anchor="t" anchorCtr="0" compatLnSpc="1">
+            <a:prstTxWarp prst="textNoShape">
+              <a:avLst/>
+            </a:prstTxWarp>
+          </a:bodyPr>
+          <a:lstStyle/>
+          <a:p>
+            <a:endParaRPr lang="en-US"/>
+          </a:p>
+        </p:txBody>
+      </p:sp>
+      <p:sp>
+        <p:nvSpPr>
+          <p:cNvPr id="6" name="TextBox 5">
+            <a:extLst>
+              <a:ext uri="{FF2B5EF4-FFF2-40B4-BE49-F238E27FC236}">
+                <a16:creationId xmlns:a16="http://schemas.microsoft.com/office/drawing/2014/main" id="{4F37E210-58F3-71D9-62D5-ED30C52A1776}"/>
+              </a:ext>
+            </a:extLst>
+          </p:cNvPr>
+          <p:cNvSpPr txBox="1"/>
+          <p:nvPr/>
+        </p:nvSpPr>
+        <p:spPr>
+          <a:xfrm>
+            <a:off x="2632710" y="1302157"/>
+            <a:ext cx="6096000" cy="369332"/>
+          </a:xfrm>
+          <a:prstGeom prst="rect">
+            <a:avLst/>
+          </a:prstGeom>
+          <a:noFill/>
+        </p:spPr>
+        <p:txBody>
+          <a:bodyPr wrap="square">
+            <a:spAutoFit/>
+          </a:bodyPr>
+          <a:lstStyle/>
+          <a:p>
+            <a:r>
+              <a:rPr lang="en-GB" dirty="0"/>
+              <a:t>Bake: </a:t>
+            </a:r>
+            <a:r>
+              <a:rPr lang="en-GB" dirty="0">
+                <a:hlinkClick r:id="rId3"/>
+              </a:rPr>
+              <a:t>link</a:t>
+            </a:r>
+            <a:r>
+              <a:rPr lang="en-GB" dirty="0"/>
+              <a:t> </a:t>
+            </a:r>
+            <a:endParaRPr lang="en-US" dirty="0"/>
+          </a:p>
+        </p:txBody>
+      </p:sp>
+      <p:sp>
+        <p:nvSpPr>
+          <p:cNvPr id="9" name="TextBox 8">
+            <a:extLst>
+              <a:ext uri="{FF2B5EF4-FFF2-40B4-BE49-F238E27FC236}">
+                <a16:creationId xmlns:a16="http://schemas.microsoft.com/office/drawing/2014/main" id="{2EE946E7-24BB-9A9E-42CA-B09BC806DA9E}"/>
+              </a:ext>
+            </a:extLst>
+          </p:cNvPr>
+          <p:cNvSpPr txBox="1"/>
+          <p:nvPr/>
+        </p:nvSpPr>
+        <p:spPr>
+          <a:xfrm>
+            <a:off x="3505200" y="2495550"/>
+            <a:ext cx="4301490" cy="1477328"/>
+          </a:xfrm>
+          <a:prstGeom prst="rect">
+            <a:avLst/>
+          </a:prstGeom>
+          <a:noFill/>
+        </p:spPr>
+        <p:txBody>
+          <a:bodyPr wrap="square" rtlCol="0">
+            <a:spAutoFit/>
+          </a:bodyPr>
+          <a:lstStyle/>
+          <a:p>
+            <a:pPr algn="ctr"/>
+            <a:r>
+              <a:rPr lang="en-GB" dirty="0"/>
+              <a:t>Suggestions</a:t>
+            </a:r>
+          </a:p>
+          <a:p>
+            <a:r>
+              <a:rPr lang="en-GB" dirty="0" err="1"/>
+              <a:t>Css</a:t>
+            </a:r>
+            <a:r>
+              <a:rPr lang="en-GB" dirty="0"/>
+              <a:t>: Hover, translate, transition</a:t>
+            </a:r>
+          </a:p>
+          <a:p>
+            <a:r>
+              <a:rPr lang="en-GB" dirty="0" err="1"/>
+              <a:t>Js</a:t>
+            </a:r>
+            <a:r>
+              <a:rPr lang="en-GB" dirty="0"/>
+              <a:t>: </a:t>
+            </a:r>
+            <a:r>
+              <a:rPr lang="en-GB" dirty="0">
+                <a:hlinkClick r:id="rId4"/>
+              </a:rPr>
+              <a:t>Counting Number</a:t>
+            </a:r>
+            <a:r>
+              <a:rPr lang="en-GB" dirty="0"/>
+              <a:t>, </a:t>
+            </a:r>
+            <a:r>
+              <a:rPr lang="en-GB" dirty="0">
+                <a:hlinkClick r:id="rId5"/>
+              </a:rPr>
+              <a:t>Lightbox</a:t>
+            </a:r>
+            <a:r>
+              <a:rPr lang="en-GB" dirty="0"/>
+              <a:t>, </a:t>
+            </a:r>
+            <a:r>
+              <a:rPr lang="en-GB" dirty="0">
+                <a:hlinkClick r:id="rId6"/>
+              </a:rPr>
+              <a:t>Carousel</a:t>
+            </a:r>
+            <a:endParaRPr lang="en-GB" dirty="0"/>
+          </a:p>
+          <a:p>
+            <a:endParaRPr lang="en-US" dirty="0"/>
+          </a:p>
+          <a:p>
+            <a:r>
+              <a:rPr lang="en-US" dirty="0"/>
+              <a:t>Extensions: </a:t>
+            </a:r>
+            <a:r>
+              <a:rPr lang="en-US" dirty="0">
+                <a:hlinkClick r:id="rId7"/>
+              </a:rPr>
+              <a:t>image download</a:t>
+            </a:r>
+            <a:endParaRPr lang="en-US" dirty="0"/>
+          </a:p>
+        </p:txBody>
+      </p:sp>
+    </p:spTree>
+    <p:extLst>
+      <p:ext uri="{BB962C8B-B14F-4D97-AF65-F5344CB8AC3E}">
+        <p14:creationId xmlns:p14="http://schemas.microsoft.com/office/powerpoint/2010/main" val="3088548626"/>
+      </p:ext>
+    </p:extLst>
+  </p:cSld>
+  <p:clrMapOvr>
+    <a:masterClrMapping/>
+  </p:clrMapOvr>
+</p:sld>
+</file>
+
+<file path=ppt/slides/slide15.xml><?xml version="1.0" encoding="utf-8"?>
+<p:sld xmlns:a="http://schemas.openxmlformats.org/drawingml/2006/main" xmlns:r="http://schemas.openxmlformats.org/officeDocument/2006/relationships" xmlns:p="http://schemas.openxmlformats.org/presentationml/2006/main">
+  <p:cSld>
+    <p:spTree>
+      <p:nvGrpSpPr>
+        <p:cNvPr id="1" name=""/>
+        <p:cNvGrpSpPr/>
+        <p:nvPr/>
+      </p:nvGrpSpPr>
+      <p:grpSpPr>
+        <a:xfrm>
+          <a:off x="0" y="0"/>
+          <a:ext cx="0" cy="0"/>
+          <a:chOff x="0" y="0"/>
+          <a:chExt cx="0" cy="0"/>
+        </a:xfrm>
+      </p:grpSpPr>
+      <p:sp>
+        <p:nvSpPr>
+          <p:cNvPr id="4" name="Rectangle 3">
+            <a:extLst>
+              <a:ext uri="{FF2B5EF4-FFF2-40B4-BE49-F238E27FC236}">
+                <a16:creationId xmlns:a16="http://schemas.microsoft.com/office/drawing/2014/main" id="{1172D0F4-1042-6ABA-F2C4-0B1D072A422D}"/>
+              </a:ext>
+            </a:extLst>
+          </p:cNvPr>
+          <p:cNvSpPr/>
+          <p:nvPr/>
+        </p:nvSpPr>
+        <p:spPr>
+          <a:xfrm>
+            <a:off x="0" y="-26670"/>
+            <a:ext cx="12192000" cy="1108710"/>
+          </a:xfrm>
+          <a:custGeom>
+            <a:avLst/>
+            <a:gdLst>
+              <a:gd name="connsiteX0" fmla="*/ 0 w 12192000"/>
+              <a:gd name="connsiteY0" fmla="*/ 0 h 1043940"/>
+              <a:gd name="connsiteX1" fmla="*/ 12192000 w 12192000"/>
+              <a:gd name="connsiteY1" fmla="*/ 0 h 1043940"/>
+              <a:gd name="connsiteX2" fmla="*/ 12192000 w 12192000"/>
+              <a:gd name="connsiteY2" fmla="*/ 1043940 h 1043940"/>
+              <a:gd name="connsiteX3" fmla="*/ 0 w 12192000"/>
+              <a:gd name="connsiteY3" fmla="*/ 1043940 h 1043940"/>
+              <a:gd name="connsiteX4" fmla="*/ 0 w 12192000"/>
+              <a:gd name="connsiteY4" fmla="*/ 0 h 1043940"/>
+              <a:gd name="connsiteX0" fmla="*/ 0 w 12192000"/>
+              <a:gd name="connsiteY0" fmla="*/ 0 h 1043940"/>
+              <a:gd name="connsiteX1" fmla="*/ 12192000 w 12192000"/>
+              <a:gd name="connsiteY1" fmla="*/ 0 h 1043940"/>
+              <a:gd name="connsiteX2" fmla="*/ 12192000 w 12192000"/>
+              <a:gd name="connsiteY2" fmla="*/ 952500 h 1043940"/>
+              <a:gd name="connsiteX3" fmla="*/ 0 w 12192000"/>
+              <a:gd name="connsiteY3" fmla="*/ 1043940 h 1043940"/>
+              <a:gd name="connsiteX4" fmla="*/ 0 w 12192000"/>
+              <a:gd name="connsiteY4" fmla="*/ 0 h 1043940"/>
+              <a:gd name="connsiteX0" fmla="*/ 0 w 12192000"/>
+              <a:gd name="connsiteY0" fmla="*/ 0 h 1108710"/>
+              <a:gd name="connsiteX1" fmla="*/ 12192000 w 12192000"/>
+              <a:gd name="connsiteY1" fmla="*/ 0 h 1108710"/>
+              <a:gd name="connsiteX2" fmla="*/ 12192000 w 12192000"/>
+              <a:gd name="connsiteY2" fmla="*/ 952500 h 1108710"/>
+              <a:gd name="connsiteX3" fmla="*/ 3810 w 12192000"/>
+              <a:gd name="connsiteY3" fmla="*/ 1108710 h 1108710"/>
+              <a:gd name="connsiteX4" fmla="*/ 0 w 12192000"/>
+              <a:gd name="connsiteY4" fmla="*/ 0 h 1108710"/>
+              <a:gd name="connsiteX0" fmla="*/ 0 w 12192000"/>
+              <a:gd name="connsiteY0" fmla="*/ 0 h 1108710"/>
+              <a:gd name="connsiteX1" fmla="*/ 12192000 w 12192000"/>
+              <a:gd name="connsiteY1" fmla="*/ 0 h 1108710"/>
+              <a:gd name="connsiteX2" fmla="*/ 12192000 w 12192000"/>
+              <a:gd name="connsiteY2" fmla="*/ 952500 h 1108710"/>
+              <a:gd name="connsiteX3" fmla="*/ 3810 w 12192000"/>
+              <a:gd name="connsiteY3" fmla="*/ 1108710 h 1108710"/>
+              <a:gd name="connsiteX4" fmla="*/ 0 w 12192000"/>
+              <a:gd name="connsiteY4" fmla="*/ 0 h 1108710"/>
+            </a:gdLst>
+            <a:ahLst/>
+            <a:cxnLst>
+              <a:cxn ang="0">
+                <a:pos x="connsiteX0" y="connsiteY0"/>
+              </a:cxn>
+              <a:cxn ang="0">
+                <a:pos x="connsiteX1" y="connsiteY1"/>
+              </a:cxn>
+              <a:cxn ang="0">
+                <a:pos x="connsiteX2" y="connsiteY2"/>
+              </a:cxn>
+              <a:cxn ang="0">
+                <a:pos x="connsiteX3" y="connsiteY3"/>
+              </a:cxn>
+              <a:cxn ang="0">
+                <a:pos x="connsiteX4" y="connsiteY4"/>
+              </a:cxn>
+            </a:cxnLst>
+            <a:rect l="l" t="t" r="r" b="b"/>
+            <a:pathLst>
+              <a:path w="12192000" h="1108710">
+                <a:moveTo>
+                  <a:pt x="0" y="0"/>
+                </a:moveTo>
+                <a:lnTo>
+                  <a:pt x="12192000" y="0"/>
+                </a:lnTo>
+                <a:lnTo>
+                  <a:pt x="12192000" y="952500"/>
+                </a:lnTo>
+                <a:cubicBezTo>
+                  <a:pt x="8129270" y="1004570"/>
+                  <a:pt x="4138930" y="523240"/>
+                  <a:pt x="3810" y="1108710"/>
+                </a:cubicBezTo>
+                <a:lnTo>
+                  <a:pt x="0" y="0"/>
+                </a:lnTo>
+                <a:close/>
+              </a:path>
+            </a:pathLst>
+          </a:custGeom>
+          <a:solidFill>
+            <a:srgbClr val="0C3255"/>
+          </a:solidFill>
+          <a:ln>
+            <a:noFill/>
+          </a:ln>
+        </p:spPr>
+        <p:style>
+          <a:lnRef idx="2">
+            <a:schemeClr val="accent1">
+              <a:shade val="50000"/>
+            </a:schemeClr>
+          </a:lnRef>
+          <a:fillRef idx="1">
+            <a:schemeClr val="accent1"/>
+          </a:fillRef>
+          <a:effectRef idx="0">
+            <a:schemeClr val="accent1"/>
+          </a:effectRef>
+          <a:fontRef idx="minor">
+            <a:schemeClr val="lt1"/>
+          </a:fontRef>
+        </p:style>
+        <p:txBody>
+          <a:bodyPr rtlCol="0" anchor="ctr"/>
+          <a:lstStyle/>
+          <a:p>
+            <a:pPr algn="ctr"/>
+            <a:endParaRPr lang="en-US" dirty="0"/>
+          </a:p>
+        </p:txBody>
+      </p:sp>
+      <p:pic>
+        <p:nvPicPr>
+          <p:cNvPr id="5" name="Picture 4">
+            <a:extLst>
+              <a:ext uri="{FF2B5EF4-FFF2-40B4-BE49-F238E27FC236}">
+                <a16:creationId xmlns:a16="http://schemas.microsoft.com/office/drawing/2014/main" id="{5741C49F-3757-49B0-A057-BFAC9E208366}"/>
+              </a:ext>
+            </a:extLst>
+          </p:cNvPr>
+          <p:cNvPicPr>
+            <a:picLocks noChangeAspect="1"/>
+          </p:cNvPicPr>
+          <p:nvPr/>
+        </p:nvPicPr>
+        <p:blipFill>
+          <a:blip r:embed="rId2">
+            <a:extLst>
+              <a:ext uri="{28A0092B-C50C-407E-A947-70E740481C1C}">
+                <a14:useLocalDpi xmlns:a14="http://schemas.microsoft.com/office/drawing/2010/main" val="0"/>
+              </a:ext>
+            </a:extLst>
+          </a:blip>
+          <a:stretch>
+            <a:fillRect/>
+          </a:stretch>
+        </p:blipFill>
+        <p:spPr>
+          <a:xfrm>
+            <a:off x="11198949" y="6440202"/>
+            <a:ext cx="871131" cy="311118"/>
+          </a:xfrm>
+          <a:prstGeom prst="rect">
+            <a:avLst/>
+          </a:prstGeom>
+        </p:spPr>
+      </p:pic>
+      <p:sp>
+        <p:nvSpPr>
+          <p:cNvPr id="7" name="TextBox 6">
+            <a:extLst>
+              <a:ext uri="{FF2B5EF4-FFF2-40B4-BE49-F238E27FC236}">
+                <a16:creationId xmlns:a16="http://schemas.microsoft.com/office/drawing/2014/main" id="{89EC5970-4A94-C0F5-A2B4-C3DA652935F5}"/>
+              </a:ext>
+            </a:extLst>
+          </p:cNvPr>
+          <p:cNvSpPr txBox="1"/>
+          <p:nvPr/>
+        </p:nvSpPr>
+        <p:spPr>
+          <a:xfrm>
+            <a:off x="182880" y="296852"/>
+            <a:ext cx="3322320" cy="461665"/>
+          </a:xfrm>
+          <a:prstGeom prst="rect">
+            <a:avLst/>
+          </a:prstGeom>
+          <a:noFill/>
+        </p:spPr>
+        <p:txBody>
+          <a:bodyPr wrap="square" rtlCol="0">
+            <a:spAutoFit/>
+          </a:bodyPr>
+          <a:lstStyle/>
+          <a:p>
+            <a:r>
+              <a:rPr lang="en-GB" sz="2400" dirty="0">
+                <a:solidFill>
+                  <a:schemeClr val="bg1"/>
+                </a:solidFill>
+                <a:latin typeface="Berlin Sans FB Demi" panose="020E0802020502020306" pitchFamily="34" charset="0"/>
+              </a:rPr>
+              <a:t>Documents</a:t>
+            </a:r>
+            <a:endParaRPr lang="en-US" sz="2400" dirty="0">
+              <a:solidFill>
+                <a:schemeClr val="bg1"/>
+              </a:solidFill>
+              <a:latin typeface="Berlin Sans FB Demi" panose="020E0802020502020306" pitchFamily="34" charset="0"/>
+            </a:endParaRPr>
+          </a:p>
+        </p:txBody>
+      </p:sp>
+      <p:sp>
+        <p:nvSpPr>
+          <p:cNvPr id="2" name="TextBox 1">
+            <a:extLst>
+              <a:ext uri="{FF2B5EF4-FFF2-40B4-BE49-F238E27FC236}">
+                <a16:creationId xmlns:a16="http://schemas.microsoft.com/office/drawing/2014/main" id="{07CE5F63-FAE6-8EDE-0EDC-066ECEDEA088}"/>
+              </a:ext>
+            </a:extLst>
+          </p:cNvPr>
+          <p:cNvSpPr txBox="1"/>
+          <p:nvPr/>
+        </p:nvSpPr>
+        <p:spPr>
+          <a:xfrm>
+            <a:off x="822960" y="1798320"/>
+            <a:ext cx="6009979" cy="1200329"/>
+          </a:xfrm>
+          <a:prstGeom prst="rect">
+            <a:avLst/>
+          </a:prstGeom>
+          <a:noFill/>
+        </p:spPr>
+        <p:txBody>
+          <a:bodyPr wrap="none" rtlCol="0">
+            <a:spAutoFit/>
+          </a:bodyPr>
+          <a:lstStyle/>
+          <a:p>
+            <a:r>
+              <a:rPr lang="en-GB" dirty="0"/>
+              <a:t>HTML: </a:t>
+            </a:r>
+            <a:r>
+              <a:rPr lang="en-GB" dirty="0">
+                <a:hlinkClick r:id="rId3"/>
+              </a:rPr>
+              <a:t>https://www.w3schools.com/html/</a:t>
+            </a:r>
+            <a:endParaRPr lang="en-GB" dirty="0"/>
+          </a:p>
+          <a:p>
+            <a:r>
+              <a:rPr lang="en-GB" dirty="0"/>
+              <a:t>CSS: </a:t>
+            </a:r>
+            <a:r>
+              <a:rPr lang="en-GB" dirty="0">
+                <a:hlinkClick r:id="rId4"/>
+              </a:rPr>
+              <a:t>https://www.w3schools.com/css/default.asp</a:t>
+            </a:r>
+            <a:endParaRPr lang="en-GB" dirty="0"/>
+          </a:p>
+          <a:p>
+            <a:r>
+              <a:rPr lang="en-GB" dirty="0"/>
+              <a:t>Grid: </a:t>
+            </a:r>
+            <a:r>
+              <a:rPr lang="en-GB" dirty="0">
+                <a:hlinkClick r:id="rId5"/>
+              </a:rPr>
+              <a:t>https://css-tricks.com/snippets/css/complete-guide-grid/</a:t>
+            </a:r>
+            <a:endParaRPr lang="en-GB" dirty="0"/>
+          </a:p>
+          <a:p>
+            <a:r>
+              <a:rPr lang="en-GB" dirty="0"/>
+              <a:t>Flexbox: </a:t>
+            </a:r>
+            <a:r>
+              <a:rPr lang="en-GB" dirty="0">
+                <a:hlinkClick r:id="rId6"/>
+              </a:rPr>
+              <a:t>https://css-tricks.com/snippets/css/a-guide-to-flexbox/</a:t>
+            </a:r>
+            <a:endParaRPr lang="en-US" dirty="0"/>
+          </a:p>
+        </p:txBody>
+      </p:sp>
+    </p:spTree>
+    <p:extLst>
+      <p:ext uri="{BB962C8B-B14F-4D97-AF65-F5344CB8AC3E}">
+        <p14:creationId xmlns:p14="http://schemas.microsoft.com/office/powerpoint/2010/main" val="2329578011"/>
+      </p:ext>
+    </p:extLst>
+  </p:cSld>
+  <p:clrMapOvr>
+    <a:masterClrMapping/>
+  </p:clrMapOvr>
+</p:sld>
+</file>
+
+<file path=ppt/slides/slide2.xml><?xml version="1.0" encoding="utf-8"?>
+<p:sld xmlns:a="http://schemas.openxmlformats.org/drawingml/2006/main" xmlns:r="http://schemas.openxmlformats.org/officeDocument/2006/relationships" xmlns:p="http://schemas.openxmlformats.org/presentationml/2006/main">
+  <p:cSld>
+    <p:spTree>
+      <p:nvGrpSpPr>
+        <p:cNvPr id="1" name=""/>
+        <p:cNvGrpSpPr/>
+        <p:nvPr/>
+      </p:nvGrpSpPr>
+      <p:grpSpPr>
+        <a:xfrm>
+          <a:off x="0" y="0"/>
+          <a:ext cx="0" cy="0"/>
+          <a:chOff x="0" y="0"/>
+          <a:chExt cx="0" cy="0"/>
+        </a:xfrm>
+      </p:grpSpPr>
+      <p:sp>
+        <p:nvSpPr>
+          <p:cNvPr id="11" name="Flowchart: Process 10">
+            <a:extLst>
+              <a:ext uri="{FF2B5EF4-FFF2-40B4-BE49-F238E27FC236}">
+                <a16:creationId xmlns:a16="http://schemas.microsoft.com/office/drawing/2014/main" id="{F5F586FB-CA77-E429-2784-FB7D5B550086}"/>
+              </a:ext>
+            </a:extLst>
+          </p:cNvPr>
+          <p:cNvSpPr/>
+          <p:nvPr/>
+        </p:nvSpPr>
+        <p:spPr>
+          <a:xfrm>
+            <a:off x="1" y="0"/>
+            <a:ext cx="5974080" cy="6896100"/>
+          </a:xfrm>
+          <a:custGeom>
+            <a:avLst/>
+            <a:gdLst>
+              <a:gd name="connsiteX0" fmla="*/ 0 w 10000"/>
+              <a:gd name="connsiteY0" fmla="*/ 0 h 10000"/>
+              <a:gd name="connsiteX1" fmla="*/ 10000 w 10000"/>
+              <a:gd name="connsiteY1" fmla="*/ 0 h 10000"/>
+              <a:gd name="connsiteX2" fmla="*/ 10000 w 10000"/>
+              <a:gd name="connsiteY2" fmla="*/ 10000 h 10000"/>
+              <a:gd name="connsiteX3" fmla="*/ 0 w 10000"/>
+              <a:gd name="connsiteY3" fmla="*/ 10000 h 10000"/>
+              <a:gd name="connsiteX4" fmla="*/ 0 w 10000"/>
+              <a:gd name="connsiteY4" fmla="*/ 0 h 10000"/>
+              <a:gd name="connsiteX0" fmla="*/ 0 w 10000"/>
+              <a:gd name="connsiteY0" fmla="*/ 0 h 10000"/>
+              <a:gd name="connsiteX1" fmla="*/ 9667 w 10000"/>
+              <a:gd name="connsiteY1" fmla="*/ 11 h 10000"/>
+              <a:gd name="connsiteX2" fmla="*/ 10000 w 10000"/>
+              <a:gd name="connsiteY2" fmla="*/ 10000 h 10000"/>
+              <a:gd name="connsiteX3" fmla="*/ 0 w 10000"/>
+              <a:gd name="connsiteY3" fmla="*/ 10000 h 10000"/>
+              <a:gd name="connsiteX4" fmla="*/ 0 w 10000"/>
+              <a:gd name="connsiteY4" fmla="*/ 0 h 10000"/>
+              <a:gd name="connsiteX0" fmla="*/ 0 w 9667"/>
+              <a:gd name="connsiteY0" fmla="*/ 0 h 10000"/>
+              <a:gd name="connsiteX1" fmla="*/ 9667 w 9667"/>
+              <a:gd name="connsiteY1" fmla="*/ 11 h 10000"/>
+              <a:gd name="connsiteX2" fmla="*/ 9633 w 9667"/>
+              <a:gd name="connsiteY2" fmla="*/ 9978 h 10000"/>
+              <a:gd name="connsiteX3" fmla="*/ 0 w 9667"/>
+              <a:gd name="connsiteY3" fmla="*/ 10000 h 10000"/>
+              <a:gd name="connsiteX4" fmla="*/ 0 w 9667"/>
+              <a:gd name="connsiteY4" fmla="*/ 0 h 10000"/>
+              <a:gd name="connsiteX0" fmla="*/ 0 w 10207"/>
+              <a:gd name="connsiteY0" fmla="*/ 0 h 10000"/>
+              <a:gd name="connsiteX1" fmla="*/ 10000 w 10207"/>
+              <a:gd name="connsiteY1" fmla="*/ 11 h 10000"/>
+              <a:gd name="connsiteX2" fmla="*/ 9965 w 10207"/>
+              <a:gd name="connsiteY2" fmla="*/ 9978 h 10000"/>
+              <a:gd name="connsiteX3" fmla="*/ 0 w 10207"/>
+              <a:gd name="connsiteY3" fmla="*/ 10000 h 10000"/>
+              <a:gd name="connsiteX4" fmla="*/ 0 w 10207"/>
+              <a:gd name="connsiteY4" fmla="*/ 0 h 10000"/>
+              <a:gd name="connsiteX0" fmla="*/ 0 w 10526"/>
+              <a:gd name="connsiteY0" fmla="*/ 0 h 10000"/>
+              <a:gd name="connsiteX1" fmla="*/ 10000 w 10526"/>
+              <a:gd name="connsiteY1" fmla="*/ 11 h 10000"/>
+              <a:gd name="connsiteX2" fmla="*/ 9965 w 10526"/>
+              <a:gd name="connsiteY2" fmla="*/ 9978 h 10000"/>
+              <a:gd name="connsiteX3" fmla="*/ 0 w 10526"/>
+              <a:gd name="connsiteY3" fmla="*/ 10000 h 10000"/>
+              <a:gd name="connsiteX4" fmla="*/ 0 w 10526"/>
+              <a:gd name="connsiteY4" fmla="*/ 0 h 10000"/>
+              <a:gd name="connsiteX0" fmla="*/ 0 w 10663"/>
+              <a:gd name="connsiteY0" fmla="*/ 0 h 10000"/>
+              <a:gd name="connsiteX1" fmla="*/ 10000 w 10663"/>
+              <a:gd name="connsiteY1" fmla="*/ 11 h 10000"/>
+              <a:gd name="connsiteX2" fmla="*/ 9965 w 10663"/>
+              <a:gd name="connsiteY2" fmla="*/ 9978 h 10000"/>
+              <a:gd name="connsiteX3" fmla="*/ 0 w 10663"/>
+              <a:gd name="connsiteY3" fmla="*/ 10000 h 10000"/>
+              <a:gd name="connsiteX4" fmla="*/ 0 w 10663"/>
+              <a:gd name="connsiteY4" fmla="*/ 0 h 10000"/>
+              <a:gd name="connsiteX0" fmla="*/ 0 w 10748"/>
+              <a:gd name="connsiteY0" fmla="*/ 6 h 10006"/>
+              <a:gd name="connsiteX1" fmla="*/ 10286 w 10748"/>
+              <a:gd name="connsiteY1" fmla="*/ 0 h 10006"/>
+              <a:gd name="connsiteX2" fmla="*/ 9965 w 10748"/>
+              <a:gd name="connsiteY2" fmla="*/ 9984 h 10006"/>
+              <a:gd name="connsiteX3" fmla="*/ 0 w 10748"/>
+              <a:gd name="connsiteY3" fmla="*/ 10006 h 10006"/>
+              <a:gd name="connsiteX4" fmla="*/ 0 w 10748"/>
+              <a:gd name="connsiteY4" fmla="*/ 6 h 10006"/>
+              <a:gd name="connsiteX0" fmla="*/ 0 w 10286"/>
+              <a:gd name="connsiteY0" fmla="*/ 6 h 10006"/>
+              <a:gd name="connsiteX1" fmla="*/ 10286 w 10286"/>
+              <a:gd name="connsiteY1" fmla="*/ 0 h 10006"/>
+              <a:gd name="connsiteX2" fmla="*/ 8681 w 10286"/>
+              <a:gd name="connsiteY2" fmla="*/ 9951 h 10006"/>
+              <a:gd name="connsiteX3" fmla="*/ 0 w 10286"/>
+              <a:gd name="connsiteY3" fmla="*/ 10006 h 10006"/>
+              <a:gd name="connsiteX4" fmla="*/ 0 w 10286"/>
+              <a:gd name="connsiteY4" fmla="*/ 6 h 10006"/>
+              <a:gd name="connsiteX0" fmla="*/ 0 w 9284"/>
+              <a:gd name="connsiteY0" fmla="*/ 0 h 10000"/>
+              <a:gd name="connsiteX1" fmla="*/ 8302 w 9284"/>
+              <a:gd name="connsiteY1" fmla="*/ 5 h 10000"/>
+              <a:gd name="connsiteX2" fmla="*/ 8681 w 9284"/>
+              <a:gd name="connsiteY2" fmla="*/ 9945 h 10000"/>
+              <a:gd name="connsiteX3" fmla="*/ 0 w 9284"/>
+              <a:gd name="connsiteY3" fmla="*/ 10000 h 10000"/>
+              <a:gd name="connsiteX4" fmla="*/ 0 w 9284"/>
+              <a:gd name="connsiteY4" fmla="*/ 0 h 10000"/>
+              <a:gd name="connsiteX0" fmla="*/ 0 w 10008"/>
+              <a:gd name="connsiteY0" fmla="*/ 0 h 10000"/>
+              <a:gd name="connsiteX1" fmla="*/ 8980 w 10008"/>
+              <a:gd name="connsiteY1" fmla="*/ 5 h 10000"/>
+              <a:gd name="connsiteX2" fmla="*/ 9350 w 10008"/>
+              <a:gd name="connsiteY2" fmla="*/ 9945 h 10000"/>
+              <a:gd name="connsiteX3" fmla="*/ 0 w 10008"/>
+              <a:gd name="connsiteY3" fmla="*/ 10000 h 10000"/>
+              <a:gd name="connsiteX4" fmla="*/ 0 w 10008"/>
+              <a:gd name="connsiteY4" fmla="*/ 0 h 10000"/>
+              <a:gd name="connsiteX0" fmla="*/ 0 w 10051"/>
+              <a:gd name="connsiteY0" fmla="*/ 0 h 10000"/>
+              <a:gd name="connsiteX1" fmla="*/ 8980 w 10051"/>
+              <a:gd name="connsiteY1" fmla="*/ 5 h 10000"/>
+              <a:gd name="connsiteX2" fmla="*/ 9350 w 10051"/>
+              <a:gd name="connsiteY2" fmla="*/ 9945 h 10000"/>
+              <a:gd name="connsiteX3" fmla="*/ 0 w 10051"/>
+              <a:gd name="connsiteY3" fmla="*/ 10000 h 10000"/>
+              <a:gd name="connsiteX4" fmla="*/ 0 w 10051"/>
+              <a:gd name="connsiteY4" fmla="*/ 0 h 10000"/>
+              <a:gd name="connsiteX0" fmla="*/ 0 w 10036"/>
+              <a:gd name="connsiteY0" fmla="*/ 0 h 10000"/>
+              <a:gd name="connsiteX1" fmla="*/ 8980 w 10036"/>
+              <a:gd name="connsiteY1" fmla="*/ 5 h 10000"/>
+              <a:gd name="connsiteX2" fmla="*/ 9350 w 10036"/>
+              <a:gd name="connsiteY2" fmla="*/ 9945 h 10000"/>
+              <a:gd name="connsiteX3" fmla="*/ 0 w 10036"/>
+              <a:gd name="connsiteY3" fmla="*/ 10000 h 10000"/>
+              <a:gd name="connsiteX4" fmla="*/ 0 w 10036"/>
+              <a:gd name="connsiteY4" fmla="*/ 0 h 10000"/>
+            </a:gdLst>
+            <a:ahLst/>
+            <a:cxnLst>
+              <a:cxn ang="0">
+                <a:pos x="connsiteX0" y="connsiteY0"/>
+              </a:cxn>
+              <a:cxn ang="0">
+                <a:pos x="connsiteX1" y="connsiteY1"/>
+              </a:cxn>
+              <a:cxn ang="0">
+                <a:pos x="connsiteX2" y="connsiteY2"/>
+              </a:cxn>
+              <a:cxn ang="0">
+                <a:pos x="connsiteX3" y="connsiteY3"/>
+              </a:cxn>
+              <a:cxn ang="0">
+                <a:pos x="connsiteX4" y="connsiteY4"/>
+              </a:cxn>
+            </a:cxnLst>
+            <a:rect l="l" t="t" r="r" b="b"/>
+            <a:pathLst>
+              <a:path w="10036" h="10000">
+                <a:moveTo>
+                  <a:pt x="0" y="0"/>
+                </a:moveTo>
+                <a:lnTo>
+                  <a:pt x="8980" y="5"/>
+                </a:lnTo>
+                <a:cubicBezTo>
+                  <a:pt x="9121" y="6116"/>
+                  <a:pt x="11028" y="951"/>
+                  <a:pt x="9350" y="9945"/>
+                </a:cubicBezTo>
+                <a:lnTo>
+                  <a:pt x="0" y="10000"/>
+                </a:lnTo>
+                <a:lnTo>
+                  <a:pt x="0" y="0"/>
+                </a:lnTo>
+                <a:close/>
+              </a:path>
+            </a:pathLst>
+          </a:custGeom>
+          <a:solidFill>
+            <a:srgbClr val="0C3255"/>
+          </a:solidFill>
+          <a:ln>
+            <a:noFill/>
+          </a:ln>
+        </p:spPr>
+        <p:style>
+          <a:lnRef idx="2">
+            <a:schemeClr val="accent1">
+              <a:shade val="50000"/>
+            </a:schemeClr>
+          </a:lnRef>
+          <a:fillRef idx="1">
+            <a:schemeClr val="accent1"/>
+          </a:fillRef>
+          <a:effectRef idx="0">
+            <a:schemeClr val="accent1"/>
+          </a:effectRef>
+          <a:fontRef idx="minor">
+            <a:schemeClr val="lt1"/>
+          </a:fontRef>
+        </p:style>
+        <p:txBody>
+          <a:bodyPr rtlCol="0" anchor="ctr"/>
+          <a:lstStyle/>
+          <a:p>
+            <a:pPr algn="ctr"/>
+            <a:r>
+              <a:rPr lang="en-GB" sz="4800" dirty="0">
+                <a:latin typeface="Berlin Sans FB Demi" panose="020E0802020502020306" pitchFamily="34" charset="0"/>
+              </a:rPr>
+              <a:t>Section 1</a:t>
+            </a:r>
+            <a:endParaRPr lang="en-US" sz="4800" dirty="0">
+              <a:latin typeface="Berlin Sans FB Demi" panose="020E0802020502020306" pitchFamily="34" charset="0"/>
+            </a:endParaRPr>
+          </a:p>
+        </p:txBody>
+      </p:sp>
+      <p:pic>
+        <p:nvPicPr>
+          <p:cNvPr id="13" name="Picture 12">
+            <a:extLst>
+              <a:ext uri="{FF2B5EF4-FFF2-40B4-BE49-F238E27FC236}">
+                <a16:creationId xmlns:a16="http://schemas.microsoft.com/office/drawing/2014/main" id="{8578CDDE-E9F2-FD57-5277-57E82AD4E5A9}"/>
+              </a:ext>
+            </a:extLst>
+          </p:cNvPr>
+          <p:cNvPicPr>
+            <a:picLocks noChangeAspect="1"/>
+          </p:cNvPicPr>
+          <p:nvPr/>
+        </p:nvPicPr>
+        <p:blipFill>
+          <a:blip r:embed="rId2">
+            <a:extLst>
+              <a:ext uri="{28A0092B-C50C-407E-A947-70E740481C1C}">
+                <a14:useLocalDpi xmlns:a14="http://schemas.microsoft.com/office/drawing/2010/main" val="0"/>
+              </a:ext>
+            </a:extLst>
+          </a:blip>
+          <a:stretch>
+            <a:fillRect/>
+          </a:stretch>
+        </p:blipFill>
+        <p:spPr>
+          <a:xfrm>
+            <a:off x="11202759" y="6440202"/>
+            <a:ext cx="871131" cy="311118"/>
+          </a:xfrm>
+          <a:prstGeom prst="rect">
+            <a:avLst/>
+          </a:prstGeom>
+        </p:spPr>
+      </p:pic>
+      <p:sp>
+        <p:nvSpPr>
+          <p:cNvPr id="14" name="TextBox 13">
+            <a:extLst>
+              <a:ext uri="{FF2B5EF4-FFF2-40B4-BE49-F238E27FC236}">
+                <a16:creationId xmlns:a16="http://schemas.microsoft.com/office/drawing/2014/main" id="{DAB69475-7DAD-AB01-D8DE-8C32521042D3}"/>
+              </a:ext>
+            </a:extLst>
+          </p:cNvPr>
+          <p:cNvSpPr txBox="1"/>
+          <p:nvPr/>
+        </p:nvSpPr>
+        <p:spPr>
+          <a:xfrm>
+            <a:off x="6573609" y="2459504"/>
+            <a:ext cx="4514850" cy="1938992"/>
+          </a:xfrm>
+          <a:prstGeom prst="rect">
+            <a:avLst/>
+          </a:prstGeom>
+          <a:noFill/>
+        </p:spPr>
+        <p:txBody>
+          <a:bodyPr wrap="square" rtlCol="0">
+            <a:spAutoFit/>
+          </a:bodyPr>
+          <a:lstStyle/>
+          <a:p>
+            <a:pPr marL="285750" indent="-285750">
+              <a:buFont typeface="Wingdings" panose="05000000000000000000" pitchFamily="2" charset="2"/>
+              <a:buChar char="Ø"/>
+            </a:pPr>
+            <a:r>
+              <a:rPr lang="en-GB" sz="2400" dirty="0">
+                <a:latin typeface="Berlin Sans FB Demi" panose="020E0802020502020306" pitchFamily="34" charset="0"/>
+              </a:rPr>
+              <a:t>HTML</a:t>
+            </a:r>
+          </a:p>
+          <a:p>
+            <a:pPr marL="285750" indent="-285750">
+              <a:buFont typeface="Wingdings" panose="05000000000000000000" pitchFamily="2" charset="2"/>
+              <a:buChar char="Ø"/>
+            </a:pPr>
+            <a:r>
+              <a:rPr lang="en-GB" sz="2400" dirty="0">
+                <a:latin typeface="Berlin Sans FB Demi" panose="020E0802020502020306" pitchFamily="34" charset="0"/>
+              </a:rPr>
+              <a:t>CSS</a:t>
+            </a:r>
+          </a:p>
+          <a:p>
+            <a:pPr marL="285750" indent="-285750">
+              <a:buFont typeface="Wingdings" panose="05000000000000000000" pitchFamily="2" charset="2"/>
+              <a:buChar char="Ø"/>
+            </a:pPr>
+            <a:r>
+              <a:rPr lang="en-GB" sz="2400" dirty="0">
+                <a:latin typeface="Berlin Sans FB Demi" panose="020E0802020502020306" pitchFamily="34" charset="0"/>
+              </a:rPr>
+              <a:t>UI Basic</a:t>
+            </a:r>
+          </a:p>
+          <a:p>
+            <a:pPr marL="285750" indent="-285750">
+              <a:buFont typeface="Wingdings" panose="05000000000000000000" pitchFamily="2" charset="2"/>
+              <a:buChar char="Ø"/>
+            </a:pPr>
+            <a:r>
+              <a:rPr lang="en-GB" sz="2400" dirty="0">
+                <a:latin typeface="Berlin Sans FB Demi" panose="020E0802020502020306" pitchFamily="34" charset="0"/>
+              </a:rPr>
+              <a:t>Exercise</a:t>
+            </a:r>
+          </a:p>
+          <a:p>
+            <a:endParaRPr lang="en-GB" sz="2400" dirty="0">
+              <a:latin typeface="Berlin Sans FB Demi" panose="020E0802020502020306" pitchFamily="34" charset="0"/>
+            </a:endParaRPr>
+          </a:p>
+        </p:txBody>
+      </p:sp>
+    </p:spTree>
+    <p:extLst>
+      <p:ext uri="{BB962C8B-B14F-4D97-AF65-F5344CB8AC3E}">
+        <p14:creationId xmlns:p14="http://schemas.microsoft.com/office/powerpoint/2010/main" val="726848036"/>
+      </p:ext>
+    </p:extLst>
+  </p:cSld>
+  <p:clrMapOvr>
+    <a:masterClrMapping/>
+  </p:clrMapOvr>
+</p:sld>
+</file>
+
+<file path=ppt/slides/slide3.xml><?xml version="1.0" encoding="utf-8"?>
+<p:sld xmlns:a="http://schemas.openxmlformats.org/drawingml/2006/main" xmlns:r="http://schemas.openxmlformats.org/officeDocument/2006/relationships" xmlns:p="http://schemas.openxmlformats.org/presentationml/2006/main">
+  <p:cSld>
+    <p:spTree>
+      <p:nvGrpSpPr>
+        <p:cNvPr id="1" name=""/>
+        <p:cNvGrpSpPr/>
+        <p:nvPr/>
+      </p:nvGrpSpPr>
+      <p:grpSpPr>
+        <a:xfrm>
+          <a:off x="0" y="0"/>
+          <a:ext cx="0" cy="0"/>
+          <a:chOff x="0" y="0"/>
+          <a:chExt cx="0" cy="0"/>
+        </a:xfrm>
+      </p:grpSpPr>
+      <p:sp>
+        <p:nvSpPr>
+          <p:cNvPr id="4" name="Rectangle 3">
+            <a:extLst>
+              <a:ext uri="{FF2B5EF4-FFF2-40B4-BE49-F238E27FC236}">
+                <a16:creationId xmlns:a16="http://schemas.microsoft.com/office/drawing/2014/main" id="{1172D0F4-1042-6ABA-F2C4-0B1D072A422D}"/>
+              </a:ext>
+            </a:extLst>
+          </p:cNvPr>
+          <p:cNvSpPr/>
+          <p:nvPr/>
+        </p:nvSpPr>
+        <p:spPr>
+          <a:xfrm>
+            <a:off x="0" y="-26670"/>
+            <a:ext cx="12192000" cy="1108710"/>
+          </a:xfrm>
+          <a:custGeom>
+            <a:avLst/>
+            <a:gdLst>
+              <a:gd name="connsiteX0" fmla="*/ 0 w 12192000"/>
+              <a:gd name="connsiteY0" fmla="*/ 0 h 1043940"/>
+              <a:gd name="connsiteX1" fmla="*/ 12192000 w 12192000"/>
+              <a:gd name="connsiteY1" fmla="*/ 0 h 1043940"/>
+              <a:gd name="connsiteX2" fmla="*/ 12192000 w 12192000"/>
+              <a:gd name="connsiteY2" fmla="*/ 1043940 h 1043940"/>
+              <a:gd name="connsiteX3" fmla="*/ 0 w 12192000"/>
+              <a:gd name="connsiteY3" fmla="*/ 1043940 h 1043940"/>
+              <a:gd name="connsiteX4" fmla="*/ 0 w 12192000"/>
+              <a:gd name="connsiteY4" fmla="*/ 0 h 1043940"/>
+              <a:gd name="connsiteX0" fmla="*/ 0 w 12192000"/>
+              <a:gd name="connsiteY0" fmla="*/ 0 h 1043940"/>
+              <a:gd name="connsiteX1" fmla="*/ 12192000 w 12192000"/>
+              <a:gd name="connsiteY1" fmla="*/ 0 h 1043940"/>
+              <a:gd name="connsiteX2" fmla="*/ 12192000 w 12192000"/>
+              <a:gd name="connsiteY2" fmla="*/ 952500 h 1043940"/>
+              <a:gd name="connsiteX3" fmla="*/ 0 w 12192000"/>
+              <a:gd name="connsiteY3" fmla="*/ 1043940 h 1043940"/>
+              <a:gd name="connsiteX4" fmla="*/ 0 w 12192000"/>
+              <a:gd name="connsiteY4" fmla="*/ 0 h 1043940"/>
+              <a:gd name="connsiteX0" fmla="*/ 0 w 12192000"/>
+              <a:gd name="connsiteY0" fmla="*/ 0 h 1108710"/>
+              <a:gd name="connsiteX1" fmla="*/ 12192000 w 12192000"/>
+              <a:gd name="connsiteY1" fmla="*/ 0 h 1108710"/>
+              <a:gd name="connsiteX2" fmla="*/ 12192000 w 12192000"/>
+              <a:gd name="connsiteY2" fmla="*/ 952500 h 1108710"/>
+              <a:gd name="connsiteX3" fmla="*/ 3810 w 12192000"/>
+              <a:gd name="connsiteY3" fmla="*/ 1108710 h 1108710"/>
+              <a:gd name="connsiteX4" fmla="*/ 0 w 12192000"/>
+              <a:gd name="connsiteY4" fmla="*/ 0 h 1108710"/>
+              <a:gd name="connsiteX0" fmla="*/ 0 w 12192000"/>
+              <a:gd name="connsiteY0" fmla="*/ 0 h 1108710"/>
+              <a:gd name="connsiteX1" fmla="*/ 12192000 w 12192000"/>
+              <a:gd name="connsiteY1" fmla="*/ 0 h 1108710"/>
+              <a:gd name="connsiteX2" fmla="*/ 12192000 w 12192000"/>
+              <a:gd name="connsiteY2" fmla="*/ 952500 h 1108710"/>
+              <a:gd name="connsiteX3" fmla="*/ 3810 w 12192000"/>
+              <a:gd name="connsiteY3" fmla="*/ 1108710 h 1108710"/>
+              <a:gd name="connsiteX4" fmla="*/ 0 w 12192000"/>
+              <a:gd name="connsiteY4" fmla="*/ 0 h 1108710"/>
+            </a:gdLst>
+            <a:ahLst/>
+            <a:cxnLst>
+              <a:cxn ang="0">
+                <a:pos x="connsiteX0" y="connsiteY0"/>
+              </a:cxn>
+              <a:cxn ang="0">
+                <a:pos x="connsiteX1" y="connsiteY1"/>
+              </a:cxn>
+              <a:cxn ang="0">
+                <a:pos x="connsiteX2" y="connsiteY2"/>
+              </a:cxn>
+              <a:cxn ang="0">
+                <a:pos x="connsiteX3" y="connsiteY3"/>
+              </a:cxn>
+              <a:cxn ang="0">
+                <a:pos x="connsiteX4" y="connsiteY4"/>
+              </a:cxn>
+            </a:cxnLst>
+            <a:rect l="l" t="t" r="r" b="b"/>
+            <a:pathLst>
+              <a:path w="12192000" h="1108710">
+                <a:moveTo>
+                  <a:pt x="0" y="0"/>
+                </a:moveTo>
+                <a:lnTo>
+                  <a:pt x="12192000" y="0"/>
+                </a:lnTo>
+                <a:lnTo>
+                  <a:pt x="12192000" y="952500"/>
+                </a:lnTo>
+                <a:cubicBezTo>
+                  <a:pt x="8129270" y="1004570"/>
+                  <a:pt x="4138930" y="523240"/>
+                  <a:pt x="3810" y="1108710"/>
+                </a:cubicBezTo>
+                <a:lnTo>
+                  <a:pt x="0" y="0"/>
+                </a:lnTo>
+                <a:close/>
+              </a:path>
+            </a:pathLst>
+          </a:custGeom>
+          <a:solidFill>
+            <a:srgbClr val="0C3255"/>
+          </a:solidFill>
+          <a:ln>
+            <a:noFill/>
+          </a:ln>
+        </p:spPr>
+        <p:style>
+          <a:lnRef idx="2">
+            <a:schemeClr val="accent1">
+              <a:shade val="50000"/>
+            </a:schemeClr>
+          </a:lnRef>
+          <a:fillRef idx="1">
+            <a:schemeClr val="accent1"/>
+          </a:fillRef>
+          <a:effectRef idx="0">
+            <a:schemeClr val="accent1"/>
+          </a:effectRef>
+          <a:fontRef idx="minor">
+            <a:schemeClr val="lt1"/>
+          </a:fontRef>
+        </p:style>
+        <p:txBody>
+          <a:bodyPr rtlCol="0" anchor="ctr"/>
+          <a:lstStyle/>
+          <a:p>
+            <a:pPr algn="ctr"/>
+            <a:endParaRPr lang="en-US" dirty="0"/>
+          </a:p>
+        </p:txBody>
+      </p:sp>
+      <p:pic>
+        <p:nvPicPr>
+          <p:cNvPr id="5" name="Picture 4">
+            <a:extLst>
+              <a:ext uri="{FF2B5EF4-FFF2-40B4-BE49-F238E27FC236}">
+                <a16:creationId xmlns:a16="http://schemas.microsoft.com/office/drawing/2014/main" id="{5741C49F-3757-49B0-A057-BFAC9E208366}"/>
+              </a:ext>
+            </a:extLst>
+          </p:cNvPr>
+          <p:cNvPicPr>
+            <a:picLocks noChangeAspect="1"/>
+          </p:cNvPicPr>
+          <p:nvPr/>
+        </p:nvPicPr>
+        <p:blipFill>
+          <a:blip r:embed="rId2">
+            <a:extLst>
+              <a:ext uri="{28A0092B-C50C-407E-A947-70E740481C1C}">
+                <a14:useLocalDpi xmlns:a14="http://schemas.microsoft.com/office/drawing/2010/main" val="0"/>
+              </a:ext>
+            </a:extLst>
+          </a:blip>
+          <a:stretch>
+            <a:fillRect/>
+          </a:stretch>
+        </p:blipFill>
+        <p:spPr>
+          <a:xfrm>
+            <a:off x="11198949" y="6440202"/>
+            <a:ext cx="871131" cy="311118"/>
+          </a:xfrm>
+          <a:prstGeom prst="rect">
+            <a:avLst/>
+          </a:prstGeom>
+        </p:spPr>
+      </p:pic>
+      <p:sp>
+        <p:nvSpPr>
+          <p:cNvPr id="7" name="TextBox 6">
+            <a:extLst>
+              <a:ext uri="{FF2B5EF4-FFF2-40B4-BE49-F238E27FC236}">
+                <a16:creationId xmlns:a16="http://schemas.microsoft.com/office/drawing/2014/main" id="{89EC5970-4A94-C0F5-A2B4-C3DA652935F5}"/>
+              </a:ext>
+            </a:extLst>
+          </p:cNvPr>
+          <p:cNvSpPr txBox="1"/>
+          <p:nvPr/>
+        </p:nvSpPr>
+        <p:spPr>
+          <a:xfrm>
             <a:off x="171450" y="296852"/>
             <a:ext cx="3322320" cy="461665"/>
           </a:xfrm>
@@ -3985,10 +6779,2427 @@
           </a:p>
         </p:txBody>
       </p:sp>
+      <p:sp>
+        <p:nvSpPr>
+          <p:cNvPr id="2" name="TextBox 1">
+            <a:extLst>
+              <a:ext uri="{FF2B5EF4-FFF2-40B4-BE49-F238E27FC236}">
+                <a16:creationId xmlns:a16="http://schemas.microsoft.com/office/drawing/2014/main" id="{1648EF4C-5817-A553-B015-2B98CCBD8358}"/>
+              </a:ext>
+            </a:extLst>
+          </p:cNvPr>
+          <p:cNvSpPr txBox="1"/>
+          <p:nvPr/>
+        </p:nvSpPr>
+        <p:spPr>
+          <a:xfrm>
+            <a:off x="140970" y="2690336"/>
+            <a:ext cx="5650230" cy="1477328"/>
+          </a:xfrm>
+          <a:prstGeom prst="rect">
+            <a:avLst/>
+          </a:prstGeom>
+          <a:noFill/>
+        </p:spPr>
+        <p:txBody>
+          <a:bodyPr wrap="square" rtlCol="0">
+            <a:spAutoFit/>
+          </a:bodyPr>
+          <a:lstStyle/>
+          <a:p>
+            <a:pPr marL="285750" indent="-285750">
+              <a:buFont typeface="Arial" panose="020B0604020202020204" pitchFamily="34" charset="0"/>
+              <a:buChar char="•"/>
+            </a:pPr>
+            <a:r>
+              <a:rPr lang="en-GB" b="0" i="0" dirty="0">
+                <a:solidFill>
+                  <a:srgbClr val="000000"/>
+                </a:solidFill>
+                <a:effectLst/>
+                <a:latin typeface="Berlin Sans FB" panose="020E0602020502020306" pitchFamily="34" charset="0"/>
+              </a:rPr>
+              <a:t>HTML stands for Hyper Text Markup Language</a:t>
+            </a:r>
+          </a:p>
+          <a:p>
+            <a:pPr marL="285750" indent="-285750">
+              <a:buFont typeface="Arial" panose="020B0604020202020204" pitchFamily="34" charset="0"/>
+              <a:buChar char="•"/>
+            </a:pPr>
+            <a:r>
+              <a:rPr lang="en-GB" b="0" i="0" dirty="0">
+                <a:solidFill>
+                  <a:srgbClr val="000000"/>
+                </a:solidFill>
+                <a:effectLst/>
+                <a:latin typeface="Berlin Sans FB" panose="020E0602020502020306" pitchFamily="34" charset="0"/>
+              </a:rPr>
+              <a:t>HTML is the standard markup language for creating Web pages</a:t>
+            </a:r>
+          </a:p>
+          <a:p>
+            <a:pPr marL="285750" indent="-285750">
+              <a:buFont typeface="Arial" panose="020B0604020202020204" pitchFamily="34" charset="0"/>
+              <a:buChar char="•"/>
+            </a:pPr>
+            <a:r>
+              <a:rPr lang="en-GB" b="0" i="0" dirty="0">
+                <a:solidFill>
+                  <a:srgbClr val="000000"/>
+                </a:solidFill>
+                <a:effectLst/>
+                <a:latin typeface="Berlin Sans FB" panose="020E0602020502020306" pitchFamily="34" charset="0"/>
+              </a:rPr>
+              <a:t>HTML describes the structure of a Web page</a:t>
+            </a:r>
+          </a:p>
+          <a:p>
+            <a:endParaRPr lang="en-US" dirty="0">
+              <a:latin typeface="Berlin Sans FB" panose="020E0602020502020306" pitchFamily="34" charset="0"/>
+            </a:endParaRPr>
+          </a:p>
+        </p:txBody>
+      </p:sp>
+      <p:pic>
+        <p:nvPicPr>
+          <p:cNvPr id="6" name="Picture 5">
+            <a:extLst>
+              <a:ext uri="{FF2B5EF4-FFF2-40B4-BE49-F238E27FC236}">
+                <a16:creationId xmlns:a16="http://schemas.microsoft.com/office/drawing/2014/main" id="{D2F9E14E-A7D4-AE83-4A92-AF3D541EB848}"/>
+              </a:ext>
+            </a:extLst>
+          </p:cNvPr>
+          <p:cNvPicPr>
+            <a:picLocks noChangeAspect="1"/>
+          </p:cNvPicPr>
+          <p:nvPr/>
+        </p:nvPicPr>
+        <p:blipFill>
+          <a:blip r:embed="rId3"/>
+          <a:stretch>
+            <a:fillRect/>
+          </a:stretch>
+        </p:blipFill>
+        <p:spPr>
+          <a:xfrm>
+            <a:off x="6793399" y="2626042"/>
+            <a:ext cx="4135586" cy="1605915"/>
+          </a:xfrm>
+          <a:prstGeom prst="rect">
+            <a:avLst/>
+          </a:prstGeom>
+        </p:spPr>
+      </p:pic>
     </p:spTree>
     <p:extLst>
       <p:ext uri="{BB962C8B-B14F-4D97-AF65-F5344CB8AC3E}">
         <p14:creationId xmlns:p14="http://schemas.microsoft.com/office/powerpoint/2010/main" val="874540554"/>
+      </p:ext>
+    </p:extLst>
+  </p:cSld>
+  <p:clrMapOvr>
+    <a:masterClrMapping/>
+  </p:clrMapOvr>
+</p:sld>
+</file>
+
+<file path=ppt/slides/slide4.xml><?xml version="1.0" encoding="utf-8"?>
+<p:sld xmlns:a="http://schemas.openxmlformats.org/drawingml/2006/main" xmlns:r="http://schemas.openxmlformats.org/officeDocument/2006/relationships" xmlns:p="http://schemas.openxmlformats.org/presentationml/2006/main">
+  <p:cSld>
+    <p:spTree>
+      <p:nvGrpSpPr>
+        <p:cNvPr id="1" name=""/>
+        <p:cNvGrpSpPr/>
+        <p:nvPr/>
+      </p:nvGrpSpPr>
+      <p:grpSpPr>
+        <a:xfrm>
+          <a:off x="0" y="0"/>
+          <a:ext cx="0" cy="0"/>
+          <a:chOff x="0" y="0"/>
+          <a:chExt cx="0" cy="0"/>
+        </a:xfrm>
+      </p:grpSpPr>
+      <p:sp>
+        <p:nvSpPr>
+          <p:cNvPr id="4" name="Rectangle 3">
+            <a:extLst>
+              <a:ext uri="{FF2B5EF4-FFF2-40B4-BE49-F238E27FC236}">
+                <a16:creationId xmlns:a16="http://schemas.microsoft.com/office/drawing/2014/main" id="{1172D0F4-1042-6ABA-F2C4-0B1D072A422D}"/>
+              </a:ext>
+            </a:extLst>
+          </p:cNvPr>
+          <p:cNvSpPr/>
+          <p:nvPr/>
+        </p:nvSpPr>
+        <p:spPr>
+          <a:xfrm>
+            <a:off x="0" y="-26670"/>
+            <a:ext cx="12192000" cy="1108710"/>
+          </a:xfrm>
+          <a:custGeom>
+            <a:avLst/>
+            <a:gdLst>
+              <a:gd name="connsiteX0" fmla="*/ 0 w 12192000"/>
+              <a:gd name="connsiteY0" fmla="*/ 0 h 1043940"/>
+              <a:gd name="connsiteX1" fmla="*/ 12192000 w 12192000"/>
+              <a:gd name="connsiteY1" fmla="*/ 0 h 1043940"/>
+              <a:gd name="connsiteX2" fmla="*/ 12192000 w 12192000"/>
+              <a:gd name="connsiteY2" fmla="*/ 1043940 h 1043940"/>
+              <a:gd name="connsiteX3" fmla="*/ 0 w 12192000"/>
+              <a:gd name="connsiteY3" fmla="*/ 1043940 h 1043940"/>
+              <a:gd name="connsiteX4" fmla="*/ 0 w 12192000"/>
+              <a:gd name="connsiteY4" fmla="*/ 0 h 1043940"/>
+              <a:gd name="connsiteX0" fmla="*/ 0 w 12192000"/>
+              <a:gd name="connsiteY0" fmla="*/ 0 h 1043940"/>
+              <a:gd name="connsiteX1" fmla="*/ 12192000 w 12192000"/>
+              <a:gd name="connsiteY1" fmla="*/ 0 h 1043940"/>
+              <a:gd name="connsiteX2" fmla="*/ 12192000 w 12192000"/>
+              <a:gd name="connsiteY2" fmla="*/ 952500 h 1043940"/>
+              <a:gd name="connsiteX3" fmla="*/ 0 w 12192000"/>
+              <a:gd name="connsiteY3" fmla="*/ 1043940 h 1043940"/>
+              <a:gd name="connsiteX4" fmla="*/ 0 w 12192000"/>
+              <a:gd name="connsiteY4" fmla="*/ 0 h 1043940"/>
+              <a:gd name="connsiteX0" fmla="*/ 0 w 12192000"/>
+              <a:gd name="connsiteY0" fmla="*/ 0 h 1108710"/>
+              <a:gd name="connsiteX1" fmla="*/ 12192000 w 12192000"/>
+              <a:gd name="connsiteY1" fmla="*/ 0 h 1108710"/>
+              <a:gd name="connsiteX2" fmla="*/ 12192000 w 12192000"/>
+              <a:gd name="connsiteY2" fmla="*/ 952500 h 1108710"/>
+              <a:gd name="connsiteX3" fmla="*/ 3810 w 12192000"/>
+              <a:gd name="connsiteY3" fmla="*/ 1108710 h 1108710"/>
+              <a:gd name="connsiteX4" fmla="*/ 0 w 12192000"/>
+              <a:gd name="connsiteY4" fmla="*/ 0 h 1108710"/>
+              <a:gd name="connsiteX0" fmla="*/ 0 w 12192000"/>
+              <a:gd name="connsiteY0" fmla="*/ 0 h 1108710"/>
+              <a:gd name="connsiteX1" fmla="*/ 12192000 w 12192000"/>
+              <a:gd name="connsiteY1" fmla="*/ 0 h 1108710"/>
+              <a:gd name="connsiteX2" fmla="*/ 12192000 w 12192000"/>
+              <a:gd name="connsiteY2" fmla="*/ 952500 h 1108710"/>
+              <a:gd name="connsiteX3" fmla="*/ 3810 w 12192000"/>
+              <a:gd name="connsiteY3" fmla="*/ 1108710 h 1108710"/>
+              <a:gd name="connsiteX4" fmla="*/ 0 w 12192000"/>
+              <a:gd name="connsiteY4" fmla="*/ 0 h 1108710"/>
+            </a:gdLst>
+            <a:ahLst/>
+            <a:cxnLst>
+              <a:cxn ang="0">
+                <a:pos x="connsiteX0" y="connsiteY0"/>
+              </a:cxn>
+              <a:cxn ang="0">
+                <a:pos x="connsiteX1" y="connsiteY1"/>
+              </a:cxn>
+              <a:cxn ang="0">
+                <a:pos x="connsiteX2" y="connsiteY2"/>
+              </a:cxn>
+              <a:cxn ang="0">
+                <a:pos x="connsiteX3" y="connsiteY3"/>
+              </a:cxn>
+              <a:cxn ang="0">
+                <a:pos x="connsiteX4" y="connsiteY4"/>
+              </a:cxn>
+            </a:cxnLst>
+            <a:rect l="l" t="t" r="r" b="b"/>
+            <a:pathLst>
+              <a:path w="12192000" h="1108710">
+                <a:moveTo>
+                  <a:pt x="0" y="0"/>
+                </a:moveTo>
+                <a:lnTo>
+                  <a:pt x="12192000" y="0"/>
+                </a:lnTo>
+                <a:lnTo>
+                  <a:pt x="12192000" y="952500"/>
+                </a:lnTo>
+                <a:cubicBezTo>
+                  <a:pt x="8129270" y="1004570"/>
+                  <a:pt x="4138930" y="523240"/>
+                  <a:pt x="3810" y="1108710"/>
+                </a:cubicBezTo>
+                <a:lnTo>
+                  <a:pt x="0" y="0"/>
+                </a:lnTo>
+                <a:close/>
+              </a:path>
+            </a:pathLst>
+          </a:custGeom>
+          <a:solidFill>
+            <a:srgbClr val="0C3255"/>
+          </a:solidFill>
+          <a:ln>
+            <a:noFill/>
+          </a:ln>
+        </p:spPr>
+        <p:style>
+          <a:lnRef idx="2">
+            <a:schemeClr val="accent1">
+              <a:shade val="50000"/>
+            </a:schemeClr>
+          </a:lnRef>
+          <a:fillRef idx="1">
+            <a:schemeClr val="accent1"/>
+          </a:fillRef>
+          <a:effectRef idx="0">
+            <a:schemeClr val="accent1"/>
+          </a:effectRef>
+          <a:fontRef idx="minor">
+            <a:schemeClr val="lt1"/>
+          </a:fontRef>
+        </p:style>
+        <p:txBody>
+          <a:bodyPr rtlCol="0" anchor="ctr"/>
+          <a:lstStyle/>
+          <a:p>
+            <a:pPr algn="ctr"/>
+            <a:endParaRPr lang="en-US" dirty="0"/>
+          </a:p>
+        </p:txBody>
+      </p:sp>
+      <p:pic>
+        <p:nvPicPr>
+          <p:cNvPr id="5" name="Picture 4">
+            <a:extLst>
+              <a:ext uri="{FF2B5EF4-FFF2-40B4-BE49-F238E27FC236}">
+                <a16:creationId xmlns:a16="http://schemas.microsoft.com/office/drawing/2014/main" id="{5741C49F-3757-49B0-A057-BFAC9E208366}"/>
+              </a:ext>
+            </a:extLst>
+          </p:cNvPr>
+          <p:cNvPicPr>
+            <a:picLocks noChangeAspect="1"/>
+          </p:cNvPicPr>
+          <p:nvPr/>
+        </p:nvPicPr>
+        <p:blipFill>
+          <a:blip r:embed="rId2">
+            <a:extLst>
+              <a:ext uri="{28A0092B-C50C-407E-A947-70E740481C1C}">
+                <a14:useLocalDpi xmlns:a14="http://schemas.microsoft.com/office/drawing/2010/main" val="0"/>
+              </a:ext>
+            </a:extLst>
+          </a:blip>
+          <a:stretch>
+            <a:fillRect/>
+          </a:stretch>
+        </p:blipFill>
+        <p:spPr>
+          <a:xfrm>
+            <a:off x="11198949" y="6440202"/>
+            <a:ext cx="871131" cy="311118"/>
+          </a:xfrm>
+          <a:prstGeom prst="rect">
+            <a:avLst/>
+          </a:prstGeom>
+        </p:spPr>
+      </p:pic>
+      <p:sp>
+        <p:nvSpPr>
+          <p:cNvPr id="7" name="TextBox 6">
+            <a:extLst>
+              <a:ext uri="{FF2B5EF4-FFF2-40B4-BE49-F238E27FC236}">
+                <a16:creationId xmlns:a16="http://schemas.microsoft.com/office/drawing/2014/main" id="{89EC5970-4A94-C0F5-A2B4-C3DA652935F5}"/>
+              </a:ext>
+            </a:extLst>
+          </p:cNvPr>
+          <p:cNvSpPr txBox="1"/>
+          <p:nvPr/>
+        </p:nvSpPr>
+        <p:spPr>
+          <a:xfrm>
+            <a:off x="171450" y="296852"/>
+            <a:ext cx="3322320" cy="461665"/>
+          </a:xfrm>
+          <a:prstGeom prst="rect">
+            <a:avLst/>
+          </a:prstGeom>
+          <a:noFill/>
+        </p:spPr>
+        <p:txBody>
+          <a:bodyPr wrap="square" rtlCol="0">
+            <a:spAutoFit/>
+          </a:bodyPr>
+          <a:lstStyle/>
+          <a:p>
+            <a:r>
+              <a:rPr lang="en-GB" sz="2400" dirty="0">
+                <a:solidFill>
+                  <a:schemeClr val="bg1"/>
+                </a:solidFill>
+                <a:latin typeface="Berlin Sans FB Demi" panose="020E0802020502020306" pitchFamily="34" charset="0"/>
+              </a:rPr>
+              <a:t>HTML Elements</a:t>
+            </a:r>
+            <a:endParaRPr lang="en-US" sz="2400" dirty="0">
+              <a:solidFill>
+                <a:schemeClr val="bg1"/>
+              </a:solidFill>
+              <a:latin typeface="Berlin Sans FB Demi" panose="020E0802020502020306" pitchFamily="34" charset="0"/>
+            </a:endParaRPr>
+          </a:p>
+        </p:txBody>
+      </p:sp>
+      <p:sp>
+        <p:nvSpPr>
+          <p:cNvPr id="2" name="TextBox 1">
+            <a:extLst>
+              <a:ext uri="{FF2B5EF4-FFF2-40B4-BE49-F238E27FC236}">
+                <a16:creationId xmlns:a16="http://schemas.microsoft.com/office/drawing/2014/main" id="{1648EF4C-5817-A553-B015-2B98CCBD8358}"/>
+              </a:ext>
+            </a:extLst>
+          </p:cNvPr>
+          <p:cNvSpPr txBox="1"/>
+          <p:nvPr/>
+        </p:nvSpPr>
+        <p:spPr>
+          <a:xfrm>
+            <a:off x="140970" y="2690336"/>
+            <a:ext cx="5650230" cy="646331"/>
+          </a:xfrm>
+          <a:prstGeom prst="rect">
+            <a:avLst/>
+          </a:prstGeom>
+          <a:noFill/>
+        </p:spPr>
+        <p:txBody>
+          <a:bodyPr wrap="square" rtlCol="0">
+            <a:spAutoFit/>
+          </a:bodyPr>
+          <a:lstStyle/>
+          <a:p>
+            <a:pPr marL="285750" indent="-285750">
+              <a:buFont typeface="Arial" panose="020B0604020202020204" pitchFamily="34" charset="0"/>
+              <a:buChar char="•"/>
+            </a:pPr>
+            <a:r>
+              <a:rPr lang="en-GB" b="0" i="0" dirty="0">
+                <a:solidFill>
+                  <a:srgbClr val="000000"/>
+                </a:solidFill>
+                <a:effectLst/>
+                <a:latin typeface="Berlin Sans FB" panose="020E0602020502020306" pitchFamily="34" charset="0"/>
+              </a:rPr>
+              <a:t>An HTML element is defined by a start tag, some content, and an end tag.</a:t>
+            </a:r>
+            <a:endParaRPr lang="en-US" dirty="0">
+              <a:latin typeface="Berlin Sans FB" panose="020E0602020502020306" pitchFamily="34" charset="0"/>
+            </a:endParaRPr>
+          </a:p>
+        </p:txBody>
+      </p:sp>
+      <p:pic>
+        <p:nvPicPr>
+          <p:cNvPr id="6" name="Picture 5">
+            <a:extLst>
+              <a:ext uri="{FF2B5EF4-FFF2-40B4-BE49-F238E27FC236}">
+                <a16:creationId xmlns:a16="http://schemas.microsoft.com/office/drawing/2014/main" id="{D2F9E14E-A7D4-AE83-4A92-AF3D541EB848}"/>
+              </a:ext>
+            </a:extLst>
+          </p:cNvPr>
+          <p:cNvPicPr>
+            <a:picLocks noChangeAspect="1"/>
+          </p:cNvPicPr>
+          <p:nvPr/>
+        </p:nvPicPr>
+        <p:blipFill>
+          <a:blip r:embed="rId3"/>
+          <a:stretch>
+            <a:fillRect/>
+          </a:stretch>
+        </p:blipFill>
+        <p:spPr>
+          <a:xfrm>
+            <a:off x="6793399" y="2626042"/>
+            <a:ext cx="4135586" cy="1605915"/>
+          </a:xfrm>
+          <a:prstGeom prst="rect">
+            <a:avLst/>
+          </a:prstGeom>
+        </p:spPr>
+      </p:pic>
+    </p:spTree>
+    <p:extLst>
+      <p:ext uri="{BB962C8B-B14F-4D97-AF65-F5344CB8AC3E}">
+        <p14:creationId xmlns:p14="http://schemas.microsoft.com/office/powerpoint/2010/main" val="1942025639"/>
+      </p:ext>
+    </p:extLst>
+  </p:cSld>
+  <p:clrMapOvr>
+    <a:masterClrMapping/>
+  </p:clrMapOvr>
+</p:sld>
+</file>
+
+<file path=ppt/slides/slide5.xml><?xml version="1.0" encoding="utf-8"?>
+<p:sld xmlns:a="http://schemas.openxmlformats.org/drawingml/2006/main" xmlns:r="http://schemas.openxmlformats.org/officeDocument/2006/relationships" xmlns:p="http://schemas.openxmlformats.org/presentationml/2006/main">
+  <p:cSld>
+    <p:spTree>
+      <p:nvGrpSpPr>
+        <p:cNvPr id="1" name=""/>
+        <p:cNvGrpSpPr/>
+        <p:nvPr/>
+      </p:nvGrpSpPr>
+      <p:grpSpPr>
+        <a:xfrm>
+          <a:off x="0" y="0"/>
+          <a:ext cx="0" cy="0"/>
+          <a:chOff x="0" y="0"/>
+          <a:chExt cx="0" cy="0"/>
+        </a:xfrm>
+      </p:grpSpPr>
+      <p:sp>
+        <p:nvSpPr>
+          <p:cNvPr id="4" name="Rectangle 3">
+            <a:extLst>
+              <a:ext uri="{FF2B5EF4-FFF2-40B4-BE49-F238E27FC236}">
+                <a16:creationId xmlns:a16="http://schemas.microsoft.com/office/drawing/2014/main" id="{1172D0F4-1042-6ABA-F2C4-0B1D072A422D}"/>
+              </a:ext>
+            </a:extLst>
+          </p:cNvPr>
+          <p:cNvSpPr/>
+          <p:nvPr/>
+        </p:nvSpPr>
+        <p:spPr>
+          <a:xfrm>
+            <a:off x="0" y="-26670"/>
+            <a:ext cx="12192000" cy="1108710"/>
+          </a:xfrm>
+          <a:custGeom>
+            <a:avLst/>
+            <a:gdLst>
+              <a:gd name="connsiteX0" fmla="*/ 0 w 12192000"/>
+              <a:gd name="connsiteY0" fmla="*/ 0 h 1043940"/>
+              <a:gd name="connsiteX1" fmla="*/ 12192000 w 12192000"/>
+              <a:gd name="connsiteY1" fmla="*/ 0 h 1043940"/>
+              <a:gd name="connsiteX2" fmla="*/ 12192000 w 12192000"/>
+              <a:gd name="connsiteY2" fmla="*/ 1043940 h 1043940"/>
+              <a:gd name="connsiteX3" fmla="*/ 0 w 12192000"/>
+              <a:gd name="connsiteY3" fmla="*/ 1043940 h 1043940"/>
+              <a:gd name="connsiteX4" fmla="*/ 0 w 12192000"/>
+              <a:gd name="connsiteY4" fmla="*/ 0 h 1043940"/>
+              <a:gd name="connsiteX0" fmla="*/ 0 w 12192000"/>
+              <a:gd name="connsiteY0" fmla="*/ 0 h 1043940"/>
+              <a:gd name="connsiteX1" fmla="*/ 12192000 w 12192000"/>
+              <a:gd name="connsiteY1" fmla="*/ 0 h 1043940"/>
+              <a:gd name="connsiteX2" fmla="*/ 12192000 w 12192000"/>
+              <a:gd name="connsiteY2" fmla="*/ 952500 h 1043940"/>
+              <a:gd name="connsiteX3" fmla="*/ 0 w 12192000"/>
+              <a:gd name="connsiteY3" fmla="*/ 1043940 h 1043940"/>
+              <a:gd name="connsiteX4" fmla="*/ 0 w 12192000"/>
+              <a:gd name="connsiteY4" fmla="*/ 0 h 1043940"/>
+              <a:gd name="connsiteX0" fmla="*/ 0 w 12192000"/>
+              <a:gd name="connsiteY0" fmla="*/ 0 h 1108710"/>
+              <a:gd name="connsiteX1" fmla="*/ 12192000 w 12192000"/>
+              <a:gd name="connsiteY1" fmla="*/ 0 h 1108710"/>
+              <a:gd name="connsiteX2" fmla="*/ 12192000 w 12192000"/>
+              <a:gd name="connsiteY2" fmla="*/ 952500 h 1108710"/>
+              <a:gd name="connsiteX3" fmla="*/ 3810 w 12192000"/>
+              <a:gd name="connsiteY3" fmla="*/ 1108710 h 1108710"/>
+              <a:gd name="connsiteX4" fmla="*/ 0 w 12192000"/>
+              <a:gd name="connsiteY4" fmla="*/ 0 h 1108710"/>
+              <a:gd name="connsiteX0" fmla="*/ 0 w 12192000"/>
+              <a:gd name="connsiteY0" fmla="*/ 0 h 1108710"/>
+              <a:gd name="connsiteX1" fmla="*/ 12192000 w 12192000"/>
+              <a:gd name="connsiteY1" fmla="*/ 0 h 1108710"/>
+              <a:gd name="connsiteX2" fmla="*/ 12192000 w 12192000"/>
+              <a:gd name="connsiteY2" fmla="*/ 952500 h 1108710"/>
+              <a:gd name="connsiteX3" fmla="*/ 3810 w 12192000"/>
+              <a:gd name="connsiteY3" fmla="*/ 1108710 h 1108710"/>
+              <a:gd name="connsiteX4" fmla="*/ 0 w 12192000"/>
+              <a:gd name="connsiteY4" fmla="*/ 0 h 1108710"/>
+            </a:gdLst>
+            <a:ahLst/>
+            <a:cxnLst>
+              <a:cxn ang="0">
+                <a:pos x="connsiteX0" y="connsiteY0"/>
+              </a:cxn>
+              <a:cxn ang="0">
+                <a:pos x="connsiteX1" y="connsiteY1"/>
+              </a:cxn>
+              <a:cxn ang="0">
+                <a:pos x="connsiteX2" y="connsiteY2"/>
+              </a:cxn>
+              <a:cxn ang="0">
+                <a:pos x="connsiteX3" y="connsiteY3"/>
+              </a:cxn>
+              <a:cxn ang="0">
+                <a:pos x="connsiteX4" y="connsiteY4"/>
+              </a:cxn>
+            </a:cxnLst>
+            <a:rect l="l" t="t" r="r" b="b"/>
+            <a:pathLst>
+              <a:path w="12192000" h="1108710">
+                <a:moveTo>
+                  <a:pt x="0" y="0"/>
+                </a:moveTo>
+                <a:lnTo>
+                  <a:pt x="12192000" y="0"/>
+                </a:lnTo>
+                <a:lnTo>
+                  <a:pt x="12192000" y="952500"/>
+                </a:lnTo>
+                <a:cubicBezTo>
+                  <a:pt x="8129270" y="1004570"/>
+                  <a:pt x="4138930" y="523240"/>
+                  <a:pt x="3810" y="1108710"/>
+                </a:cubicBezTo>
+                <a:lnTo>
+                  <a:pt x="0" y="0"/>
+                </a:lnTo>
+                <a:close/>
+              </a:path>
+            </a:pathLst>
+          </a:custGeom>
+          <a:solidFill>
+            <a:srgbClr val="0C3255"/>
+          </a:solidFill>
+          <a:ln>
+            <a:noFill/>
+          </a:ln>
+        </p:spPr>
+        <p:style>
+          <a:lnRef idx="2">
+            <a:schemeClr val="accent1">
+              <a:shade val="50000"/>
+            </a:schemeClr>
+          </a:lnRef>
+          <a:fillRef idx="1">
+            <a:schemeClr val="accent1"/>
+          </a:fillRef>
+          <a:effectRef idx="0">
+            <a:schemeClr val="accent1"/>
+          </a:effectRef>
+          <a:fontRef idx="minor">
+            <a:schemeClr val="lt1"/>
+          </a:fontRef>
+        </p:style>
+        <p:txBody>
+          <a:bodyPr rtlCol="0" anchor="ctr"/>
+          <a:lstStyle/>
+          <a:p>
+            <a:pPr algn="ctr"/>
+            <a:endParaRPr lang="en-US" dirty="0"/>
+          </a:p>
+        </p:txBody>
+      </p:sp>
+      <p:pic>
+        <p:nvPicPr>
+          <p:cNvPr id="5" name="Picture 4">
+            <a:extLst>
+              <a:ext uri="{FF2B5EF4-FFF2-40B4-BE49-F238E27FC236}">
+                <a16:creationId xmlns:a16="http://schemas.microsoft.com/office/drawing/2014/main" id="{5741C49F-3757-49B0-A057-BFAC9E208366}"/>
+              </a:ext>
+            </a:extLst>
+          </p:cNvPr>
+          <p:cNvPicPr>
+            <a:picLocks noChangeAspect="1"/>
+          </p:cNvPicPr>
+          <p:nvPr/>
+        </p:nvPicPr>
+        <p:blipFill>
+          <a:blip r:embed="rId2">
+            <a:extLst>
+              <a:ext uri="{28A0092B-C50C-407E-A947-70E740481C1C}">
+                <a14:useLocalDpi xmlns:a14="http://schemas.microsoft.com/office/drawing/2010/main" val="0"/>
+              </a:ext>
+            </a:extLst>
+          </a:blip>
+          <a:stretch>
+            <a:fillRect/>
+          </a:stretch>
+        </p:blipFill>
+        <p:spPr>
+          <a:xfrm>
+            <a:off x="11198949" y="6440202"/>
+            <a:ext cx="871131" cy="311118"/>
+          </a:xfrm>
+          <a:prstGeom prst="rect">
+            <a:avLst/>
+          </a:prstGeom>
+        </p:spPr>
+      </p:pic>
+      <p:sp>
+        <p:nvSpPr>
+          <p:cNvPr id="7" name="TextBox 6">
+            <a:extLst>
+              <a:ext uri="{FF2B5EF4-FFF2-40B4-BE49-F238E27FC236}">
+                <a16:creationId xmlns:a16="http://schemas.microsoft.com/office/drawing/2014/main" id="{89EC5970-4A94-C0F5-A2B4-C3DA652935F5}"/>
+              </a:ext>
+            </a:extLst>
+          </p:cNvPr>
+          <p:cNvSpPr txBox="1"/>
+          <p:nvPr/>
+        </p:nvSpPr>
+        <p:spPr>
+          <a:xfrm>
+            <a:off x="171450" y="296852"/>
+            <a:ext cx="3322320" cy="461665"/>
+          </a:xfrm>
+          <a:prstGeom prst="rect">
+            <a:avLst/>
+          </a:prstGeom>
+          <a:noFill/>
+        </p:spPr>
+        <p:txBody>
+          <a:bodyPr wrap="square" rtlCol="0">
+            <a:spAutoFit/>
+          </a:bodyPr>
+          <a:lstStyle/>
+          <a:p>
+            <a:r>
+              <a:rPr lang="en-GB" sz="2400" dirty="0">
+                <a:solidFill>
+                  <a:schemeClr val="bg1"/>
+                </a:solidFill>
+                <a:latin typeface="Berlin Sans FB Demi" panose="020E0802020502020306" pitchFamily="34" charset="0"/>
+              </a:rPr>
+              <a:t>HTML Attributes</a:t>
+            </a:r>
+            <a:endParaRPr lang="en-US" sz="2400" dirty="0">
+              <a:solidFill>
+                <a:schemeClr val="bg1"/>
+              </a:solidFill>
+              <a:latin typeface="Berlin Sans FB Demi" panose="020E0802020502020306" pitchFamily="34" charset="0"/>
+            </a:endParaRPr>
+          </a:p>
+        </p:txBody>
+      </p:sp>
+      <p:sp>
+        <p:nvSpPr>
+          <p:cNvPr id="2" name="TextBox 1">
+            <a:extLst>
+              <a:ext uri="{FF2B5EF4-FFF2-40B4-BE49-F238E27FC236}">
+                <a16:creationId xmlns:a16="http://schemas.microsoft.com/office/drawing/2014/main" id="{1648EF4C-5817-A553-B015-2B98CCBD8358}"/>
+              </a:ext>
+            </a:extLst>
+          </p:cNvPr>
+          <p:cNvSpPr txBox="1"/>
+          <p:nvPr/>
+        </p:nvSpPr>
+        <p:spPr>
+          <a:xfrm>
+            <a:off x="140970" y="2690336"/>
+            <a:ext cx="5650230" cy="1477328"/>
+          </a:xfrm>
+          <a:prstGeom prst="rect">
+            <a:avLst/>
+          </a:prstGeom>
+          <a:noFill/>
+        </p:spPr>
+        <p:txBody>
+          <a:bodyPr wrap="square" rtlCol="0">
+            <a:spAutoFit/>
+          </a:bodyPr>
+          <a:lstStyle/>
+          <a:p>
+            <a:pPr marL="285750" indent="-285750">
+              <a:buFont typeface="Arial" panose="020B0604020202020204" pitchFamily="34" charset="0"/>
+              <a:buChar char="•"/>
+            </a:pPr>
+            <a:r>
+              <a:rPr lang="en-US" b="0" i="0" dirty="0">
+                <a:solidFill>
+                  <a:srgbClr val="000000"/>
+                </a:solidFill>
+                <a:effectLst/>
+                <a:latin typeface="Berlin Sans FB" panose="020E0602020502020306" pitchFamily="34" charset="0"/>
+              </a:rPr>
+              <a:t>Attributes provide </a:t>
+            </a:r>
+            <a:r>
+              <a:rPr lang="en-US" b="1" i="0" dirty="0">
+                <a:solidFill>
+                  <a:srgbClr val="000000"/>
+                </a:solidFill>
+                <a:effectLst/>
+                <a:latin typeface="Berlin Sans FB" panose="020E0602020502020306" pitchFamily="34" charset="0"/>
+              </a:rPr>
+              <a:t>additional information</a:t>
+            </a:r>
+            <a:r>
+              <a:rPr lang="en-US" b="0" i="0" dirty="0">
+                <a:solidFill>
+                  <a:srgbClr val="000000"/>
+                </a:solidFill>
+                <a:effectLst/>
+                <a:latin typeface="Berlin Sans FB" panose="020E0602020502020306" pitchFamily="34" charset="0"/>
+              </a:rPr>
+              <a:t> about elements</a:t>
+            </a:r>
+          </a:p>
+          <a:p>
+            <a:pPr marL="285750" indent="-285750">
+              <a:buFont typeface="Arial" panose="020B0604020202020204" pitchFamily="34" charset="0"/>
+              <a:buChar char="•"/>
+            </a:pPr>
+            <a:r>
+              <a:rPr lang="en-GB" b="0" i="0" dirty="0">
+                <a:solidFill>
+                  <a:srgbClr val="000000"/>
+                </a:solidFill>
+                <a:effectLst/>
+                <a:latin typeface="Berlin Sans FB" panose="020E0602020502020306" pitchFamily="34" charset="0"/>
+              </a:rPr>
+              <a:t>Attributes are always specified in </a:t>
+            </a:r>
+            <a:r>
+              <a:rPr lang="en-GB" b="1" i="0" dirty="0">
+                <a:solidFill>
+                  <a:srgbClr val="000000"/>
+                </a:solidFill>
+                <a:effectLst/>
+                <a:latin typeface="Berlin Sans FB" panose="020E0602020502020306" pitchFamily="34" charset="0"/>
+              </a:rPr>
+              <a:t>the start tag</a:t>
+            </a:r>
+            <a:endParaRPr lang="en-GB" b="0" i="0" dirty="0">
+              <a:solidFill>
+                <a:srgbClr val="000000"/>
+              </a:solidFill>
+              <a:effectLst/>
+              <a:latin typeface="Berlin Sans FB" panose="020E0602020502020306" pitchFamily="34" charset="0"/>
+            </a:endParaRPr>
+          </a:p>
+          <a:p>
+            <a:pPr marL="285750" indent="-285750">
+              <a:buFont typeface="Arial" panose="020B0604020202020204" pitchFamily="34" charset="0"/>
+              <a:buChar char="•"/>
+            </a:pPr>
+            <a:r>
+              <a:rPr lang="en-GB" b="0" i="0" dirty="0">
+                <a:solidFill>
+                  <a:srgbClr val="000000"/>
+                </a:solidFill>
+                <a:effectLst/>
+                <a:latin typeface="Berlin Sans FB" panose="020E0602020502020306" pitchFamily="34" charset="0"/>
+              </a:rPr>
+              <a:t>Attributes usually come in name/value pairs like: </a:t>
+            </a:r>
+            <a:r>
+              <a:rPr lang="en-GB" b="1" i="0" dirty="0">
+                <a:solidFill>
+                  <a:srgbClr val="000000"/>
+                </a:solidFill>
+                <a:effectLst/>
+                <a:latin typeface="Berlin Sans FB" panose="020E0602020502020306" pitchFamily="34" charset="0"/>
+              </a:rPr>
+              <a:t>name="value"</a:t>
+            </a:r>
+            <a:endParaRPr lang="en-GB" b="0" i="0" dirty="0">
+              <a:solidFill>
+                <a:srgbClr val="000000"/>
+              </a:solidFill>
+              <a:effectLst/>
+              <a:latin typeface="Berlin Sans FB" panose="020E0602020502020306" pitchFamily="34" charset="0"/>
+            </a:endParaRPr>
+          </a:p>
+        </p:txBody>
+      </p:sp>
+      <p:pic>
+        <p:nvPicPr>
+          <p:cNvPr id="6" name="Picture 5">
+            <a:extLst>
+              <a:ext uri="{FF2B5EF4-FFF2-40B4-BE49-F238E27FC236}">
+                <a16:creationId xmlns:a16="http://schemas.microsoft.com/office/drawing/2014/main" id="{D2F9E14E-A7D4-AE83-4A92-AF3D541EB848}"/>
+              </a:ext>
+            </a:extLst>
+          </p:cNvPr>
+          <p:cNvPicPr>
+            <a:picLocks noChangeAspect="1"/>
+          </p:cNvPicPr>
+          <p:nvPr/>
+        </p:nvPicPr>
+        <p:blipFill>
+          <a:blip r:embed="rId3"/>
+          <a:stretch>
+            <a:fillRect/>
+          </a:stretch>
+        </p:blipFill>
+        <p:spPr>
+          <a:xfrm>
+            <a:off x="6793399" y="2626042"/>
+            <a:ext cx="4135586" cy="1605915"/>
+          </a:xfrm>
+          <a:prstGeom prst="rect">
+            <a:avLst/>
+          </a:prstGeom>
+        </p:spPr>
+      </p:pic>
+    </p:spTree>
+    <p:extLst>
+      <p:ext uri="{BB962C8B-B14F-4D97-AF65-F5344CB8AC3E}">
+        <p14:creationId xmlns:p14="http://schemas.microsoft.com/office/powerpoint/2010/main" val="3079859872"/>
+      </p:ext>
+    </p:extLst>
+  </p:cSld>
+  <p:clrMapOvr>
+    <a:masterClrMapping/>
+  </p:clrMapOvr>
+</p:sld>
+</file>
+
+<file path=ppt/slides/slide6.xml><?xml version="1.0" encoding="utf-8"?>
+<p:sld xmlns:a="http://schemas.openxmlformats.org/drawingml/2006/main" xmlns:r="http://schemas.openxmlformats.org/officeDocument/2006/relationships" xmlns:p="http://schemas.openxmlformats.org/presentationml/2006/main">
+  <p:cSld>
+    <p:spTree>
+      <p:nvGrpSpPr>
+        <p:cNvPr id="1" name=""/>
+        <p:cNvGrpSpPr/>
+        <p:nvPr/>
+      </p:nvGrpSpPr>
+      <p:grpSpPr>
+        <a:xfrm>
+          <a:off x="0" y="0"/>
+          <a:ext cx="0" cy="0"/>
+          <a:chOff x="0" y="0"/>
+          <a:chExt cx="0" cy="0"/>
+        </a:xfrm>
+      </p:grpSpPr>
+      <p:sp>
+        <p:nvSpPr>
+          <p:cNvPr id="4" name="Rectangle 3">
+            <a:extLst>
+              <a:ext uri="{FF2B5EF4-FFF2-40B4-BE49-F238E27FC236}">
+                <a16:creationId xmlns:a16="http://schemas.microsoft.com/office/drawing/2014/main" id="{1172D0F4-1042-6ABA-F2C4-0B1D072A422D}"/>
+              </a:ext>
+            </a:extLst>
+          </p:cNvPr>
+          <p:cNvSpPr/>
+          <p:nvPr/>
+        </p:nvSpPr>
+        <p:spPr>
+          <a:xfrm>
+            <a:off x="0" y="-26670"/>
+            <a:ext cx="12192000" cy="1108710"/>
+          </a:xfrm>
+          <a:custGeom>
+            <a:avLst/>
+            <a:gdLst>
+              <a:gd name="connsiteX0" fmla="*/ 0 w 12192000"/>
+              <a:gd name="connsiteY0" fmla="*/ 0 h 1043940"/>
+              <a:gd name="connsiteX1" fmla="*/ 12192000 w 12192000"/>
+              <a:gd name="connsiteY1" fmla="*/ 0 h 1043940"/>
+              <a:gd name="connsiteX2" fmla="*/ 12192000 w 12192000"/>
+              <a:gd name="connsiteY2" fmla="*/ 1043940 h 1043940"/>
+              <a:gd name="connsiteX3" fmla="*/ 0 w 12192000"/>
+              <a:gd name="connsiteY3" fmla="*/ 1043940 h 1043940"/>
+              <a:gd name="connsiteX4" fmla="*/ 0 w 12192000"/>
+              <a:gd name="connsiteY4" fmla="*/ 0 h 1043940"/>
+              <a:gd name="connsiteX0" fmla="*/ 0 w 12192000"/>
+              <a:gd name="connsiteY0" fmla="*/ 0 h 1043940"/>
+              <a:gd name="connsiteX1" fmla="*/ 12192000 w 12192000"/>
+              <a:gd name="connsiteY1" fmla="*/ 0 h 1043940"/>
+              <a:gd name="connsiteX2" fmla="*/ 12192000 w 12192000"/>
+              <a:gd name="connsiteY2" fmla="*/ 952500 h 1043940"/>
+              <a:gd name="connsiteX3" fmla="*/ 0 w 12192000"/>
+              <a:gd name="connsiteY3" fmla="*/ 1043940 h 1043940"/>
+              <a:gd name="connsiteX4" fmla="*/ 0 w 12192000"/>
+              <a:gd name="connsiteY4" fmla="*/ 0 h 1043940"/>
+              <a:gd name="connsiteX0" fmla="*/ 0 w 12192000"/>
+              <a:gd name="connsiteY0" fmla="*/ 0 h 1108710"/>
+              <a:gd name="connsiteX1" fmla="*/ 12192000 w 12192000"/>
+              <a:gd name="connsiteY1" fmla="*/ 0 h 1108710"/>
+              <a:gd name="connsiteX2" fmla="*/ 12192000 w 12192000"/>
+              <a:gd name="connsiteY2" fmla="*/ 952500 h 1108710"/>
+              <a:gd name="connsiteX3" fmla="*/ 3810 w 12192000"/>
+              <a:gd name="connsiteY3" fmla="*/ 1108710 h 1108710"/>
+              <a:gd name="connsiteX4" fmla="*/ 0 w 12192000"/>
+              <a:gd name="connsiteY4" fmla="*/ 0 h 1108710"/>
+              <a:gd name="connsiteX0" fmla="*/ 0 w 12192000"/>
+              <a:gd name="connsiteY0" fmla="*/ 0 h 1108710"/>
+              <a:gd name="connsiteX1" fmla="*/ 12192000 w 12192000"/>
+              <a:gd name="connsiteY1" fmla="*/ 0 h 1108710"/>
+              <a:gd name="connsiteX2" fmla="*/ 12192000 w 12192000"/>
+              <a:gd name="connsiteY2" fmla="*/ 952500 h 1108710"/>
+              <a:gd name="connsiteX3" fmla="*/ 3810 w 12192000"/>
+              <a:gd name="connsiteY3" fmla="*/ 1108710 h 1108710"/>
+              <a:gd name="connsiteX4" fmla="*/ 0 w 12192000"/>
+              <a:gd name="connsiteY4" fmla="*/ 0 h 1108710"/>
+            </a:gdLst>
+            <a:ahLst/>
+            <a:cxnLst>
+              <a:cxn ang="0">
+                <a:pos x="connsiteX0" y="connsiteY0"/>
+              </a:cxn>
+              <a:cxn ang="0">
+                <a:pos x="connsiteX1" y="connsiteY1"/>
+              </a:cxn>
+              <a:cxn ang="0">
+                <a:pos x="connsiteX2" y="connsiteY2"/>
+              </a:cxn>
+              <a:cxn ang="0">
+                <a:pos x="connsiteX3" y="connsiteY3"/>
+              </a:cxn>
+              <a:cxn ang="0">
+                <a:pos x="connsiteX4" y="connsiteY4"/>
+              </a:cxn>
+            </a:cxnLst>
+            <a:rect l="l" t="t" r="r" b="b"/>
+            <a:pathLst>
+              <a:path w="12192000" h="1108710">
+                <a:moveTo>
+                  <a:pt x="0" y="0"/>
+                </a:moveTo>
+                <a:lnTo>
+                  <a:pt x="12192000" y="0"/>
+                </a:lnTo>
+                <a:lnTo>
+                  <a:pt x="12192000" y="952500"/>
+                </a:lnTo>
+                <a:cubicBezTo>
+                  <a:pt x="8129270" y="1004570"/>
+                  <a:pt x="4138930" y="523240"/>
+                  <a:pt x="3810" y="1108710"/>
+                </a:cubicBezTo>
+                <a:lnTo>
+                  <a:pt x="0" y="0"/>
+                </a:lnTo>
+                <a:close/>
+              </a:path>
+            </a:pathLst>
+          </a:custGeom>
+          <a:solidFill>
+            <a:srgbClr val="0C3255"/>
+          </a:solidFill>
+          <a:ln>
+            <a:noFill/>
+          </a:ln>
+        </p:spPr>
+        <p:style>
+          <a:lnRef idx="2">
+            <a:schemeClr val="accent1">
+              <a:shade val="50000"/>
+            </a:schemeClr>
+          </a:lnRef>
+          <a:fillRef idx="1">
+            <a:schemeClr val="accent1"/>
+          </a:fillRef>
+          <a:effectRef idx="0">
+            <a:schemeClr val="accent1"/>
+          </a:effectRef>
+          <a:fontRef idx="minor">
+            <a:schemeClr val="lt1"/>
+          </a:fontRef>
+        </p:style>
+        <p:txBody>
+          <a:bodyPr rtlCol="0" anchor="ctr"/>
+          <a:lstStyle/>
+          <a:p>
+            <a:pPr algn="ctr"/>
+            <a:endParaRPr lang="en-US" dirty="0"/>
+          </a:p>
+        </p:txBody>
+      </p:sp>
+      <p:pic>
+        <p:nvPicPr>
+          <p:cNvPr id="5" name="Picture 4">
+            <a:extLst>
+              <a:ext uri="{FF2B5EF4-FFF2-40B4-BE49-F238E27FC236}">
+                <a16:creationId xmlns:a16="http://schemas.microsoft.com/office/drawing/2014/main" id="{5741C49F-3757-49B0-A057-BFAC9E208366}"/>
+              </a:ext>
+            </a:extLst>
+          </p:cNvPr>
+          <p:cNvPicPr>
+            <a:picLocks noChangeAspect="1"/>
+          </p:cNvPicPr>
+          <p:nvPr/>
+        </p:nvPicPr>
+        <p:blipFill>
+          <a:blip r:embed="rId2">
+            <a:extLst>
+              <a:ext uri="{28A0092B-C50C-407E-A947-70E740481C1C}">
+                <a14:useLocalDpi xmlns:a14="http://schemas.microsoft.com/office/drawing/2010/main" val="0"/>
+              </a:ext>
+            </a:extLst>
+          </a:blip>
+          <a:stretch>
+            <a:fillRect/>
+          </a:stretch>
+        </p:blipFill>
+        <p:spPr>
+          <a:xfrm>
+            <a:off x="11198949" y="6440202"/>
+            <a:ext cx="871131" cy="311118"/>
+          </a:xfrm>
+          <a:prstGeom prst="rect">
+            <a:avLst/>
+          </a:prstGeom>
+        </p:spPr>
+      </p:pic>
+      <p:sp>
+        <p:nvSpPr>
+          <p:cNvPr id="7" name="TextBox 6">
+            <a:extLst>
+              <a:ext uri="{FF2B5EF4-FFF2-40B4-BE49-F238E27FC236}">
+                <a16:creationId xmlns:a16="http://schemas.microsoft.com/office/drawing/2014/main" id="{89EC5970-4A94-C0F5-A2B4-C3DA652935F5}"/>
+              </a:ext>
+            </a:extLst>
+          </p:cNvPr>
+          <p:cNvSpPr txBox="1"/>
+          <p:nvPr/>
+        </p:nvSpPr>
+        <p:spPr>
+          <a:xfrm>
+            <a:off x="171450" y="296852"/>
+            <a:ext cx="3322320" cy="461665"/>
+          </a:xfrm>
+          <a:prstGeom prst="rect">
+            <a:avLst/>
+          </a:prstGeom>
+          <a:noFill/>
+        </p:spPr>
+        <p:txBody>
+          <a:bodyPr wrap="square" rtlCol="0">
+            <a:spAutoFit/>
+          </a:bodyPr>
+          <a:lstStyle/>
+          <a:p>
+            <a:r>
+              <a:rPr lang="en-GB" sz="2400" dirty="0">
+                <a:solidFill>
+                  <a:schemeClr val="bg1"/>
+                </a:solidFill>
+                <a:latin typeface="Berlin Sans FB Demi" panose="020E0802020502020306" pitchFamily="34" charset="0"/>
+              </a:rPr>
+              <a:t>What is CSS ?</a:t>
+            </a:r>
+            <a:endParaRPr lang="en-US" sz="2400" dirty="0">
+              <a:solidFill>
+                <a:schemeClr val="bg1"/>
+              </a:solidFill>
+              <a:latin typeface="Berlin Sans FB Demi" panose="020E0802020502020306" pitchFamily="34" charset="0"/>
+            </a:endParaRPr>
+          </a:p>
+        </p:txBody>
+      </p:sp>
+      <p:pic>
+        <p:nvPicPr>
+          <p:cNvPr id="1026" name="Picture 2" descr="Difference between HTML and CSS">
+            <a:extLst>
+              <a:ext uri="{FF2B5EF4-FFF2-40B4-BE49-F238E27FC236}">
+                <a16:creationId xmlns:a16="http://schemas.microsoft.com/office/drawing/2014/main" id="{4595703F-9A05-97D4-7884-8D355272587C}"/>
+              </a:ext>
+            </a:extLst>
+          </p:cNvPr>
+          <p:cNvPicPr>
+            <a:picLocks noChangeAspect="1" noChangeArrowheads="1"/>
+          </p:cNvPicPr>
+          <p:nvPr/>
+        </p:nvPicPr>
+        <p:blipFill>
+          <a:blip r:embed="rId3">
+            <a:extLst>
+              <a:ext uri="{28A0092B-C50C-407E-A947-70E740481C1C}">
+                <a14:useLocalDpi xmlns:a14="http://schemas.microsoft.com/office/drawing/2010/main" val="0"/>
+              </a:ext>
+            </a:extLst>
+          </a:blip>
+          <a:srcRect/>
+          <a:stretch>
+            <a:fillRect/>
+          </a:stretch>
+        </p:blipFill>
+        <p:spPr bwMode="auto">
+          <a:xfrm>
+            <a:off x="6577342" y="2058406"/>
+            <a:ext cx="5241278" cy="2741188"/>
+          </a:xfrm>
+          <a:prstGeom prst="rect">
+            <a:avLst/>
+          </a:prstGeom>
+          <a:noFill/>
+          <a:extLst>
+            <a:ext uri="{909E8E84-426E-40DD-AFC4-6F175D3DCCD1}">
+              <a14:hiddenFill xmlns:a14="http://schemas.microsoft.com/office/drawing/2010/main">
+                <a:solidFill>
+                  <a:srgbClr val="FFFFFF"/>
+                </a:solidFill>
+              </a14:hiddenFill>
+            </a:ext>
+          </a:extLst>
+        </p:spPr>
+      </p:pic>
+      <p:sp>
+        <p:nvSpPr>
+          <p:cNvPr id="3" name="TextBox 2">
+            <a:extLst>
+              <a:ext uri="{FF2B5EF4-FFF2-40B4-BE49-F238E27FC236}">
+                <a16:creationId xmlns:a16="http://schemas.microsoft.com/office/drawing/2014/main" id="{C83EF85B-DEC6-BDAE-1056-BE77B523BF5A}"/>
+              </a:ext>
+            </a:extLst>
+          </p:cNvPr>
+          <p:cNvSpPr txBox="1"/>
+          <p:nvPr/>
+        </p:nvSpPr>
+        <p:spPr>
+          <a:xfrm>
+            <a:off x="373380" y="2579370"/>
+            <a:ext cx="5562600" cy="1200329"/>
+          </a:xfrm>
+          <a:prstGeom prst="rect">
+            <a:avLst/>
+          </a:prstGeom>
+          <a:noFill/>
+        </p:spPr>
+        <p:txBody>
+          <a:bodyPr wrap="square" rtlCol="0">
+            <a:spAutoFit/>
+          </a:bodyPr>
+          <a:lstStyle/>
+          <a:p>
+            <a:pPr marL="285750" indent="-285750">
+              <a:buFont typeface="Arial" panose="020B0604020202020204" pitchFamily="34" charset="0"/>
+              <a:buChar char="•"/>
+            </a:pPr>
+            <a:r>
+              <a:rPr lang="en-GB" b="0" i="0" dirty="0">
+                <a:solidFill>
+                  <a:srgbClr val="000000"/>
+                </a:solidFill>
+                <a:effectLst/>
+                <a:latin typeface="Berlin Sans FB" panose="020E0602020502020306" pitchFamily="34" charset="0"/>
+              </a:rPr>
+              <a:t>CSS stands for Cascading Style Sheets</a:t>
+            </a:r>
+          </a:p>
+          <a:p>
+            <a:pPr marL="285750" indent="-285750">
+              <a:buFont typeface="Arial" panose="020B0604020202020204" pitchFamily="34" charset="0"/>
+              <a:buChar char="•"/>
+            </a:pPr>
+            <a:r>
+              <a:rPr lang="en-GB" b="0" i="0" dirty="0">
+                <a:solidFill>
+                  <a:srgbClr val="000000"/>
+                </a:solidFill>
+                <a:effectLst/>
+                <a:latin typeface="Berlin Sans FB" panose="020E0602020502020306" pitchFamily="34" charset="0"/>
+              </a:rPr>
+              <a:t>CSS describes how HTML elements are to be displayed on screen, paper, or in other media</a:t>
+            </a:r>
+          </a:p>
+          <a:p>
+            <a:endParaRPr lang="en-US" dirty="0"/>
+          </a:p>
+        </p:txBody>
+      </p:sp>
+    </p:spTree>
+    <p:extLst>
+      <p:ext uri="{BB962C8B-B14F-4D97-AF65-F5344CB8AC3E}">
+        <p14:creationId xmlns:p14="http://schemas.microsoft.com/office/powerpoint/2010/main" val="2351160035"/>
+      </p:ext>
+    </p:extLst>
+  </p:cSld>
+  <p:clrMapOvr>
+    <a:masterClrMapping/>
+  </p:clrMapOvr>
+</p:sld>
+</file>
+
+<file path=ppt/slides/slide7.xml><?xml version="1.0" encoding="utf-8"?>
+<p:sld xmlns:a="http://schemas.openxmlformats.org/drawingml/2006/main" xmlns:r="http://schemas.openxmlformats.org/officeDocument/2006/relationships" xmlns:p="http://schemas.openxmlformats.org/presentationml/2006/main">
+  <p:cSld>
+    <p:spTree>
+      <p:nvGrpSpPr>
+        <p:cNvPr id="1" name=""/>
+        <p:cNvGrpSpPr/>
+        <p:nvPr/>
+      </p:nvGrpSpPr>
+      <p:grpSpPr>
+        <a:xfrm>
+          <a:off x="0" y="0"/>
+          <a:ext cx="0" cy="0"/>
+          <a:chOff x="0" y="0"/>
+          <a:chExt cx="0" cy="0"/>
+        </a:xfrm>
+      </p:grpSpPr>
+      <p:sp>
+        <p:nvSpPr>
+          <p:cNvPr id="4" name="Rectangle 3">
+            <a:extLst>
+              <a:ext uri="{FF2B5EF4-FFF2-40B4-BE49-F238E27FC236}">
+                <a16:creationId xmlns:a16="http://schemas.microsoft.com/office/drawing/2014/main" id="{1172D0F4-1042-6ABA-F2C4-0B1D072A422D}"/>
+              </a:ext>
+            </a:extLst>
+          </p:cNvPr>
+          <p:cNvSpPr/>
+          <p:nvPr/>
+        </p:nvSpPr>
+        <p:spPr>
+          <a:xfrm>
+            <a:off x="0" y="-26670"/>
+            <a:ext cx="12192000" cy="1108710"/>
+          </a:xfrm>
+          <a:custGeom>
+            <a:avLst/>
+            <a:gdLst>
+              <a:gd name="connsiteX0" fmla="*/ 0 w 12192000"/>
+              <a:gd name="connsiteY0" fmla="*/ 0 h 1043940"/>
+              <a:gd name="connsiteX1" fmla="*/ 12192000 w 12192000"/>
+              <a:gd name="connsiteY1" fmla="*/ 0 h 1043940"/>
+              <a:gd name="connsiteX2" fmla="*/ 12192000 w 12192000"/>
+              <a:gd name="connsiteY2" fmla="*/ 1043940 h 1043940"/>
+              <a:gd name="connsiteX3" fmla="*/ 0 w 12192000"/>
+              <a:gd name="connsiteY3" fmla="*/ 1043940 h 1043940"/>
+              <a:gd name="connsiteX4" fmla="*/ 0 w 12192000"/>
+              <a:gd name="connsiteY4" fmla="*/ 0 h 1043940"/>
+              <a:gd name="connsiteX0" fmla="*/ 0 w 12192000"/>
+              <a:gd name="connsiteY0" fmla="*/ 0 h 1043940"/>
+              <a:gd name="connsiteX1" fmla="*/ 12192000 w 12192000"/>
+              <a:gd name="connsiteY1" fmla="*/ 0 h 1043940"/>
+              <a:gd name="connsiteX2" fmla="*/ 12192000 w 12192000"/>
+              <a:gd name="connsiteY2" fmla="*/ 952500 h 1043940"/>
+              <a:gd name="connsiteX3" fmla="*/ 0 w 12192000"/>
+              <a:gd name="connsiteY3" fmla="*/ 1043940 h 1043940"/>
+              <a:gd name="connsiteX4" fmla="*/ 0 w 12192000"/>
+              <a:gd name="connsiteY4" fmla="*/ 0 h 1043940"/>
+              <a:gd name="connsiteX0" fmla="*/ 0 w 12192000"/>
+              <a:gd name="connsiteY0" fmla="*/ 0 h 1108710"/>
+              <a:gd name="connsiteX1" fmla="*/ 12192000 w 12192000"/>
+              <a:gd name="connsiteY1" fmla="*/ 0 h 1108710"/>
+              <a:gd name="connsiteX2" fmla="*/ 12192000 w 12192000"/>
+              <a:gd name="connsiteY2" fmla="*/ 952500 h 1108710"/>
+              <a:gd name="connsiteX3" fmla="*/ 3810 w 12192000"/>
+              <a:gd name="connsiteY3" fmla="*/ 1108710 h 1108710"/>
+              <a:gd name="connsiteX4" fmla="*/ 0 w 12192000"/>
+              <a:gd name="connsiteY4" fmla="*/ 0 h 1108710"/>
+              <a:gd name="connsiteX0" fmla="*/ 0 w 12192000"/>
+              <a:gd name="connsiteY0" fmla="*/ 0 h 1108710"/>
+              <a:gd name="connsiteX1" fmla="*/ 12192000 w 12192000"/>
+              <a:gd name="connsiteY1" fmla="*/ 0 h 1108710"/>
+              <a:gd name="connsiteX2" fmla="*/ 12192000 w 12192000"/>
+              <a:gd name="connsiteY2" fmla="*/ 952500 h 1108710"/>
+              <a:gd name="connsiteX3" fmla="*/ 3810 w 12192000"/>
+              <a:gd name="connsiteY3" fmla="*/ 1108710 h 1108710"/>
+              <a:gd name="connsiteX4" fmla="*/ 0 w 12192000"/>
+              <a:gd name="connsiteY4" fmla="*/ 0 h 1108710"/>
+            </a:gdLst>
+            <a:ahLst/>
+            <a:cxnLst>
+              <a:cxn ang="0">
+                <a:pos x="connsiteX0" y="connsiteY0"/>
+              </a:cxn>
+              <a:cxn ang="0">
+                <a:pos x="connsiteX1" y="connsiteY1"/>
+              </a:cxn>
+              <a:cxn ang="0">
+                <a:pos x="connsiteX2" y="connsiteY2"/>
+              </a:cxn>
+              <a:cxn ang="0">
+                <a:pos x="connsiteX3" y="connsiteY3"/>
+              </a:cxn>
+              <a:cxn ang="0">
+                <a:pos x="connsiteX4" y="connsiteY4"/>
+              </a:cxn>
+            </a:cxnLst>
+            <a:rect l="l" t="t" r="r" b="b"/>
+            <a:pathLst>
+              <a:path w="12192000" h="1108710">
+                <a:moveTo>
+                  <a:pt x="0" y="0"/>
+                </a:moveTo>
+                <a:lnTo>
+                  <a:pt x="12192000" y="0"/>
+                </a:lnTo>
+                <a:lnTo>
+                  <a:pt x="12192000" y="952500"/>
+                </a:lnTo>
+                <a:cubicBezTo>
+                  <a:pt x="8129270" y="1004570"/>
+                  <a:pt x="4138930" y="523240"/>
+                  <a:pt x="3810" y="1108710"/>
+                </a:cubicBezTo>
+                <a:lnTo>
+                  <a:pt x="0" y="0"/>
+                </a:lnTo>
+                <a:close/>
+              </a:path>
+            </a:pathLst>
+          </a:custGeom>
+          <a:solidFill>
+            <a:srgbClr val="0C3255"/>
+          </a:solidFill>
+          <a:ln>
+            <a:noFill/>
+          </a:ln>
+        </p:spPr>
+        <p:style>
+          <a:lnRef idx="2">
+            <a:schemeClr val="accent1">
+              <a:shade val="50000"/>
+            </a:schemeClr>
+          </a:lnRef>
+          <a:fillRef idx="1">
+            <a:schemeClr val="accent1"/>
+          </a:fillRef>
+          <a:effectRef idx="0">
+            <a:schemeClr val="accent1"/>
+          </a:effectRef>
+          <a:fontRef idx="minor">
+            <a:schemeClr val="lt1"/>
+          </a:fontRef>
+        </p:style>
+        <p:txBody>
+          <a:bodyPr rtlCol="0" anchor="ctr"/>
+          <a:lstStyle/>
+          <a:p>
+            <a:pPr algn="ctr"/>
+            <a:endParaRPr lang="en-US" dirty="0"/>
+          </a:p>
+        </p:txBody>
+      </p:sp>
+      <p:pic>
+        <p:nvPicPr>
+          <p:cNvPr id="5" name="Picture 4">
+            <a:extLst>
+              <a:ext uri="{FF2B5EF4-FFF2-40B4-BE49-F238E27FC236}">
+                <a16:creationId xmlns:a16="http://schemas.microsoft.com/office/drawing/2014/main" id="{5741C49F-3757-49B0-A057-BFAC9E208366}"/>
+              </a:ext>
+            </a:extLst>
+          </p:cNvPr>
+          <p:cNvPicPr>
+            <a:picLocks noChangeAspect="1"/>
+          </p:cNvPicPr>
+          <p:nvPr/>
+        </p:nvPicPr>
+        <p:blipFill>
+          <a:blip r:embed="rId2">
+            <a:extLst>
+              <a:ext uri="{28A0092B-C50C-407E-A947-70E740481C1C}">
+                <a14:useLocalDpi xmlns:a14="http://schemas.microsoft.com/office/drawing/2010/main" val="0"/>
+              </a:ext>
+            </a:extLst>
+          </a:blip>
+          <a:stretch>
+            <a:fillRect/>
+          </a:stretch>
+        </p:blipFill>
+        <p:spPr>
+          <a:xfrm>
+            <a:off x="11198949" y="6440202"/>
+            <a:ext cx="871131" cy="311118"/>
+          </a:xfrm>
+          <a:prstGeom prst="rect">
+            <a:avLst/>
+          </a:prstGeom>
+        </p:spPr>
+      </p:pic>
+      <p:sp>
+        <p:nvSpPr>
+          <p:cNvPr id="7" name="TextBox 6">
+            <a:extLst>
+              <a:ext uri="{FF2B5EF4-FFF2-40B4-BE49-F238E27FC236}">
+                <a16:creationId xmlns:a16="http://schemas.microsoft.com/office/drawing/2014/main" id="{89EC5970-4A94-C0F5-A2B4-C3DA652935F5}"/>
+              </a:ext>
+            </a:extLst>
+          </p:cNvPr>
+          <p:cNvSpPr txBox="1"/>
+          <p:nvPr/>
+        </p:nvSpPr>
+        <p:spPr>
+          <a:xfrm>
+            <a:off x="171450" y="296852"/>
+            <a:ext cx="3322320" cy="461665"/>
+          </a:xfrm>
+          <a:prstGeom prst="rect">
+            <a:avLst/>
+          </a:prstGeom>
+          <a:noFill/>
+        </p:spPr>
+        <p:txBody>
+          <a:bodyPr wrap="square" rtlCol="0">
+            <a:spAutoFit/>
+          </a:bodyPr>
+          <a:lstStyle/>
+          <a:p>
+            <a:r>
+              <a:rPr lang="en-GB" sz="2400" dirty="0">
+                <a:solidFill>
+                  <a:schemeClr val="bg1"/>
+                </a:solidFill>
+                <a:latin typeface="Berlin Sans FB Demi" panose="020E0802020502020306" pitchFamily="34" charset="0"/>
+              </a:rPr>
+              <a:t>CSS in HTML</a:t>
+            </a:r>
+            <a:endParaRPr lang="en-US" sz="2400" dirty="0">
+              <a:solidFill>
+                <a:schemeClr val="bg1"/>
+              </a:solidFill>
+              <a:latin typeface="Berlin Sans FB Demi" panose="020E0802020502020306" pitchFamily="34" charset="0"/>
+            </a:endParaRPr>
+          </a:p>
+        </p:txBody>
+      </p:sp>
+      <p:pic>
+        <p:nvPicPr>
+          <p:cNvPr id="1026" name="Picture 2" descr="Difference between HTML and CSS">
+            <a:extLst>
+              <a:ext uri="{FF2B5EF4-FFF2-40B4-BE49-F238E27FC236}">
+                <a16:creationId xmlns:a16="http://schemas.microsoft.com/office/drawing/2014/main" id="{4595703F-9A05-97D4-7884-8D355272587C}"/>
+              </a:ext>
+            </a:extLst>
+          </p:cNvPr>
+          <p:cNvPicPr>
+            <a:picLocks noChangeAspect="1" noChangeArrowheads="1"/>
+          </p:cNvPicPr>
+          <p:nvPr/>
+        </p:nvPicPr>
+        <p:blipFill>
+          <a:blip r:embed="rId3">
+            <a:extLst>
+              <a:ext uri="{28A0092B-C50C-407E-A947-70E740481C1C}">
+                <a14:useLocalDpi xmlns:a14="http://schemas.microsoft.com/office/drawing/2010/main" val="0"/>
+              </a:ext>
+            </a:extLst>
+          </a:blip>
+          <a:srcRect/>
+          <a:stretch>
+            <a:fillRect/>
+          </a:stretch>
+        </p:blipFill>
+        <p:spPr bwMode="auto">
+          <a:xfrm>
+            <a:off x="6577342" y="2058406"/>
+            <a:ext cx="5241278" cy="2741188"/>
+          </a:xfrm>
+          <a:prstGeom prst="rect">
+            <a:avLst/>
+          </a:prstGeom>
+          <a:noFill/>
+          <a:extLst>
+            <a:ext uri="{909E8E84-426E-40DD-AFC4-6F175D3DCCD1}">
+              <a14:hiddenFill xmlns:a14="http://schemas.microsoft.com/office/drawing/2010/main">
+                <a:solidFill>
+                  <a:srgbClr val="FFFFFF"/>
+                </a:solidFill>
+              </a14:hiddenFill>
+            </a:ext>
+          </a:extLst>
+        </p:spPr>
+      </p:pic>
+      <p:sp>
+        <p:nvSpPr>
+          <p:cNvPr id="3" name="TextBox 2">
+            <a:extLst>
+              <a:ext uri="{FF2B5EF4-FFF2-40B4-BE49-F238E27FC236}">
+                <a16:creationId xmlns:a16="http://schemas.microsoft.com/office/drawing/2014/main" id="{C83EF85B-DEC6-BDAE-1056-BE77B523BF5A}"/>
+              </a:ext>
+            </a:extLst>
+          </p:cNvPr>
+          <p:cNvSpPr txBox="1"/>
+          <p:nvPr/>
+        </p:nvSpPr>
+        <p:spPr>
+          <a:xfrm>
+            <a:off x="373380" y="2579370"/>
+            <a:ext cx="5562600" cy="1200329"/>
+          </a:xfrm>
+          <a:prstGeom prst="rect">
+            <a:avLst/>
+          </a:prstGeom>
+          <a:noFill/>
+        </p:spPr>
+        <p:txBody>
+          <a:bodyPr wrap="square" rtlCol="0">
+            <a:spAutoFit/>
+          </a:bodyPr>
+          <a:lstStyle/>
+          <a:p>
+            <a:pPr marL="285750" indent="-285750">
+              <a:buFont typeface="Arial" panose="020B0604020202020204" pitchFamily="34" charset="0"/>
+              <a:buChar char="•"/>
+            </a:pPr>
+            <a:r>
+              <a:rPr lang="en-GB" dirty="0">
+                <a:solidFill>
+                  <a:srgbClr val="000000"/>
+                </a:solidFill>
+                <a:latin typeface="Berlin Sans FB" panose="020E0602020502020306" pitchFamily="34" charset="0"/>
+              </a:rPr>
+              <a:t>Internal</a:t>
+            </a:r>
+          </a:p>
+          <a:p>
+            <a:pPr marL="285750" indent="-285750">
+              <a:buFont typeface="Arial" panose="020B0604020202020204" pitchFamily="34" charset="0"/>
+              <a:buChar char="•"/>
+            </a:pPr>
+            <a:r>
+              <a:rPr lang="en-GB" b="0" i="0" dirty="0">
+                <a:solidFill>
+                  <a:srgbClr val="000000"/>
+                </a:solidFill>
+                <a:effectLst/>
+                <a:latin typeface="Berlin Sans FB" panose="020E0602020502020306" pitchFamily="34" charset="0"/>
+              </a:rPr>
+              <a:t>External</a:t>
+            </a:r>
+          </a:p>
+          <a:p>
+            <a:pPr marL="285750" indent="-285750">
+              <a:buFont typeface="Arial" panose="020B0604020202020204" pitchFamily="34" charset="0"/>
+              <a:buChar char="•"/>
+            </a:pPr>
+            <a:r>
+              <a:rPr lang="en-GB" dirty="0">
+                <a:solidFill>
+                  <a:srgbClr val="000000"/>
+                </a:solidFill>
+                <a:latin typeface="Berlin Sans FB" panose="020E0602020502020306" pitchFamily="34" charset="0"/>
+              </a:rPr>
+              <a:t>Inline</a:t>
+            </a:r>
+            <a:endParaRPr lang="en-GB" b="0" i="0" dirty="0">
+              <a:solidFill>
+                <a:srgbClr val="000000"/>
+              </a:solidFill>
+              <a:effectLst/>
+              <a:latin typeface="Berlin Sans FB" panose="020E0602020502020306" pitchFamily="34" charset="0"/>
+            </a:endParaRPr>
+          </a:p>
+          <a:p>
+            <a:endParaRPr lang="en-US" dirty="0"/>
+          </a:p>
+        </p:txBody>
+      </p:sp>
+    </p:spTree>
+    <p:extLst>
+      <p:ext uri="{BB962C8B-B14F-4D97-AF65-F5344CB8AC3E}">
+        <p14:creationId xmlns:p14="http://schemas.microsoft.com/office/powerpoint/2010/main" val="3381655940"/>
+      </p:ext>
+    </p:extLst>
+  </p:cSld>
+  <p:clrMapOvr>
+    <a:masterClrMapping/>
+  </p:clrMapOvr>
+</p:sld>
+</file>
+
+<file path=ppt/slides/slide8.xml><?xml version="1.0" encoding="utf-8"?>
+<p:sld xmlns:a="http://schemas.openxmlformats.org/drawingml/2006/main" xmlns:r="http://schemas.openxmlformats.org/officeDocument/2006/relationships" xmlns:p="http://schemas.openxmlformats.org/presentationml/2006/main">
+  <p:cSld>
+    <p:spTree>
+      <p:nvGrpSpPr>
+        <p:cNvPr id="1" name=""/>
+        <p:cNvGrpSpPr/>
+        <p:nvPr/>
+      </p:nvGrpSpPr>
+      <p:grpSpPr>
+        <a:xfrm>
+          <a:off x="0" y="0"/>
+          <a:ext cx="0" cy="0"/>
+          <a:chOff x="0" y="0"/>
+          <a:chExt cx="0" cy="0"/>
+        </a:xfrm>
+      </p:grpSpPr>
+      <p:sp>
+        <p:nvSpPr>
+          <p:cNvPr id="4" name="Rectangle 3">
+            <a:extLst>
+              <a:ext uri="{FF2B5EF4-FFF2-40B4-BE49-F238E27FC236}">
+                <a16:creationId xmlns:a16="http://schemas.microsoft.com/office/drawing/2014/main" id="{1172D0F4-1042-6ABA-F2C4-0B1D072A422D}"/>
+              </a:ext>
+            </a:extLst>
+          </p:cNvPr>
+          <p:cNvSpPr/>
+          <p:nvPr/>
+        </p:nvSpPr>
+        <p:spPr>
+          <a:xfrm>
+            <a:off x="0" y="-26670"/>
+            <a:ext cx="12192000" cy="1108710"/>
+          </a:xfrm>
+          <a:custGeom>
+            <a:avLst/>
+            <a:gdLst>
+              <a:gd name="connsiteX0" fmla="*/ 0 w 12192000"/>
+              <a:gd name="connsiteY0" fmla="*/ 0 h 1043940"/>
+              <a:gd name="connsiteX1" fmla="*/ 12192000 w 12192000"/>
+              <a:gd name="connsiteY1" fmla="*/ 0 h 1043940"/>
+              <a:gd name="connsiteX2" fmla="*/ 12192000 w 12192000"/>
+              <a:gd name="connsiteY2" fmla="*/ 1043940 h 1043940"/>
+              <a:gd name="connsiteX3" fmla="*/ 0 w 12192000"/>
+              <a:gd name="connsiteY3" fmla="*/ 1043940 h 1043940"/>
+              <a:gd name="connsiteX4" fmla="*/ 0 w 12192000"/>
+              <a:gd name="connsiteY4" fmla="*/ 0 h 1043940"/>
+              <a:gd name="connsiteX0" fmla="*/ 0 w 12192000"/>
+              <a:gd name="connsiteY0" fmla="*/ 0 h 1043940"/>
+              <a:gd name="connsiteX1" fmla="*/ 12192000 w 12192000"/>
+              <a:gd name="connsiteY1" fmla="*/ 0 h 1043940"/>
+              <a:gd name="connsiteX2" fmla="*/ 12192000 w 12192000"/>
+              <a:gd name="connsiteY2" fmla="*/ 952500 h 1043940"/>
+              <a:gd name="connsiteX3" fmla="*/ 0 w 12192000"/>
+              <a:gd name="connsiteY3" fmla="*/ 1043940 h 1043940"/>
+              <a:gd name="connsiteX4" fmla="*/ 0 w 12192000"/>
+              <a:gd name="connsiteY4" fmla="*/ 0 h 1043940"/>
+              <a:gd name="connsiteX0" fmla="*/ 0 w 12192000"/>
+              <a:gd name="connsiteY0" fmla="*/ 0 h 1108710"/>
+              <a:gd name="connsiteX1" fmla="*/ 12192000 w 12192000"/>
+              <a:gd name="connsiteY1" fmla="*/ 0 h 1108710"/>
+              <a:gd name="connsiteX2" fmla="*/ 12192000 w 12192000"/>
+              <a:gd name="connsiteY2" fmla="*/ 952500 h 1108710"/>
+              <a:gd name="connsiteX3" fmla="*/ 3810 w 12192000"/>
+              <a:gd name="connsiteY3" fmla="*/ 1108710 h 1108710"/>
+              <a:gd name="connsiteX4" fmla="*/ 0 w 12192000"/>
+              <a:gd name="connsiteY4" fmla="*/ 0 h 1108710"/>
+              <a:gd name="connsiteX0" fmla="*/ 0 w 12192000"/>
+              <a:gd name="connsiteY0" fmla="*/ 0 h 1108710"/>
+              <a:gd name="connsiteX1" fmla="*/ 12192000 w 12192000"/>
+              <a:gd name="connsiteY1" fmla="*/ 0 h 1108710"/>
+              <a:gd name="connsiteX2" fmla="*/ 12192000 w 12192000"/>
+              <a:gd name="connsiteY2" fmla="*/ 952500 h 1108710"/>
+              <a:gd name="connsiteX3" fmla="*/ 3810 w 12192000"/>
+              <a:gd name="connsiteY3" fmla="*/ 1108710 h 1108710"/>
+              <a:gd name="connsiteX4" fmla="*/ 0 w 12192000"/>
+              <a:gd name="connsiteY4" fmla="*/ 0 h 1108710"/>
+            </a:gdLst>
+            <a:ahLst/>
+            <a:cxnLst>
+              <a:cxn ang="0">
+                <a:pos x="connsiteX0" y="connsiteY0"/>
+              </a:cxn>
+              <a:cxn ang="0">
+                <a:pos x="connsiteX1" y="connsiteY1"/>
+              </a:cxn>
+              <a:cxn ang="0">
+                <a:pos x="connsiteX2" y="connsiteY2"/>
+              </a:cxn>
+              <a:cxn ang="0">
+                <a:pos x="connsiteX3" y="connsiteY3"/>
+              </a:cxn>
+              <a:cxn ang="0">
+                <a:pos x="connsiteX4" y="connsiteY4"/>
+              </a:cxn>
+            </a:cxnLst>
+            <a:rect l="l" t="t" r="r" b="b"/>
+            <a:pathLst>
+              <a:path w="12192000" h="1108710">
+                <a:moveTo>
+                  <a:pt x="0" y="0"/>
+                </a:moveTo>
+                <a:lnTo>
+                  <a:pt x="12192000" y="0"/>
+                </a:lnTo>
+                <a:lnTo>
+                  <a:pt x="12192000" y="952500"/>
+                </a:lnTo>
+                <a:cubicBezTo>
+                  <a:pt x="8129270" y="1004570"/>
+                  <a:pt x="4138930" y="523240"/>
+                  <a:pt x="3810" y="1108710"/>
+                </a:cubicBezTo>
+                <a:lnTo>
+                  <a:pt x="0" y="0"/>
+                </a:lnTo>
+                <a:close/>
+              </a:path>
+            </a:pathLst>
+          </a:custGeom>
+          <a:solidFill>
+            <a:srgbClr val="0C3255"/>
+          </a:solidFill>
+          <a:ln>
+            <a:noFill/>
+          </a:ln>
+        </p:spPr>
+        <p:style>
+          <a:lnRef idx="2">
+            <a:schemeClr val="accent1">
+              <a:shade val="50000"/>
+            </a:schemeClr>
+          </a:lnRef>
+          <a:fillRef idx="1">
+            <a:schemeClr val="accent1"/>
+          </a:fillRef>
+          <a:effectRef idx="0">
+            <a:schemeClr val="accent1"/>
+          </a:effectRef>
+          <a:fontRef idx="minor">
+            <a:schemeClr val="lt1"/>
+          </a:fontRef>
+        </p:style>
+        <p:txBody>
+          <a:bodyPr rtlCol="0" anchor="ctr"/>
+          <a:lstStyle/>
+          <a:p>
+            <a:pPr algn="ctr"/>
+            <a:endParaRPr lang="en-US" dirty="0"/>
+          </a:p>
+        </p:txBody>
+      </p:sp>
+      <p:pic>
+        <p:nvPicPr>
+          <p:cNvPr id="5" name="Picture 4">
+            <a:extLst>
+              <a:ext uri="{FF2B5EF4-FFF2-40B4-BE49-F238E27FC236}">
+                <a16:creationId xmlns:a16="http://schemas.microsoft.com/office/drawing/2014/main" id="{5741C49F-3757-49B0-A057-BFAC9E208366}"/>
+              </a:ext>
+            </a:extLst>
+          </p:cNvPr>
+          <p:cNvPicPr>
+            <a:picLocks noChangeAspect="1"/>
+          </p:cNvPicPr>
+          <p:nvPr/>
+        </p:nvPicPr>
+        <p:blipFill>
+          <a:blip r:embed="rId2">
+            <a:extLst>
+              <a:ext uri="{28A0092B-C50C-407E-A947-70E740481C1C}">
+                <a14:useLocalDpi xmlns:a14="http://schemas.microsoft.com/office/drawing/2010/main" val="0"/>
+              </a:ext>
+            </a:extLst>
+          </a:blip>
+          <a:stretch>
+            <a:fillRect/>
+          </a:stretch>
+        </p:blipFill>
+        <p:spPr>
+          <a:xfrm>
+            <a:off x="11198949" y="6440202"/>
+            <a:ext cx="871131" cy="311118"/>
+          </a:xfrm>
+          <a:prstGeom prst="rect">
+            <a:avLst/>
+          </a:prstGeom>
+        </p:spPr>
+      </p:pic>
+      <p:sp>
+        <p:nvSpPr>
+          <p:cNvPr id="7" name="TextBox 6">
+            <a:extLst>
+              <a:ext uri="{FF2B5EF4-FFF2-40B4-BE49-F238E27FC236}">
+                <a16:creationId xmlns:a16="http://schemas.microsoft.com/office/drawing/2014/main" id="{89EC5970-4A94-C0F5-A2B4-C3DA652935F5}"/>
+              </a:ext>
+            </a:extLst>
+          </p:cNvPr>
+          <p:cNvSpPr txBox="1"/>
+          <p:nvPr/>
+        </p:nvSpPr>
+        <p:spPr>
+          <a:xfrm>
+            <a:off x="171450" y="296852"/>
+            <a:ext cx="3322320" cy="461665"/>
+          </a:xfrm>
+          <a:prstGeom prst="rect">
+            <a:avLst/>
+          </a:prstGeom>
+          <a:noFill/>
+        </p:spPr>
+        <p:txBody>
+          <a:bodyPr wrap="square" rtlCol="0">
+            <a:spAutoFit/>
+          </a:bodyPr>
+          <a:lstStyle/>
+          <a:p>
+            <a:r>
+              <a:rPr lang="en-GB" sz="2400" dirty="0">
+                <a:solidFill>
+                  <a:schemeClr val="bg1"/>
+                </a:solidFill>
+                <a:latin typeface="Berlin Sans FB Demi" panose="020E0802020502020306" pitchFamily="34" charset="0"/>
+              </a:rPr>
+              <a:t>CSS Priority</a:t>
+            </a:r>
+            <a:endParaRPr lang="en-US" sz="2400" dirty="0">
+              <a:solidFill>
+                <a:schemeClr val="bg1"/>
+              </a:solidFill>
+              <a:latin typeface="Berlin Sans FB Demi" panose="020E0802020502020306" pitchFamily="34" charset="0"/>
+            </a:endParaRPr>
+          </a:p>
+        </p:txBody>
+      </p:sp>
+      <p:pic>
+        <p:nvPicPr>
+          <p:cNvPr id="1026" name="Picture 2" descr="Difference between HTML and CSS">
+            <a:extLst>
+              <a:ext uri="{FF2B5EF4-FFF2-40B4-BE49-F238E27FC236}">
+                <a16:creationId xmlns:a16="http://schemas.microsoft.com/office/drawing/2014/main" id="{4595703F-9A05-97D4-7884-8D355272587C}"/>
+              </a:ext>
+            </a:extLst>
+          </p:cNvPr>
+          <p:cNvPicPr>
+            <a:picLocks noChangeAspect="1" noChangeArrowheads="1"/>
+          </p:cNvPicPr>
+          <p:nvPr/>
+        </p:nvPicPr>
+        <p:blipFill>
+          <a:blip r:embed="rId3">
+            <a:extLst>
+              <a:ext uri="{28A0092B-C50C-407E-A947-70E740481C1C}">
+                <a14:useLocalDpi xmlns:a14="http://schemas.microsoft.com/office/drawing/2010/main" val="0"/>
+              </a:ext>
+            </a:extLst>
+          </a:blip>
+          <a:srcRect/>
+          <a:stretch>
+            <a:fillRect/>
+          </a:stretch>
+        </p:blipFill>
+        <p:spPr bwMode="auto">
+          <a:xfrm>
+            <a:off x="6577342" y="2058406"/>
+            <a:ext cx="5241278" cy="2741188"/>
+          </a:xfrm>
+          <a:prstGeom prst="rect">
+            <a:avLst/>
+          </a:prstGeom>
+          <a:noFill/>
+          <a:extLst>
+            <a:ext uri="{909E8E84-426E-40DD-AFC4-6F175D3DCCD1}">
+              <a14:hiddenFill xmlns:a14="http://schemas.microsoft.com/office/drawing/2010/main">
+                <a:solidFill>
+                  <a:srgbClr val="FFFFFF"/>
+                </a:solidFill>
+              </a14:hiddenFill>
+            </a:ext>
+          </a:extLst>
+        </p:spPr>
+      </p:pic>
+      <p:sp>
+        <p:nvSpPr>
+          <p:cNvPr id="3" name="TextBox 2">
+            <a:extLst>
+              <a:ext uri="{FF2B5EF4-FFF2-40B4-BE49-F238E27FC236}">
+                <a16:creationId xmlns:a16="http://schemas.microsoft.com/office/drawing/2014/main" id="{C83EF85B-DEC6-BDAE-1056-BE77B523BF5A}"/>
+              </a:ext>
+            </a:extLst>
+          </p:cNvPr>
+          <p:cNvSpPr txBox="1"/>
+          <p:nvPr/>
+        </p:nvSpPr>
+        <p:spPr>
+          <a:xfrm>
+            <a:off x="373380" y="2579370"/>
+            <a:ext cx="5562600" cy="2031325"/>
+          </a:xfrm>
+          <a:prstGeom prst="rect">
+            <a:avLst/>
+          </a:prstGeom>
+          <a:noFill/>
+        </p:spPr>
+        <p:txBody>
+          <a:bodyPr wrap="square" rtlCol="0">
+            <a:spAutoFit/>
+          </a:bodyPr>
+          <a:lstStyle/>
+          <a:p>
+            <a:pPr marL="285750" indent="-285750">
+              <a:buFont typeface="Arial" panose="020B0604020202020204" pitchFamily="34" charset="0"/>
+              <a:buChar char="•"/>
+            </a:pPr>
+            <a:r>
+              <a:rPr lang="en-GB" dirty="0">
+                <a:solidFill>
+                  <a:srgbClr val="000000"/>
+                </a:solidFill>
+                <a:latin typeface="Berlin Sans FB" panose="020E0602020502020306" pitchFamily="34" charset="0"/>
+              </a:rPr>
+              <a:t>Internal, External</a:t>
+            </a:r>
+          </a:p>
+          <a:p>
+            <a:pPr marL="285750" indent="-285750">
+              <a:buFont typeface="Arial" panose="020B0604020202020204" pitchFamily="34" charset="0"/>
+              <a:buChar char="•"/>
+            </a:pPr>
+            <a:r>
+              <a:rPr lang="en-GB" b="0" i="0" dirty="0">
+                <a:solidFill>
+                  <a:srgbClr val="000000"/>
+                </a:solidFill>
+                <a:effectLst/>
+                <a:latin typeface="Berlin Sans FB" panose="020E0602020502020306" pitchFamily="34" charset="0"/>
+              </a:rPr>
+              <a:t>Inline</a:t>
+            </a:r>
+          </a:p>
+          <a:p>
+            <a:pPr marL="285750" indent="-285750">
+              <a:buFont typeface="Arial" panose="020B0604020202020204" pitchFamily="34" charset="0"/>
+              <a:buChar char="•"/>
+            </a:pPr>
+            <a:r>
+              <a:rPr lang="en-GB" dirty="0">
+                <a:solidFill>
+                  <a:srgbClr val="000000"/>
+                </a:solidFill>
+                <a:latin typeface="Berlin Sans FB" panose="020E0602020502020306" pitchFamily="34" charset="0"/>
+              </a:rPr>
+              <a:t>#id - 100</a:t>
+            </a:r>
+          </a:p>
+          <a:p>
+            <a:pPr marL="285750" indent="-285750">
+              <a:buFont typeface="Arial" panose="020B0604020202020204" pitchFamily="34" charset="0"/>
+              <a:buChar char="•"/>
+            </a:pPr>
+            <a:r>
+              <a:rPr lang="en-GB" b="0" i="0" dirty="0">
+                <a:solidFill>
+                  <a:srgbClr val="000000"/>
+                </a:solidFill>
+                <a:effectLst/>
+                <a:latin typeface="Berlin Sans FB" panose="020E0602020502020306" pitchFamily="34" charset="0"/>
+              </a:rPr>
+              <a:t>.class - 10</a:t>
+            </a:r>
+          </a:p>
+          <a:p>
+            <a:pPr marL="285750" indent="-285750">
+              <a:buFont typeface="Arial" panose="020B0604020202020204" pitchFamily="34" charset="0"/>
+              <a:buChar char="•"/>
+            </a:pPr>
+            <a:r>
+              <a:rPr lang="en-GB" dirty="0">
+                <a:solidFill>
+                  <a:srgbClr val="000000"/>
+                </a:solidFill>
+                <a:latin typeface="Berlin Sans FB" panose="020E0602020502020306" pitchFamily="34" charset="0"/>
+              </a:rPr>
+              <a:t>t</a:t>
+            </a:r>
+            <a:r>
+              <a:rPr lang="en-GB" b="0" i="0" dirty="0">
+                <a:solidFill>
+                  <a:srgbClr val="000000"/>
+                </a:solidFill>
+                <a:effectLst/>
+                <a:latin typeface="Berlin Sans FB" panose="020E0602020502020306" pitchFamily="34" charset="0"/>
+              </a:rPr>
+              <a:t>ag - 1</a:t>
+            </a:r>
+          </a:p>
+          <a:p>
+            <a:pPr marL="285750" indent="-285750">
+              <a:buFont typeface="Arial" panose="020B0604020202020204" pitchFamily="34" charset="0"/>
+              <a:buChar char="•"/>
+            </a:pPr>
+            <a:r>
+              <a:rPr lang="en-GB" dirty="0">
+                <a:solidFill>
+                  <a:srgbClr val="000000"/>
+                </a:solidFill>
+                <a:latin typeface="Berlin Sans FB" panose="020E0602020502020306" pitchFamily="34" charset="0"/>
+              </a:rPr>
+              <a:t>inherited</a:t>
+            </a:r>
+            <a:endParaRPr lang="en-GB" b="0" i="0" dirty="0">
+              <a:solidFill>
+                <a:srgbClr val="000000"/>
+              </a:solidFill>
+              <a:effectLst/>
+              <a:latin typeface="Berlin Sans FB" panose="020E0602020502020306" pitchFamily="34" charset="0"/>
+            </a:endParaRPr>
+          </a:p>
+          <a:p>
+            <a:endParaRPr lang="en-US" dirty="0"/>
+          </a:p>
+        </p:txBody>
+      </p:sp>
+    </p:spTree>
+    <p:extLst>
+      <p:ext uri="{BB962C8B-B14F-4D97-AF65-F5344CB8AC3E}">
+        <p14:creationId xmlns:p14="http://schemas.microsoft.com/office/powerpoint/2010/main" val="293489298"/>
+      </p:ext>
+    </p:extLst>
+  </p:cSld>
+  <p:clrMapOvr>
+    <a:masterClrMapping/>
+  </p:clrMapOvr>
+</p:sld>
+</file>
+
+<file path=ppt/slides/slide9.xml><?xml version="1.0" encoding="utf-8"?>
+<p:sld xmlns:a="http://schemas.openxmlformats.org/drawingml/2006/main" xmlns:r="http://schemas.openxmlformats.org/officeDocument/2006/relationships" xmlns:p="http://schemas.openxmlformats.org/presentationml/2006/main">
+  <p:cSld>
+    <p:spTree>
+      <p:nvGrpSpPr>
+        <p:cNvPr id="1" name=""/>
+        <p:cNvGrpSpPr/>
+        <p:nvPr/>
+      </p:nvGrpSpPr>
+      <p:grpSpPr>
+        <a:xfrm>
+          <a:off x="0" y="0"/>
+          <a:ext cx="0" cy="0"/>
+          <a:chOff x="0" y="0"/>
+          <a:chExt cx="0" cy="0"/>
+        </a:xfrm>
+      </p:grpSpPr>
+      <p:sp>
+        <p:nvSpPr>
+          <p:cNvPr id="4" name="Rectangle 3">
+            <a:extLst>
+              <a:ext uri="{FF2B5EF4-FFF2-40B4-BE49-F238E27FC236}">
+                <a16:creationId xmlns:a16="http://schemas.microsoft.com/office/drawing/2014/main" id="{1172D0F4-1042-6ABA-F2C4-0B1D072A422D}"/>
+              </a:ext>
+            </a:extLst>
+          </p:cNvPr>
+          <p:cNvSpPr/>
+          <p:nvPr/>
+        </p:nvSpPr>
+        <p:spPr>
+          <a:xfrm>
+            <a:off x="0" y="-26670"/>
+            <a:ext cx="12192000" cy="1108710"/>
+          </a:xfrm>
+          <a:custGeom>
+            <a:avLst/>
+            <a:gdLst>
+              <a:gd name="connsiteX0" fmla="*/ 0 w 12192000"/>
+              <a:gd name="connsiteY0" fmla="*/ 0 h 1043940"/>
+              <a:gd name="connsiteX1" fmla="*/ 12192000 w 12192000"/>
+              <a:gd name="connsiteY1" fmla="*/ 0 h 1043940"/>
+              <a:gd name="connsiteX2" fmla="*/ 12192000 w 12192000"/>
+              <a:gd name="connsiteY2" fmla="*/ 1043940 h 1043940"/>
+              <a:gd name="connsiteX3" fmla="*/ 0 w 12192000"/>
+              <a:gd name="connsiteY3" fmla="*/ 1043940 h 1043940"/>
+              <a:gd name="connsiteX4" fmla="*/ 0 w 12192000"/>
+              <a:gd name="connsiteY4" fmla="*/ 0 h 1043940"/>
+              <a:gd name="connsiteX0" fmla="*/ 0 w 12192000"/>
+              <a:gd name="connsiteY0" fmla="*/ 0 h 1043940"/>
+              <a:gd name="connsiteX1" fmla="*/ 12192000 w 12192000"/>
+              <a:gd name="connsiteY1" fmla="*/ 0 h 1043940"/>
+              <a:gd name="connsiteX2" fmla="*/ 12192000 w 12192000"/>
+              <a:gd name="connsiteY2" fmla="*/ 952500 h 1043940"/>
+              <a:gd name="connsiteX3" fmla="*/ 0 w 12192000"/>
+              <a:gd name="connsiteY3" fmla="*/ 1043940 h 1043940"/>
+              <a:gd name="connsiteX4" fmla="*/ 0 w 12192000"/>
+              <a:gd name="connsiteY4" fmla="*/ 0 h 1043940"/>
+              <a:gd name="connsiteX0" fmla="*/ 0 w 12192000"/>
+              <a:gd name="connsiteY0" fmla="*/ 0 h 1108710"/>
+              <a:gd name="connsiteX1" fmla="*/ 12192000 w 12192000"/>
+              <a:gd name="connsiteY1" fmla="*/ 0 h 1108710"/>
+              <a:gd name="connsiteX2" fmla="*/ 12192000 w 12192000"/>
+              <a:gd name="connsiteY2" fmla="*/ 952500 h 1108710"/>
+              <a:gd name="connsiteX3" fmla="*/ 3810 w 12192000"/>
+              <a:gd name="connsiteY3" fmla="*/ 1108710 h 1108710"/>
+              <a:gd name="connsiteX4" fmla="*/ 0 w 12192000"/>
+              <a:gd name="connsiteY4" fmla="*/ 0 h 1108710"/>
+              <a:gd name="connsiteX0" fmla="*/ 0 w 12192000"/>
+              <a:gd name="connsiteY0" fmla="*/ 0 h 1108710"/>
+              <a:gd name="connsiteX1" fmla="*/ 12192000 w 12192000"/>
+              <a:gd name="connsiteY1" fmla="*/ 0 h 1108710"/>
+              <a:gd name="connsiteX2" fmla="*/ 12192000 w 12192000"/>
+              <a:gd name="connsiteY2" fmla="*/ 952500 h 1108710"/>
+              <a:gd name="connsiteX3" fmla="*/ 3810 w 12192000"/>
+              <a:gd name="connsiteY3" fmla="*/ 1108710 h 1108710"/>
+              <a:gd name="connsiteX4" fmla="*/ 0 w 12192000"/>
+              <a:gd name="connsiteY4" fmla="*/ 0 h 1108710"/>
+            </a:gdLst>
+            <a:ahLst/>
+            <a:cxnLst>
+              <a:cxn ang="0">
+                <a:pos x="connsiteX0" y="connsiteY0"/>
+              </a:cxn>
+              <a:cxn ang="0">
+                <a:pos x="connsiteX1" y="connsiteY1"/>
+              </a:cxn>
+              <a:cxn ang="0">
+                <a:pos x="connsiteX2" y="connsiteY2"/>
+              </a:cxn>
+              <a:cxn ang="0">
+                <a:pos x="connsiteX3" y="connsiteY3"/>
+              </a:cxn>
+              <a:cxn ang="0">
+                <a:pos x="connsiteX4" y="connsiteY4"/>
+              </a:cxn>
+            </a:cxnLst>
+            <a:rect l="l" t="t" r="r" b="b"/>
+            <a:pathLst>
+              <a:path w="12192000" h="1108710">
+                <a:moveTo>
+                  <a:pt x="0" y="0"/>
+                </a:moveTo>
+                <a:lnTo>
+                  <a:pt x="12192000" y="0"/>
+                </a:lnTo>
+                <a:lnTo>
+                  <a:pt x="12192000" y="952500"/>
+                </a:lnTo>
+                <a:cubicBezTo>
+                  <a:pt x="8129270" y="1004570"/>
+                  <a:pt x="4138930" y="523240"/>
+                  <a:pt x="3810" y="1108710"/>
+                </a:cubicBezTo>
+                <a:lnTo>
+                  <a:pt x="0" y="0"/>
+                </a:lnTo>
+                <a:close/>
+              </a:path>
+            </a:pathLst>
+          </a:custGeom>
+          <a:solidFill>
+            <a:srgbClr val="0C3255"/>
+          </a:solidFill>
+          <a:ln>
+            <a:noFill/>
+          </a:ln>
+        </p:spPr>
+        <p:style>
+          <a:lnRef idx="2">
+            <a:schemeClr val="accent1">
+              <a:shade val="50000"/>
+            </a:schemeClr>
+          </a:lnRef>
+          <a:fillRef idx="1">
+            <a:schemeClr val="accent1"/>
+          </a:fillRef>
+          <a:effectRef idx="0">
+            <a:schemeClr val="accent1"/>
+          </a:effectRef>
+          <a:fontRef idx="minor">
+            <a:schemeClr val="lt1"/>
+          </a:fontRef>
+        </p:style>
+        <p:txBody>
+          <a:bodyPr rtlCol="0" anchor="ctr"/>
+          <a:lstStyle/>
+          <a:p>
+            <a:pPr algn="ctr"/>
+            <a:endParaRPr lang="en-US" dirty="0"/>
+          </a:p>
+        </p:txBody>
+      </p:sp>
+      <p:pic>
+        <p:nvPicPr>
+          <p:cNvPr id="5" name="Picture 4">
+            <a:extLst>
+              <a:ext uri="{FF2B5EF4-FFF2-40B4-BE49-F238E27FC236}">
+                <a16:creationId xmlns:a16="http://schemas.microsoft.com/office/drawing/2014/main" id="{5741C49F-3757-49B0-A057-BFAC9E208366}"/>
+              </a:ext>
+            </a:extLst>
+          </p:cNvPr>
+          <p:cNvPicPr>
+            <a:picLocks noChangeAspect="1"/>
+          </p:cNvPicPr>
+          <p:nvPr/>
+        </p:nvPicPr>
+        <p:blipFill>
+          <a:blip r:embed="rId2">
+            <a:extLst>
+              <a:ext uri="{28A0092B-C50C-407E-A947-70E740481C1C}">
+                <a14:useLocalDpi xmlns:a14="http://schemas.microsoft.com/office/drawing/2010/main" val="0"/>
+              </a:ext>
+            </a:extLst>
+          </a:blip>
+          <a:stretch>
+            <a:fillRect/>
+          </a:stretch>
+        </p:blipFill>
+        <p:spPr>
+          <a:xfrm>
+            <a:off x="11198949" y="6440202"/>
+            <a:ext cx="871131" cy="311118"/>
+          </a:xfrm>
+          <a:prstGeom prst="rect">
+            <a:avLst/>
+          </a:prstGeom>
+        </p:spPr>
+      </p:pic>
+      <p:sp>
+        <p:nvSpPr>
+          <p:cNvPr id="7" name="TextBox 6">
+            <a:extLst>
+              <a:ext uri="{FF2B5EF4-FFF2-40B4-BE49-F238E27FC236}">
+                <a16:creationId xmlns:a16="http://schemas.microsoft.com/office/drawing/2014/main" id="{89EC5970-4A94-C0F5-A2B4-C3DA652935F5}"/>
+              </a:ext>
+            </a:extLst>
+          </p:cNvPr>
+          <p:cNvSpPr txBox="1"/>
+          <p:nvPr/>
+        </p:nvSpPr>
+        <p:spPr>
+          <a:xfrm>
+            <a:off x="171450" y="296852"/>
+            <a:ext cx="3322320" cy="461665"/>
+          </a:xfrm>
+          <a:prstGeom prst="rect">
+            <a:avLst/>
+          </a:prstGeom>
+          <a:noFill/>
+        </p:spPr>
+        <p:txBody>
+          <a:bodyPr wrap="square" rtlCol="0">
+            <a:spAutoFit/>
+          </a:bodyPr>
+          <a:lstStyle/>
+          <a:p>
+            <a:r>
+              <a:rPr lang="en-GB" sz="2400" dirty="0">
+                <a:solidFill>
+                  <a:schemeClr val="bg1"/>
+                </a:solidFill>
+                <a:latin typeface="Berlin Sans FB Demi" panose="020E0802020502020306" pitchFamily="34" charset="0"/>
+              </a:rPr>
+              <a:t>CSS pseudo-classes</a:t>
+            </a:r>
+            <a:endParaRPr lang="en-US" sz="2400" dirty="0">
+              <a:solidFill>
+                <a:schemeClr val="bg1"/>
+              </a:solidFill>
+              <a:latin typeface="Berlin Sans FB Demi" panose="020E0802020502020306" pitchFamily="34" charset="0"/>
+            </a:endParaRPr>
+          </a:p>
+        </p:txBody>
+      </p:sp>
+      <p:pic>
+        <p:nvPicPr>
+          <p:cNvPr id="1026" name="Picture 2" descr="Difference between HTML and CSS">
+            <a:extLst>
+              <a:ext uri="{FF2B5EF4-FFF2-40B4-BE49-F238E27FC236}">
+                <a16:creationId xmlns:a16="http://schemas.microsoft.com/office/drawing/2014/main" id="{4595703F-9A05-97D4-7884-8D355272587C}"/>
+              </a:ext>
+            </a:extLst>
+          </p:cNvPr>
+          <p:cNvPicPr>
+            <a:picLocks noChangeAspect="1" noChangeArrowheads="1"/>
+          </p:cNvPicPr>
+          <p:nvPr/>
+        </p:nvPicPr>
+        <p:blipFill>
+          <a:blip r:embed="rId3">
+            <a:extLst>
+              <a:ext uri="{28A0092B-C50C-407E-A947-70E740481C1C}">
+                <a14:useLocalDpi xmlns:a14="http://schemas.microsoft.com/office/drawing/2010/main" val="0"/>
+              </a:ext>
+            </a:extLst>
+          </a:blip>
+          <a:srcRect/>
+          <a:stretch>
+            <a:fillRect/>
+          </a:stretch>
+        </p:blipFill>
+        <p:spPr bwMode="auto">
+          <a:xfrm>
+            <a:off x="6577342" y="2058406"/>
+            <a:ext cx="5241278" cy="2741188"/>
+          </a:xfrm>
+          <a:prstGeom prst="rect">
+            <a:avLst/>
+          </a:prstGeom>
+          <a:noFill/>
+          <a:extLst>
+            <a:ext uri="{909E8E84-426E-40DD-AFC4-6F175D3DCCD1}">
+              <a14:hiddenFill xmlns:a14="http://schemas.microsoft.com/office/drawing/2010/main">
+                <a:solidFill>
+                  <a:srgbClr val="FFFFFF"/>
+                </a:solidFill>
+              </a14:hiddenFill>
+            </a:ext>
+          </a:extLst>
+        </p:spPr>
+      </p:pic>
+      <p:sp>
+        <p:nvSpPr>
+          <p:cNvPr id="3" name="TextBox 2">
+            <a:extLst>
+              <a:ext uri="{FF2B5EF4-FFF2-40B4-BE49-F238E27FC236}">
+                <a16:creationId xmlns:a16="http://schemas.microsoft.com/office/drawing/2014/main" id="{C83EF85B-DEC6-BDAE-1056-BE77B523BF5A}"/>
+              </a:ext>
+            </a:extLst>
+          </p:cNvPr>
+          <p:cNvSpPr txBox="1"/>
+          <p:nvPr/>
+        </p:nvSpPr>
+        <p:spPr>
+          <a:xfrm>
+            <a:off x="373380" y="2579370"/>
+            <a:ext cx="5562600" cy="1477328"/>
+          </a:xfrm>
+          <a:prstGeom prst="rect">
+            <a:avLst/>
+          </a:prstGeom>
+          <a:noFill/>
+        </p:spPr>
+        <p:txBody>
+          <a:bodyPr wrap="square" rtlCol="0">
+            <a:spAutoFit/>
+          </a:bodyPr>
+          <a:lstStyle/>
+          <a:p>
+            <a:pPr marL="285750" indent="-285750">
+              <a:buFont typeface="Arial" panose="020B0604020202020204" pitchFamily="34" charset="0"/>
+              <a:buChar char="•"/>
+            </a:pPr>
+            <a:r>
+              <a:rPr lang="en-GB" dirty="0">
+                <a:solidFill>
+                  <a:srgbClr val="000000"/>
+                </a:solidFill>
+                <a:latin typeface="Berlin Sans FB" panose="020E0602020502020306" pitchFamily="34" charset="0"/>
+              </a:rPr>
+              <a:t>:root</a:t>
+            </a:r>
+          </a:p>
+          <a:p>
+            <a:pPr marL="285750" indent="-285750">
+              <a:buFont typeface="Arial" panose="020B0604020202020204" pitchFamily="34" charset="0"/>
+              <a:buChar char="•"/>
+            </a:pPr>
+            <a:r>
+              <a:rPr lang="en-GB" b="0" i="0" dirty="0">
+                <a:solidFill>
+                  <a:srgbClr val="000000"/>
+                </a:solidFill>
+                <a:effectLst/>
+                <a:latin typeface="Berlin Sans FB" panose="020E0602020502020306" pitchFamily="34" charset="0"/>
+              </a:rPr>
+              <a:t>:hover</a:t>
+            </a:r>
+          </a:p>
+          <a:p>
+            <a:pPr marL="285750" indent="-285750">
+              <a:buFont typeface="Arial" panose="020B0604020202020204" pitchFamily="34" charset="0"/>
+              <a:buChar char="•"/>
+            </a:pPr>
+            <a:r>
+              <a:rPr lang="en-GB" dirty="0">
+                <a:solidFill>
+                  <a:srgbClr val="000000"/>
+                </a:solidFill>
+                <a:latin typeface="Berlin Sans FB" panose="020E0602020502020306" pitchFamily="34" charset="0"/>
+              </a:rPr>
+              <a:t>:active</a:t>
+            </a:r>
+          </a:p>
+          <a:p>
+            <a:pPr marL="285750" indent="-285750">
+              <a:buFont typeface="Arial" panose="020B0604020202020204" pitchFamily="34" charset="0"/>
+              <a:buChar char="•"/>
+            </a:pPr>
+            <a:r>
+              <a:rPr lang="en-GB" dirty="0">
+                <a:solidFill>
+                  <a:srgbClr val="000000"/>
+                </a:solidFill>
+                <a:latin typeface="Berlin Sans FB" panose="020E0602020502020306" pitchFamily="34" charset="0"/>
+              </a:rPr>
+              <a:t>:first-child</a:t>
+            </a:r>
+          </a:p>
+          <a:p>
+            <a:pPr marL="285750" indent="-285750">
+              <a:buFont typeface="Arial" panose="020B0604020202020204" pitchFamily="34" charset="0"/>
+              <a:buChar char="•"/>
+            </a:pPr>
+            <a:r>
+              <a:rPr lang="en-GB" b="0" i="0" dirty="0">
+                <a:solidFill>
+                  <a:srgbClr val="000000"/>
+                </a:solidFill>
+                <a:effectLst/>
+                <a:latin typeface="Berlin Sans FB" panose="020E0602020502020306" pitchFamily="34" charset="0"/>
+              </a:rPr>
+              <a:t>:last-child</a:t>
+            </a:r>
+          </a:p>
+        </p:txBody>
+      </p:sp>
+    </p:spTree>
+    <p:extLst>
+      <p:ext uri="{BB962C8B-B14F-4D97-AF65-F5344CB8AC3E}">
+        <p14:creationId xmlns:p14="http://schemas.microsoft.com/office/powerpoint/2010/main" val="1290200864"/>
       </p:ext>
     </p:extLst>
   </p:cSld>
@@ -4039,110 +9250,16 @@
         <a:srgbClr val="954F72"/>
       </a:folHlink>
     </a:clrScheme>
-    <a:fontScheme name="Office">
+    <a:fontScheme name="Custom 2">
       <a:majorFont>
-        <a:latin typeface="Calibri Light" panose="020F0302020204030204"/>
+        <a:latin typeface="Berlin Sans FB"/>
         <a:ea typeface=""/>
         <a:cs typeface=""/>
-        <a:font script="Jpan" typeface="游ゴシック Light"/>
-        <a:font script="Hang" typeface="맑은 고딕"/>
-        <a:font script="Hans" typeface="等线 Light"/>
-        <a:font script="Hant" typeface="新細明體"/>
-        <a:font script="Arab" typeface="Times New Roman"/>
-        <a:font script="Hebr" typeface="Times New Roman"/>
-        <a:font script="Thai" typeface="Angsana New"/>
-        <a:font script="Ethi" typeface="Nyala"/>
-        <a:font script="Beng" typeface="Vrinda"/>
-        <a:font script="Gujr" typeface="Shruti"/>
-        <a:font script="Khmr" typeface="MoolBoran"/>
-        <a:font script="Knda" typeface="Tunga"/>
-        <a:font script="Guru" typeface="Raavi"/>
-        <a:font script="Cans" typeface="Euphemia"/>
-        <a:font script="Cher" typeface="Plantagenet Cherokee"/>
-        <a:font script="Yiii" typeface="Microsoft Yi Baiti"/>
-        <a:font script="Tibt" typeface="Microsoft Himalaya"/>
-        <a:font script="Thaa" typeface="MV Boli"/>
-        <a:font script="Deva" typeface="Mangal"/>
-        <a:font script="Telu" typeface="Gautami"/>
-        <a:font script="Taml" typeface="Latha"/>
-        <a:font script="Syrc" typeface="Estrangelo Edessa"/>
-        <a:font script="Orya" typeface="Kalinga"/>
-        <a:font script="Mlym" typeface="Kartika"/>
-        <a:font script="Laoo" typeface="DokChampa"/>
-        <a:font script="Sinh" typeface="Iskoola Pota"/>
-        <a:font script="Mong" typeface="Mongolian Baiti"/>
-        <a:font script="Viet" typeface="Times New Roman"/>
-        <a:font script="Uigh" typeface="Microsoft Uighur"/>
-        <a:font script="Geor" typeface="Sylfaen"/>
-        <a:font script="Armn" typeface="Arial"/>
-        <a:font script="Bugi" typeface="Leelawadee UI"/>
-        <a:font script="Bopo" typeface="Microsoft JhengHei"/>
-        <a:font script="Java" typeface="Javanese Text"/>
-        <a:font script="Lisu" typeface="Segoe UI"/>
-        <a:font script="Mymr" typeface="Myanmar Text"/>
-        <a:font script="Nkoo" typeface="Ebrima"/>
-        <a:font script="Olck" typeface="Nirmala UI"/>
-        <a:font script="Osma" typeface="Ebrima"/>
-        <a:font script="Phag" typeface="Phagspa"/>
-        <a:font script="Syrn" typeface="Estrangelo Edessa"/>
-        <a:font script="Syrj" typeface="Estrangelo Edessa"/>
-        <a:font script="Syre" typeface="Estrangelo Edessa"/>
-        <a:font script="Sora" typeface="Nirmala UI"/>
-        <a:font script="Tale" typeface="Microsoft Tai Le"/>
-        <a:font script="Talu" typeface="Microsoft New Tai Lue"/>
-        <a:font script="Tfng" typeface="Ebrima"/>
       </a:majorFont>
       <a:minorFont>
-        <a:latin typeface="Calibri" panose="020F0502020204030204"/>
+        <a:latin typeface="Berlin Sans FB"/>
         <a:ea typeface=""/>
         <a:cs typeface=""/>
-        <a:font script="Jpan" typeface="游ゴシック"/>
-        <a:font script="Hang" typeface="맑은 고딕"/>
-        <a:font script="Hans" typeface="等线"/>
-        <a:font script="Hant" typeface="新細明體"/>
-        <a:font script="Arab" typeface="Arial"/>
-        <a:font script="Hebr" typeface="Arial"/>
-        <a:font script="Thai" typeface="Cordia New"/>
-        <a:font script="Ethi" typeface="Nyala"/>
-        <a:font script="Beng" typeface="Vrinda"/>
-        <a:font script="Gujr" typeface="Shruti"/>
-        <a:font script="Khmr" typeface="DaunPenh"/>
-        <a:font script="Knda" typeface="Tunga"/>
-        <a:font script="Guru" typeface="Raavi"/>
-        <a:font script="Cans" typeface="Euphemia"/>
-        <a:font script="Cher" typeface="Plantagenet Cherokee"/>
-        <a:font script="Yiii" typeface="Microsoft Yi Baiti"/>
-        <a:font script="Tibt" typeface="Microsoft Himalaya"/>
-        <a:font script="Thaa" typeface="MV Boli"/>
-        <a:font script="Deva" typeface="Mangal"/>
-        <a:font script="Telu" typeface="Gautami"/>
-        <a:font script="Taml" typeface="Latha"/>
-        <a:font script="Syrc" typeface="Estrangelo Edessa"/>
-        <a:font script="Orya" typeface="Kalinga"/>
-        <a:font script="Mlym" typeface="Kartika"/>
-        <a:font script="Laoo" typeface="DokChampa"/>
-        <a:font script="Sinh" typeface="Iskoola Pota"/>
-        <a:font script="Mong" typeface="Mongolian Baiti"/>
-        <a:font script="Viet" typeface="Arial"/>
-        <a:font script="Uigh" typeface="Microsoft Uighur"/>
-        <a:font script="Geor" typeface="Sylfaen"/>
-        <a:font script="Armn" typeface="Arial"/>
-        <a:font script="Bugi" typeface="Leelawadee UI"/>
-        <a:font script="Bopo" typeface="Microsoft JhengHei"/>
-        <a:font script="Java" typeface="Javanese Text"/>
-        <a:font script="Lisu" typeface="Segoe UI"/>
-        <a:font script="Mymr" typeface="Myanmar Text"/>
-        <a:font script="Nkoo" typeface="Ebrima"/>
-        <a:font script="Olck" typeface="Nirmala UI"/>
-        <a:font script="Osma" typeface="Ebrima"/>
-        <a:font script="Phag" typeface="Phagspa"/>
-        <a:font script="Syrn" typeface="Estrangelo Edessa"/>
-        <a:font script="Syrj" typeface="Estrangelo Edessa"/>
-        <a:font script="Syre" typeface="Estrangelo Edessa"/>
-        <a:font script="Sora" typeface="Nirmala UI"/>
-        <a:font script="Tale" typeface="Microsoft Tai Le"/>
-        <a:font script="Talu" typeface="Microsoft New Tai Lue"/>
-        <a:font script="Tfng" typeface="Ebrima"/>
       </a:minorFont>
     </a:fontScheme>
     <a:fmtScheme name="Office">
